--- a/PowerShell, PowerFull/PowerShell, PowerFull.pptx
+++ b/PowerShell, PowerFull/PowerShell, PowerFull.pptx
@@ -10,28 +10,43 @@
     <p:sldId id="257" r:id="rId6"/>
     <p:sldId id="258" r:id="rId7"/>
     <p:sldId id="264" r:id="rId8"/>
-    <p:sldId id="259" r:id="rId9"/>
-    <p:sldId id="265" r:id="rId10"/>
-    <p:sldId id="266" r:id="rId11"/>
-    <p:sldId id="267" r:id="rId12"/>
-    <p:sldId id="268" r:id="rId13"/>
-    <p:sldId id="269" r:id="rId14"/>
-    <p:sldId id="270" r:id="rId15"/>
-    <p:sldId id="271" r:id="rId16"/>
-    <p:sldId id="272" r:id="rId17"/>
-    <p:sldId id="274" r:id="rId18"/>
-    <p:sldId id="273" r:id="rId19"/>
-    <p:sldId id="277" r:id="rId20"/>
-    <p:sldId id="276" r:id="rId21"/>
-    <p:sldId id="275" r:id="rId22"/>
-    <p:sldId id="279" r:id="rId23"/>
-    <p:sldId id="278" r:id="rId24"/>
-    <p:sldId id="282" r:id="rId25"/>
-    <p:sldId id="281" r:id="rId26"/>
-    <p:sldId id="280" r:id="rId27"/>
-    <p:sldId id="262" r:id="rId28"/>
-    <p:sldId id="263" r:id="rId29"/>
-    <p:sldId id="261" r:id="rId30"/>
+    <p:sldId id="291" r:id="rId9"/>
+    <p:sldId id="283" r:id="rId10"/>
+    <p:sldId id="284" r:id="rId11"/>
+    <p:sldId id="259" r:id="rId12"/>
+    <p:sldId id="265" r:id="rId13"/>
+    <p:sldId id="266" r:id="rId14"/>
+    <p:sldId id="285" r:id="rId15"/>
+    <p:sldId id="292" r:id="rId16"/>
+    <p:sldId id="267" r:id="rId17"/>
+    <p:sldId id="268" r:id="rId18"/>
+    <p:sldId id="269" r:id="rId19"/>
+    <p:sldId id="286" r:id="rId20"/>
+    <p:sldId id="287" r:id="rId21"/>
+    <p:sldId id="270" r:id="rId22"/>
+    <p:sldId id="271" r:id="rId23"/>
+    <p:sldId id="288" r:id="rId24"/>
+    <p:sldId id="289" r:id="rId25"/>
+    <p:sldId id="272" r:id="rId26"/>
+    <p:sldId id="290" r:id="rId27"/>
+    <p:sldId id="274" r:id="rId28"/>
+    <p:sldId id="273" r:id="rId29"/>
+    <p:sldId id="277" r:id="rId30"/>
+    <p:sldId id="276" r:id="rId31"/>
+    <p:sldId id="275" r:id="rId32"/>
+    <p:sldId id="279" r:id="rId33"/>
+    <p:sldId id="278" r:id="rId34"/>
+    <p:sldId id="282" r:id="rId35"/>
+    <p:sldId id="281" r:id="rId36"/>
+    <p:sldId id="293" r:id="rId37"/>
+    <p:sldId id="295" r:id="rId38"/>
+    <p:sldId id="296" r:id="rId39"/>
+    <p:sldId id="298" r:id="rId40"/>
+    <p:sldId id="297" r:id="rId41"/>
+    <p:sldId id="280" r:id="rId42"/>
+    <p:sldId id="262" r:id="rId43"/>
+    <p:sldId id="263" r:id="rId44"/>
+    <p:sldId id="261" r:id="rId45"/>
   </p:sldIdLst>
   <p:sldSz cx="12192000" cy="6858000"/>
   <p:notesSz cx="6858000" cy="9144000"/>
@@ -141,13 +156,545 @@
 <file path=ppt/revisionInfo.xml><?xml version="1.0" encoding="utf-8"?>
 <p1510:revInfo xmlns:a="http://schemas.openxmlformats.org/drawingml/2006/main" xmlns:r="http://schemas.openxmlformats.org/officeDocument/2006/relationships" xmlns:p1510="http://schemas.microsoft.com/office/powerpoint/2015/10/main">
   <p1510:revLst>
-    <p1510:client id="{ADC25DAB-748E-484C-B973-1F22CE6390CA}" v="2794" dt="2023-03-18T19:45:47.389"/>
+    <p1510:client id="{631099FF-7B4F-4E81-BFB9-989B8E88C0C1}" v="3019" dt="2023-04-19T23:40:54.091"/>
+    <p1510:client id="{CCE01D98-36A6-4573-B816-0CAA51EB71BA}" v="707" dt="2023-04-19T02:18:33.747"/>
   </p1510:revLst>
 </p1510:revInfo>
 </file>
 
 <file path=ppt/changesInfos/changesInfo1.xml><?xml version="1.0" encoding="utf-8"?>
 <pc:chgInfo xmlns:a="http://schemas.openxmlformats.org/drawingml/2006/main" xmlns:r="http://schemas.openxmlformats.org/officeDocument/2006/relationships" xmlns:ac="http://schemas.microsoft.com/office/drawing/2013/main/command" xmlns:pc="http://schemas.microsoft.com/office/powerpoint/2013/main/command">
+  <pc:docChgLst>
+    <pc:chgData userId="dbe1492c70b6d8a8" providerId="LiveId" clId="{631099FF-7B4F-4E81-BFB9-989B8E88C0C1}"/>
+    <pc:docChg chg="undo custSel addSld modSld">
+      <pc:chgData name="" userId="dbe1492c70b6d8a8" providerId="LiveId" clId="{631099FF-7B4F-4E81-BFB9-989B8E88C0C1}" dt="2023-04-19T23:40:54.091" v="3018" actId="20577"/>
+      <pc:docMkLst>
+        <pc:docMk/>
+      </pc:docMkLst>
+      <pc:sldChg chg="modSp">
+        <pc:chgData name="" userId="dbe1492c70b6d8a8" providerId="LiveId" clId="{631099FF-7B4F-4E81-BFB9-989B8E88C0C1}" dt="2023-04-13T11:41:51.135" v="189" actId="20577"/>
+        <pc:sldMkLst>
+          <pc:docMk/>
+          <pc:sldMk cId="1836775151" sldId="266"/>
+        </pc:sldMkLst>
+        <pc:spChg chg="mod">
+          <ac:chgData name="" userId="dbe1492c70b6d8a8" providerId="LiveId" clId="{631099FF-7B4F-4E81-BFB9-989B8E88C0C1}" dt="2023-04-13T11:41:51.135" v="189" actId="20577"/>
+          <ac:spMkLst>
+            <pc:docMk/>
+            <pc:sldMk cId="1836775151" sldId="266"/>
+            <ac:spMk id="6" creationId="{A6FDC50F-EE86-34BB-9944-C946FB0410AE}"/>
+          </ac:spMkLst>
+        </pc:spChg>
+      </pc:sldChg>
+      <pc:sldChg chg="modSp">
+        <pc:chgData name="" userId="dbe1492c70b6d8a8" providerId="LiveId" clId="{631099FF-7B4F-4E81-BFB9-989B8E88C0C1}" dt="2023-04-19T01:50:32.698" v="831" actId="20577"/>
+        <pc:sldMkLst>
+          <pc:docMk/>
+          <pc:sldMk cId="566783780" sldId="281"/>
+        </pc:sldMkLst>
+        <pc:spChg chg="mod">
+          <ac:chgData name="" userId="dbe1492c70b6d8a8" providerId="LiveId" clId="{631099FF-7B4F-4E81-BFB9-989B8E88C0C1}" dt="2023-04-19T01:50:32.698" v="831" actId="20577"/>
+          <ac:spMkLst>
+            <pc:docMk/>
+            <pc:sldMk cId="566783780" sldId="281"/>
+            <ac:spMk id="5" creationId="{FF2E7BEC-E120-4272-858F-3AD4DA9FA363}"/>
+          </ac:spMkLst>
+        </pc:spChg>
+      </pc:sldChg>
+      <pc:sldChg chg="modSp">
+        <pc:chgData name="" userId="dbe1492c70b6d8a8" providerId="LiveId" clId="{631099FF-7B4F-4E81-BFB9-989B8E88C0C1}" dt="2023-04-19T23:40:54.091" v="3018" actId="20577"/>
+        <pc:sldMkLst>
+          <pc:docMk/>
+          <pc:sldMk cId="457852421" sldId="283"/>
+        </pc:sldMkLst>
+        <pc:spChg chg="mod">
+          <ac:chgData name="" userId="dbe1492c70b6d8a8" providerId="LiveId" clId="{631099FF-7B4F-4E81-BFB9-989B8E88C0C1}" dt="2023-04-19T23:40:54.091" v="3018" actId="20577"/>
+          <ac:spMkLst>
+            <pc:docMk/>
+            <pc:sldMk cId="457852421" sldId="283"/>
+            <ac:spMk id="3" creationId="{B5810297-844C-6438-4F68-BC9DF11E64E1}"/>
+          </ac:spMkLst>
+        </pc:spChg>
+      </pc:sldChg>
+      <pc:sldChg chg="modSp">
+        <pc:chgData name="" userId="dbe1492c70b6d8a8" providerId="LiveId" clId="{631099FF-7B4F-4E81-BFB9-989B8E88C0C1}" dt="2023-04-13T11:44:18.592" v="346" actId="313"/>
+        <pc:sldMkLst>
+          <pc:docMk/>
+          <pc:sldMk cId="858478770" sldId="285"/>
+        </pc:sldMkLst>
+        <pc:spChg chg="mod">
+          <ac:chgData name="" userId="dbe1492c70b6d8a8" providerId="LiveId" clId="{631099FF-7B4F-4E81-BFB9-989B8E88C0C1}" dt="2023-04-13T11:44:18.592" v="346" actId="313"/>
+          <ac:spMkLst>
+            <pc:docMk/>
+            <pc:sldMk cId="858478770" sldId="285"/>
+            <ac:spMk id="3" creationId="{7916A2B2-F77C-D0BF-3028-7346AEB934EC}"/>
+          </ac:spMkLst>
+        </pc:spChg>
+      </pc:sldChg>
+      <pc:sldChg chg="modSp">
+        <pc:chgData name="" userId="dbe1492c70b6d8a8" providerId="LiveId" clId="{631099FF-7B4F-4E81-BFB9-989B8E88C0C1}" dt="2023-04-19T23:32:11.711" v="3006" actId="20577"/>
+        <pc:sldMkLst>
+          <pc:docMk/>
+          <pc:sldMk cId="2521129249" sldId="291"/>
+        </pc:sldMkLst>
+        <pc:spChg chg="mod">
+          <ac:chgData name="" userId="dbe1492c70b6d8a8" providerId="LiveId" clId="{631099FF-7B4F-4E81-BFB9-989B8E88C0C1}" dt="2023-04-19T23:32:11.711" v="3006" actId="20577"/>
+          <ac:spMkLst>
+            <pc:docMk/>
+            <pc:sldMk cId="2521129249" sldId="291"/>
+            <ac:spMk id="3" creationId="{29FC9644-F43D-3E08-53E5-5C2CD5AA618F}"/>
+          </ac:spMkLst>
+        </pc:spChg>
+      </pc:sldChg>
+      <pc:sldChg chg="modSp add">
+        <pc:chgData name="" userId="dbe1492c70b6d8a8" providerId="LiveId" clId="{631099FF-7B4F-4E81-BFB9-989B8E88C0C1}" dt="2023-04-13T11:59:51.429" v="703" actId="20577"/>
+        <pc:sldMkLst>
+          <pc:docMk/>
+          <pc:sldMk cId="3245860134" sldId="292"/>
+        </pc:sldMkLst>
+        <pc:spChg chg="mod">
+          <ac:chgData name="" userId="dbe1492c70b6d8a8" providerId="LiveId" clId="{631099FF-7B4F-4E81-BFB9-989B8E88C0C1}" dt="2023-04-13T11:40:42.124" v="28" actId="20577"/>
+          <ac:spMkLst>
+            <pc:docMk/>
+            <pc:sldMk cId="3245860134" sldId="292"/>
+            <ac:spMk id="2" creationId="{83860CFA-41C7-4EC5-9072-932CB1919C00}"/>
+          </ac:spMkLst>
+        </pc:spChg>
+        <pc:spChg chg="mod">
+          <ac:chgData name="" userId="dbe1492c70b6d8a8" providerId="LiveId" clId="{631099FF-7B4F-4E81-BFB9-989B8E88C0C1}" dt="2023-04-13T11:59:51.429" v="703" actId="20577"/>
+          <ac:spMkLst>
+            <pc:docMk/>
+            <pc:sldMk cId="3245860134" sldId="292"/>
+            <ac:spMk id="3" creationId="{210FE6B4-E56B-465B-83DF-BF60F85D622E}"/>
+          </ac:spMkLst>
+        </pc:spChg>
+      </pc:sldChg>
+      <pc:sldChg chg="modSp add">
+        <pc:chgData name="" userId="dbe1492c70b6d8a8" providerId="LiveId" clId="{631099FF-7B4F-4E81-BFB9-989B8E88C0C1}" dt="2023-04-18T04:16:06.707" v="794" actId="20577"/>
+        <pc:sldMkLst>
+          <pc:docMk/>
+          <pc:sldMk cId="1469320877" sldId="293"/>
+        </pc:sldMkLst>
+        <pc:spChg chg="mod">
+          <ac:chgData name="" userId="dbe1492c70b6d8a8" providerId="LiveId" clId="{631099FF-7B4F-4E81-BFB9-989B8E88C0C1}" dt="2023-04-18T04:15:39.406" v="741" actId="20577"/>
+          <ac:spMkLst>
+            <pc:docMk/>
+            <pc:sldMk cId="1469320877" sldId="293"/>
+            <ac:spMk id="2" creationId="{ABC3EB01-FD8C-4511-821F-741F27C87337}"/>
+          </ac:spMkLst>
+        </pc:spChg>
+        <pc:spChg chg="mod">
+          <ac:chgData name="" userId="dbe1492c70b6d8a8" providerId="LiveId" clId="{631099FF-7B4F-4E81-BFB9-989B8E88C0C1}" dt="2023-04-18T04:16:06.707" v="794" actId="20577"/>
+          <ac:spMkLst>
+            <pc:docMk/>
+            <pc:sldMk cId="1469320877" sldId="293"/>
+            <ac:spMk id="3" creationId="{E9BE57F0-3730-48B6-AD55-E0F44DD6575C}"/>
+          </ac:spMkLst>
+        </pc:spChg>
+      </pc:sldChg>
+      <pc:sldChg chg="modSp add">
+        <pc:chgData name="" userId="dbe1492c70b6d8a8" providerId="LiveId" clId="{631099FF-7B4F-4E81-BFB9-989B8E88C0C1}" dt="2023-04-19T01:54:48.093" v="1512" actId="20577"/>
+        <pc:sldMkLst>
+          <pc:docMk/>
+          <pc:sldMk cId="1350774490" sldId="295"/>
+        </pc:sldMkLst>
+        <pc:spChg chg="mod">
+          <ac:chgData name="" userId="dbe1492c70b6d8a8" providerId="LiveId" clId="{631099FF-7B4F-4E81-BFB9-989B8E88C0C1}" dt="2023-04-19T01:53:28.475" v="1211" actId="20577"/>
+          <ac:spMkLst>
+            <pc:docMk/>
+            <pc:sldMk cId="1350774490" sldId="295"/>
+            <ac:spMk id="2" creationId="{276AAB56-A37B-4DA6-B1D4-E53FF2095D63}"/>
+          </ac:spMkLst>
+        </pc:spChg>
+        <pc:spChg chg="mod">
+          <ac:chgData name="" userId="dbe1492c70b6d8a8" providerId="LiveId" clId="{631099FF-7B4F-4E81-BFB9-989B8E88C0C1}" dt="2023-04-19T01:54:48.093" v="1512" actId="20577"/>
+          <ac:spMkLst>
+            <pc:docMk/>
+            <pc:sldMk cId="1350774490" sldId="295"/>
+            <ac:spMk id="3" creationId="{A15B3041-9977-4217-86D1-9FE815A01859}"/>
+          </ac:spMkLst>
+        </pc:spChg>
+      </pc:sldChg>
+      <pc:sldChg chg="modSp add">
+        <pc:chgData name="" userId="dbe1492c70b6d8a8" providerId="LiveId" clId="{631099FF-7B4F-4E81-BFB9-989B8E88C0C1}" dt="2023-04-19T01:59:12.716" v="2308" actId="20577"/>
+        <pc:sldMkLst>
+          <pc:docMk/>
+          <pc:sldMk cId="2378559216" sldId="296"/>
+        </pc:sldMkLst>
+        <pc:spChg chg="mod">
+          <ac:chgData name="" userId="dbe1492c70b6d8a8" providerId="LiveId" clId="{631099FF-7B4F-4E81-BFB9-989B8E88C0C1}" dt="2023-04-19T01:55:02.076" v="1542" actId="20577"/>
+          <ac:spMkLst>
+            <pc:docMk/>
+            <pc:sldMk cId="2378559216" sldId="296"/>
+            <ac:spMk id="2" creationId="{52495AC9-660C-480C-8CEB-D101F1903F69}"/>
+          </ac:spMkLst>
+        </pc:spChg>
+        <pc:spChg chg="mod">
+          <ac:chgData name="" userId="dbe1492c70b6d8a8" providerId="LiveId" clId="{631099FF-7B4F-4E81-BFB9-989B8E88C0C1}" dt="2023-04-19T01:59:12.716" v="2308" actId="20577"/>
+          <ac:spMkLst>
+            <pc:docMk/>
+            <pc:sldMk cId="2378559216" sldId="296"/>
+            <ac:spMk id="3" creationId="{CD592380-1870-4247-82DD-D429E15E54C0}"/>
+          </ac:spMkLst>
+        </pc:spChg>
+      </pc:sldChg>
+      <pc:sldChg chg="modSp add">
+        <pc:chgData name="" userId="dbe1492c70b6d8a8" providerId="LiveId" clId="{631099FF-7B4F-4E81-BFB9-989B8E88C0C1}" dt="2023-04-19T02:01:04.800" v="2444" actId="20577"/>
+        <pc:sldMkLst>
+          <pc:docMk/>
+          <pc:sldMk cId="3222596101" sldId="297"/>
+        </pc:sldMkLst>
+        <pc:spChg chg="mod">
+          <ac:chgData name="" userId="dbe1492c70b6d8a8" providerId="LiveId" clId="{631099FF-7B4F-4E81-BFB9-989B8E88C0C1}" dt="2023-04-19T01:59:34.526" v="2336" actId="20577"/>
+          <ac:spMkLst>
+            <pc:docMk/>
+            <pc:sldMk cId="3222596101" sldId="297"/>
+            <ac:spMk id="2" creationId="{D83163A7-0713-4D5B-AB3D-4D9C49DBB9CB}"/>
+          </ac:spMkLst>
+        </pc:spChg>
+        <pc:spChg chg="mod">
+          <ac:chgData name="" userId="dbe1492c70b6d8a8" providerId="LiveId" clId="{631099FF-7B4F-4E81-BFB9-989B8E88C0C1}" dt="2023-04-19T02:01:04.800" v="2444" actId="20577"/>
+          <ac:spMkLst>
+            <pc:docMk/>
+            <pc:sldMk cId="3222596101" sldId="297"/>
+            <ac:spMk id="3" creationId="{0C303F55-FCBD-4B7E-BAD2-4E14F22CC121}"/>
+          </ac:spMkLst>
+        </pc:spChg>
+      </pc:sldChg>
+      <pc:sldChg chg="modSp add">
+        <pc:chgData name="" userId="dbe1492c70b6d8a8" providerId="LiveId" clId="{631099FF-7B4F-4E81-BFB9-989B8E88C0C1}" dt="2023-04-19T02:03:57.671" v="3004" actId="20577"/>
+        <pc:sldMkLst>
+          <pc:docMk/>
+          <pc:sldMk cId="1813138683" sldId="298"/>
+        </pc:sldMkLst>
+        <pc:spChg chg="mod">
+          <ac:chgData name="" userId="dbe1492c70b6d8a8" providerId="LiveId" clId="{631099FF-7B4F-4E81-BFB9-989B8E88C0C1}" dt="2023-04-19T02:01:20.198" v="2468" actId="20577"/>
+          <ac:spMkLst>
+            <pc:docMk/>
+            <pc:sldMk cId="1813138683" sldId="298"/>
+            <ac:spMk id="2" creationId="{AB77D038-AA6D-488C-AB6C-0A92116B7711}"/>
+          </ac:spMkLst>
+        </pc:spChg>
+        <pc:spChg chg="mod">
+          <ac:chgData name="" userId="dbe1492c70b6d8a8" providerId="LiveId" clId="{631099FF-7B4F-4E81-BFB9-989B8E88C0C1}" dt="2023-04-19T02:03:57.671" v="3004" actId="20577"/>
+          <ac:spMkLst>
+            <pc:docMk/>
+            <pc:sldMk cId="1813138683" sldId="298"/>
+            <ac:spMk id="3" creationId="{D3B52B5A-B9B1-4737-AF67-EA3D3862FCD4}"/>
+          </ac:spMkLst>
+        </pc:spChg>
+      </pc:sldChg>
+    </pc:docChg>
+  </pc:docChgLst>
+  <pc:docChgLst>
+    <pc:chgData name="Scott Corio" userId="dbe1492c70b6d8a8" providerId="Windows Live" clId="Web-{718FB014-82CC-4FC3-806B-5B1C9E4FA7A5}"/>
+    <pc:docChg chg="addSld modSld">
+      <pc:chgData name="Scott Corio" userId="dbe1492c70b6d8a8" providerId="Windows Live" clId="Web-{718FB014-82CC-4FC3-806B-5B1C9E4FA7A5}" dt="2023-04-11T18:54:04.315" v="241" actId="20577"/>
+      <pc:docMkLst>
+        <pc:docMk/>
+      </pc:docMkLst>
+      <pc:sldChg chg="modSp">
+        <pc:chgData name="Scott Corio" userId="dbe1492c70b6d8a8" providerId="Windows Live" clId="Web-{718FB014-82CC-4FC3-806B-5B1C9E4FA7A5}" dt="2023-04-11T16:13:25.829" v="25" actId="20577"/>
+        <pc:sldMkLst>
+          <pc:docMk/>
+          <pc:sldMk cId="3784392826" sldId="264"/>
+        </pc:sldMkLst>
+        <pc:spChg chg="mod">
+          <ac:chgData name="Scott Corio" userId="dbe1492c70b6d8a8" providerId="Windows Live" clId="Web-{718FB014-82CC-4FC3-806B-5B1C9E4FA7A5}" dt="2023-04-11T16:13:25.829" v="25" actId="20577"/>
+          <ac:spMkLst>
+            <pc:docMk/>
+            <pc:sldMk cId="3784392826" sldId="264"/>
+            <ac:spMk id="5" creationId="{815A6F1B-7CEE-450F-9EC9-BC5F745D0B4E}"/>
+          </ac:spMkLst>
+        </pc:spChg>
+      </pc:sldChg>
+      <pc:sldChg chg="modSp">
+        <pc:chgData name="Scott Corio" userId="dbe1492c70b6d8a8" providerId="Windows Live" clId="Web-{718FB014-82CC-4FC3-806B-5B1C9E4FA7A5}" dt="2023-04-11T17:10:55.786" v="236" actId="20577"/>
+        <pc:sldMkLst>
+          <pc:docMk/>
+          <pc:sldMk cId="1222080484" sldId="265"/>
+        </pc:sldMkLst>
+        <pc:spChg chg="mod">
+          <ac:chgData name="Scott Corio" userId="dbe1492c70b6d8a8" providerId="Windows Live" clId="Web-{718FB014-82CC-4FC3-806B-5B1C9E4FA7A5}" dt="2023-04-11T17:10:55.786" v="236" actId="20577"/>
+          <ac:spMkLst>
+            <pc:docMk/>
+            <pc:sldMk cId="1222080484" sldId="265"/>
+            <ac:spMk id="5" creationId="{C22CE951-1BE8-4002-A6EB-B2A3013F37AA}"/>
+          </ac:spMkLst>
+        </pc:spChg>
+      </pc:sldChg>
+      <pc:sldChg chg="modSp">
+        <pc:chgData name="Scott Corio" userId="dbe1492c70b6d8a8" providerId="Windows Live" clId="Web-{718FB014-82CC-4FC3-806B-5B1C9E4FA7A5}" dt="2023-04-11T17:34:02.581" v="240" actId="20577"/>
+        <pc:sldMkLst>
+          <pc:docMk/>
+          <pc:sldMk cId="1836775151" sldId="266"/>
+        </pc:sldMkLst>
+        <pc:spChg chg="mod">
+          <ac:chgData name="Scott Corio" userId="dbe1492c70b6d8a8" providerId="Windows Live" clId="Web-{718FB014-82CC-4FC3-806B-5B1C9E4FA7A5}" dt="2023-04-11T17:34:02.581" v="240" actId="20577"/>
+          <ac:spMkLst>
+            <pc:docMk/>
+            <pc:sldMk cId="1836775151" sldId="266"/>
+            <ac:spMk id="4" creationId="{41ADD2DE-DA19-4004-9E86-DC3AC8177A04}"/>
+          </ac:spMkLst>
+        </pc:spChg>
+      </pc:sldChg>
+      <pc:sldChg chg="modSp">
+        <pc:chgData name="Scott Corio" userId="dbe1492c70b6d8a8" providerId="Windows Live" clId="Web-{718FB014-82CC-4FC3-806B-5B1C9E4FA7A5}" dt="2023-04-11T16:22:51.018" v="228" actId="20577"/>
+        <pc:sldMkLst>
+          <pc:docMk/>
+          <pc:sldMk cId="457852421" sldId="283"/>
+        </pc:sldMkLst>
+        <pc:spChg chg="mod">
+          <ac:chgData name="Scott Corio" userId="dbe1492c70b6d8a8" providerId="Windows Live" clId="Web-{718FB014-82CC-4FC3-806B-5B1C9E4FA7A5}" dt="2023-04-11T16:22:51.018" v="228" actId="20577"/>
+          <ac:spMkLst>
+            <pc:docMk/>
+            <pc:sldMk cId="457852421" sldId="283"/>
+            <ac:spMk id="3" creationId="{B5810297-844C-6438-4F68-BC9DF11E64E1}"/>
+          </ac:spMkLst>
+        </pc:spChg>
+      </pc:sldChg>
+      <pc:sldChg chg="modSp">
+        <pc:chgData name="Scott Corio" userId="dbe1492c70b6d8a8" providerId="Windows Live" clId="Web-{718FB014-82CC-4FC3-806B-5B1C9E4FA7A5}" dt="2023-04-11T18:54:04.315" v="241" actId="20577"/>
+        <pc:sldMkLst>
+          <pc:docMk/>
+          <pc:sldMk cId="2460459534" sldId="289"/>
+        </pc:sldMkLst>
+        <pc:spChg chg="mod">
+          <ac:chgData name="Scott Corio" userId="dbe1492c70b6d8a8" providerId="Windows Live" clId="Web-{718FB014-82CC-4FC3-806B-5B1C9E4FA7A5}" dt="2023-04-11T18:54:04.315" v="241" actId="20577"/>
+          <ac:spMkLst>
+            <pc:docMk/>
+            <pc:sldMk cId="2460459534" sldId="289"/>
+            <ac:spMk id="3" creationId="{B43E5CEF-8AD9-F85A-4AB6-78100144B492}"/>
+          </ac:spMkLst>
+        </pc:spChg>
+      </pc:sldChg>
+      <pc:sldChg chg="modSp new">
+        <pc:chgData name="Scott Corio" userId="dbe1492c70b6d8a8" providerId="Windows Live" clId="Web-{718FB014-82CC-4FC3-806B-5B1C9E4FA7A5}" dt="2023-04-11T16:20:20.123" v="213" actId="20577"/>
+        <pc:sldMkLst>
+          <pc:docMk/>
+          <pc:sldMk cId="2521129249" sldId="291"/>
+        </pc:sldMkLst>
+        <pc:spChg chg="mod">
+          <ac:chgData name="Scott Corio" userId="dbe1492c70b6d8a8" providerId="Windows Live" clId="Web-{718FB014-82CC-4FC3-806B-5B1C9E4FA7A5}" dt="2023-04-11T16:20:20.123" v="213" actId="20577"/>
+          <ac:spMkLst>
+            <pc:docMk/>
+            <pc:sldMk cId="2521129249" sldId="291"/>
+            <ac:spMk id="2" creationId="{F538E2EF-790E-952B-EEC4-1FAA033CA3A8}"/>
+          </ac:spMkLst>
+        </pc:spChg>
+        <pc:spChg chg="mod">
+          <ac:chgData name="Scott Corio" userId="dbe1492c70b6d8a8" providerId="Windows Live" clId="Web-{718FB014-82CC-4FC3-806B-5B1C9E4FA7A5}" dt="2023-04-11T16:19:06.355" v="204" actId="20577"/>
+          <ac:spMkLst>
+            <pc:docMk/>
+            <pc:sldMk cId="2521129249" sldId="291"/>
+            <ac:spMk id="3" creationId="{29FC9644-F43D-3E08-53E5-5C2CD5AA618F}"/>
+          </ac:spMkLst>
+        </pc:spChg>
+      </pc:sldChg>
+    </pc:docChg>
+  </pc:docChgLst>
+  <pc:docChgLst>
+    <pc:chgData name="Scott Corio" userId="dbe1492c70b6d8a8" providerId="Windows Live" clId="Web-{D4318A48-B3F7-450B-A701-7917B4BD32B4}"/>
+    <pc:docChg chg="modSld">
+      <pc:chgData name="Scott Corio" userId="dbe1492c70b6d8a8" providerId="Windows Live" clId="Web-{D4318A48-B3F7-450B-A701-7917B4BD32B4}" dt="2023-04-10T19:27:26.778" v="29" actId="20577"/>
+      <pc:docMkLst>
+        <pc:docMk/>
+      </pc:docMkLst>
+      <pc:sldChg chg="modSp">
+        <pc:chgData name="Scott Corio" userId="dbe1492c70b6d8a8" providerId="Windows Live" clId="Web-{D4318A48-B3F7-450B-A701-7917B4BD32B4}" dt="2023-04-10T19:27:26.778" v="29" actId="20577"/>
+        <pc:sldMkLst>
+          <pc:docMk/>
+          <pc:sldMk cId="566783780" sldId="281"/>
+        </pc:sldMkLst>
+        <pc:spChg chg="mod">
+          <ac:chgData name="Scott Corio" userId="dbe1492c70b6d8a8" providerId="Windows Live" clId="Web-{D4318A48-B3F7-450B-A701-7917B4BD32B4}" dt="2023-04-10T19:27:26.778" v="29" actId="20577"/>
+          <ac:spMkLst>
+            <pc:docMk/>
+            <pc:sldMk cId="566783780" sldId="281"/>
+            <ac:spMk id="5" creationId="{FF2E7BEC-E120-4272-858F-3AD4DA9FA363}"/>
+          </ac:spMkLst>
+        </pc:spChg>
+      </pc:sldChg>
+    </pc:docChg>
+  </pc:docChgLst>
+  <pc:docChgLst>
+    <pc:chgData name="jeff scripter" userId="978613fa8f969a48" providerId="Windows Live" clId="Web-{CCE01D98-36A6-4573-B816-0CAA51EB71BA}"/>
+    <pc:docChg chg="addSld delSld modSld">
+      <pc:chgData name="jeff scripter" userId="978613fa8f969a48" providerId="Windows Live" clId="Web-{CCE01D98-36A6-4573-B816-0CAA51EB71BA}" dt="2023-04-19T02:18:33.747" v="701" actId="20577"/>
+      <pc:docMkLst>
+        <pc:docMk/>
+      </pc:docMkLst>
+      <pc:sldChg chg="modSp">
+        <pc:chgData name="jeff scripter" userId="978613fa8f969a48" providerId="Windows Live" clId="Web-{CCE01D98-36A6-4573-B816-0CAA51EB71BA}" dt="2023-04-19T02:18:33.747" v="701" actId="20577"/>
+        <pc:sldMkLst>
+          <pc:docMk/>
+          <pc:sldMk cId="3163722154" sldId="269"/>
+        </pc:sldMkLst>
+        <pc:spChg chg="mod">
+          <ac:chgData name="jeff scripter" userId="978613fa8f969a48" providerId="Windows Live" clId="Web-{CCE01D98-36A6-4573-B816-0CAA51EB71BA}" dt="2023-04-19T02:18:33.747" v="701" actId="20577"/>
+          <ac:spMkLst>
+            <pc:docMk/>
+            <pc:sldMk cId="3163722154" sldId="269"/>
+            <ac:spMk id="5" creationId="{3162159E-D852-4555-A839-F6CF64541DCB}"/>
+          </ac:spMkLst>
+        </pc:spChg>
+      </pc:sldChg>
+      <pc:sldChg chg="modSp">
+        <pc:chgData name="jeff scripter" userId="978613fa8f969a48" providerId="Windows Live" clId="Web-{CCE01D98-36A6-4573-B816-0CAA51EB71BA}" dt="2023-04-19T01:54:49.723" v="402" actId="20577"/>
+        <pc:sldMkLst>
+          <pc:docMk/>
+          <pc:sldMk cId="3475353937" sldId="277"/>
+        </pc:sldMkLst>
+        <pc:spChg chg="mod">
+          <ac:chgData name="jeff scripter" userId="978613fa8f969a48" providerId="Windows Live" clId="Web-{CCE01D98-36A6-4573-B816-0CAA51EB71BA}" dt="2023-04-19T01:54:49.723" v="402" actId="20577"/>
+          <ac:spMkLst>
+            <pc:docMk/>
+            <pc:sldMk cId="3475353937" sldId="277"/>
+            <ac:spMk id="5" creationId="{8766AF71-A1A9-4BFF-B506-8CF7DB84B495}"/>
+          </ac:spMkLst>
+        </pc:spChg>
+      </pc:sldChg>
+      <pc:sldChg chg="modSp">
+        <pc:chgData name="jeff scripter" userId="978613fa8f969a48" providerId="Windows Live" clId="Web-{CCE01D98-36A6-4573-B816-0CAA51EB71BA}" dt="2023-04-19T02:02:19.942" v="699" actId="20577"/>
+        <pc:sldMkLst>
+          <pc:docMk/>
+          <pc:sldMk cId="547234064" sldId="279"/>
+        </pc:sldMkLst>
+        <pc:spChg chg="mod">
+          <ac:chgData name="jeff scripter" userId="978613fa8f969a48" providerId="Windows Live" clId="Web-{CCE01D98-36A6-4573-B816-0CAA51EB71BA}" dt="2023-04-19T02:02:19.942" v="699" actId="20577"/>
+          <ac:spMkLst>
+            <pc:docMk/>
+            <pc:sldMk cId="547234064" sldId="279"/>
+            <ac:spMk id="5" creationId="{BE7B24D6-6BDD-4451-87B6-52197815692F}"/>
+          </ac:spMkLst>
+        </pc:spChg>
+      </pc:sldChg>
+      <pc:sldChg chg="modSp">
+        <pc:chgData name="jeff scripter" userId="978613fa8f969a48" providerId="Windows Live" clId="Web-{CCE01D98-36A6-4573-B816-0CAA51EB71BA}" dt="2023-04-19T01:06:23.064" v="4" actId="20577"/>
+        <pc:sldMkLst>
+          <pc:docMk/>
+          <pc:sldMk cId="2521129249" sldId="291"/>
+        </pc:sldMkLst>
+        <pc:spChg chg="mod">
+          <ac:chgData name="jeff scripter" userId="978613fa8f969a48" providerId="Windows Live" clId="Web-{CCE01D98-36A6-4573-B816-0CAA51EB71BA}" dt="2023-04-19T01:06:23.064" v="4" actId="20577"/>
+          <ac:spMkLst>
+            <pc:docMk/>
+            <pc:sldMk cId="2521129249" sldId="291"/>
+            <ac:spMk id="3" creationId="{29FC9644-F43D-3E08-53E5-5C2CD5AA618F}"/>
+          </ac:spMkLst>
+        </pc:spChg>
+      </pc:sldChg>
+      <pc:sldChg chg="modSp add del replId">
+        <pc:chgData name="jeff scripter" userId="978613fa8f969a48" providerId="Windows Live" clId="Web-{CCE01D98-36A6-4573-B816-0CAA51EB71BA}" dt="2023-04-19T01:56:34.851" v="445"/>
+        <pc:sldMkLst>
+          <pc:docMk/>
+          <pc:sldMk cId="1210847905" sldId="294"/>
+        </pc:sldMkLst>
+        <pc:spChg chg="mod">
+          <ac:chgData name="jeff scripter" userId="978613fa8f969a48" providerId="Windows Live" clId="Web-{CCE01D98-36A6-4573-B816-0CAA51EB71BA}" dt="2023-04-19T01:19:43.608" v="171" actId="20577"/>
+          <ac:spMkLst>
+            <pc:docMk/>
+            <pc:sldMk cId="1210847905" sldId="294"/>
+            <ac:spMk id="4" creationId="{3B04EF2B-4BEA-4E24-9BCE-64072921CF7F}"/>
+          </ac:spMkLst>
+        </pc:spChg>
+        <pc:spChg chg="mod">
+          <ac:chgData name="jeff scripter" userId="978613fa8f969a48" providerId="Windows Live" clId="Web-{CCE01D98-36A6-4573-B816-0CAA51EB71BA}" dt="2023-04-19T01:56:30.632" v="444" actId="20577"/>
+          <ac:spMkLst>
+            <pc:docMk/>
+            <pc:sldMk cId="1210847905" sldId="294"/>
+            <ac:spMk id="5" creationId="{8766AF71-A1A9-4BFF-B506-8CF7DB84B495}"/>
+          </ac:spMkLst>
+        </pc:spChg>
+      </pc:sldChg>
+      <pc:sldChg chg="modSp add del replId">
+        <pc:chgData name="jeff scripter" userId="978613fa8f969a48" providerId="Windows Live" clId="Web-{CCE01D98-36A6-4573-B816-0CAA51EB71BA}" dt="2023-04-19T01:51:12.046" v="352"/>
+        <pc:sldMkLst>
+          <pc:docMk/>
+          <pc:sldMk cId="3529369818" sldId="295"/>
+        </pc:sldMkLst>
+        <pc:spChg chg="mod">
+          <ac:chgData name="jeff scripter" userId="978613fa8f969a48" providerId="Windows Live" clId="Web-{CCE01D98-36A6-4573-B816-0CAA51EB71BA}" dt="2023-04-19T01:20:24.953" v="176" actId="20577"/>
+          <ac:spMkLst>
+            <pc:docMk/>
+            <pc:sldMk cId="3529369818" sldId="295"/>
+            <ac:spMk id="4" creationId="{3B04EF2B-4BEA-4E24-9BCE-64072921CF7F}"/>
+          </ac:spMkLst>
+        </pc:spChg>
+        <pc:spChg chg="mod">
+          <ac:chgData name="jeff scripter" userId="978613fa8f969a48" providerId="Windows Live" clId="Web-{CCE01D98-36A6-4573-B816-0CAA51EB71BA}" dt="2023-04-19T01:48:30.214" v="316" actId="20577"/>
+          <ac:spMkLst>
+            <pc:docMk/>
+            <pc:sldMk cId="3529369818" sldId="295"/>
+            <ac:spMk id="5" creationId="{8766AF71-A1A9-4BFF-B506-8CF7DB84B495}"/>
+          </ac:spMkLst>
+        </pc:spChg>
+      </pc:sldChg>
+      <pc:sldChg chg="add del replId">
+        <pc:chgData name="jeff scripter" userId="978613fa8f969a48" providerId="Windows Live" clId="Web-{CCE01D98-36A6-4573-B816-0CAA51EB71BA}" dt="2023-04-19T01:20:44.875" v="178"/>
+        <pc:sldMkLst>
+          <pc:docMk/>
+          <pc:sldMk cId="3559287872" sldId="296"/>
+        </pc:sldMkLst>
+      </pc:sldChg>
+    </pc:docChg>
+  </pc:docChgLst>
+  <pc:docChgLst>
+    <pc:chgData name="Scott Corio" userId="dbe1492c70b6d8a8" providerId="Windows Live" clId="Web-{DC8B740D-5A01-4A63-8E1A-DF7208D035BB}"/>
+    <pc:docChg chg="modSld">
+      <pc:chgData name="Scott Corio" userId="dbe1492c70b6d8a8" providerId="Windows Live" clId="Web-{DC8B740D-5A01-4A63-8E1A-DF7208D035BB}" dt="2023-04-07T17:05:38.127" v="118" actId="20577"/>
+      <pc:docMkLst>
+        <pc:docMk/>
+      </pc:docMkLst>
+      <pc:sldChg chg="addSp modSp mod modClrScheme chgLayout">
+        <pc:chgData name="Scott Corio" userId="dbe1492c70b6d8a8" providerId="Windows Live" clId="Web-{DC8B740D-5A01-4A63-8E1A-DF7208D035BB}" dt="2023-04-07T17:05:38.127" v="118" actId="20577"/>
+        <pc:sldMkLst>
+          <pc:docMk/>
+          <pc:sldMk cId="1836775151" sldId="266"/>
+        </pc:sldMkLst>
+        <pc:spChg chg="add mod ord">
+          <ac:chgData name="Scott Corio" userId="dbe1492c70b6d8a8" providerId="Windows Live" clId="Web-{DC8B740D-5A01-4A63-8E1A-DF7208D035BB}" dt="2023-04-07T16:52:55.440" v="11" actId="20577"/>
+          <ac:spMkLst>
+            <pc:docMk/>
+            <pc:sldMk cId="1836775151" sldId="266"/>
+            <ac:spMk id="2" creationId="{FE209FAA-6FA1-66F5-E13D-A83AF292F836}"/>
+          </ac:spMkLst>
+        </pc:spChg>
+        <pc:spChg chg="add mod ord">
+          <ac:chgData name="Scott Corio" userId="dbe1492c70b6d8a8" providerId="Windows Live" clId="Web-{DC8B740D-5A01-4A63-8E1A-DF7208D035BB}" dt="2023-04-07T16:52:58.768" v="15" actId="20577"/>
+          <ac:spMkLst>
+            <pc:docMk/>
+            <pc:sldMk cId="1836775151" sldId="266"/>
+            <ac:spMk id="3" creationId="{54364D8C-D3E5-22DC-885C-DECCEBDB3994}"/>
+          </ac:spMkLst>
+        </pc:spChg>
+        <pc:spChg chg="mod ord">
+          <ac:chgData name="Scott Corio" userId="dbe1492c70b6d8a8" providerId="Windows Live" clId="Web-{DC8B740D-5A01-4A63-8E1A-DF7208D035BB}" dt="2023-04-07T16:52:41.486" v="0"/>
+          <ac:spMkLst>
+            <pc:docMk/>
+            <pc:sldMk cId="1836775151" sldId="266"/>
+            <ac:spMk id="4" creationId="{41ADD2DE-DA19-4004-9E86-DC3AC8177A04}"/>
+          </ac:spMkLst>
+        </pc:spChg>
+        <pc:spChg chg="mod ord">
+          <ac:chgData name="Scott Corio" userId="dbe1492c70b6d8a8" providerId="Windows Live" clId="Web-{DC8B740D-5A01-4A63-8E1A-DF7208D035BB}" dt="2023-04-07T17:05:38.127" v="118" actId="20577"/>
+          <ac:spMkLst>
+            <pc:docMk/>
+            <pc:sldMk cId="1836775151" sldId="266"/>
+            <ac:spMk id="5" creationId="{1E9934F4-EC4D-400D-8939-34B13BAD9F67}"/>
+          </ac:spMkLst>
+        </pc:spChg>
+        <pc:spChg chg="add mod ord">
+          <ac:chgData name="Scott Corio" userId="dbe1492c70b6d8a8" providerId="Windows Live" clId="Web-{DC8B740D-5A01-4A63-8E1A-DF7208D035BB}" dt="2023-04-07T16:59:04.166" v="92" actId="20577"/>
+          <ac:spMkLst>
+            <pc:docMk/>
+            <pc:sldMk cId="1836775151" sldId="266"/>
+            <ac:spMk id="6" creationId="{A6FDC50F-EE86-34BB-9944-C946FB0410AE}"/>
+          </ac:spMkLst>
+        </pc:spChg>
+      </pc:sldChg>
+    </pc:docChg>
+  </pc:docChgLst>
   <pc:docChgLst>
     <pc:chgData userId="dbe1492c70b6d8a8" providerId="LiveId" clId="{ADC25DAB-748E-484C-B973-1F22CE6390CA}"/>
     <pc:docChg chg="undo custSel addSld modSld sldOrd">
@@ -992,6 +1539,276 @@
             <pc:docMk/>
             <pc:sldMk cId="905624388" sldId="282"/>
             <ac:spMk id="3" creationId="{6E0C976C-A9BE-427F-8CFC-53D501806F2E}"/>
+          </ac:spMkLst>
+        </pc:spChg>
+      </pc:sldChg>
+    </pc:docChg>
+  </pc:docChgLst>
+  <pc:docChgLst>
+    <pc:chgData name="Scott Corio" userId="dbe1492c70b6d8a8" providerId="Windows Live" clId="Web-{1A5E2F05-ADE6-4E9E-96B4-8D1F9347DB30}"/>
+    <pc:docChg chg="addSld modSld">
+      <pc:chgData name="Scott Corio" userId="dbe1492c70b6d8a8" providerId="Windows Live" clId="Web-{1A5E2F05-ADE6-4E9E-96B4-8D1F9347DB30}" dt="2023-04-07T20:06:00.889" v="162"/>
+      <pc:docMkLst>
+        <pc:docMk/>
+      </pc:docMkLst>
+      <pc:sldChg chg="modSp new addAnim modAnim">
+        <pc:chgData name="Scott Corio" userId="dbe1492c70b6d8a8" providerId="Windows Live" clId="Web-{1A5E2F05-ADE6-4E9E-96B4-8D1F9347DB30}" dt="2023-04-07T20:06:00.889" v="162"/>
+        <pc:sldMkLst>
+          <pc:docMk/>
+          <pc:sldMk cId="457852421" sldId="283"/>
+        </pc:sldMkLst>
+        <pc:spChg chg="mod">
+          <ac:chgData name="Scott Corio" userId="dbe1492c70b6d8a8" providerId="Windows Live" clId="Web-{1A5E2F05-ADE6-4E9E-96B4-8D1F9347DB30}" dt="2023-04-07T19:55:10.626" v="14" actId="20577"/>
+          <ac:spMkLst>
+            <pc:docMk/>
+            <pc:sldMk cId="457852421" sldId="283"/>
+            <ac:spMk id="2" creationId="{B5346156-5005-6D9D-108E-09BCBB2C3693}"/>
+          </ac:spMkLst>
+        </pc:spChg>
+        <pc:spChg chg="mod">
+          <ac:chgData name="Scott Corio" userId="dbe1492c70b6d8a8" providerId="Windows Live" clId="Web-{1A5E2F05-ADE6-4E9E-96B4-8D1F9347DB30}" dt="2023-04-07T20:06:00.639" v="160" actId="20577"/>
+          <ac:spMkLst>
+            <pc:docMk/>
+            <pc:sldMk cId="457852421" sldId="283"/>
+            <ac:spMk id="3" creationId="{B5810297-844C-6438-4F68-BC9DF11E64E1}"/>
+          </ac:spMkLst>
+        </pc:spChg>
+      </pc:sldChg>
+    </pc:docChg>
+  </pc:docChgLst>
+  <pc:docChgLst>
+    <pc:chgData name="Scott Corio" userId="dbe1492c70b6d8a8" providerId="Windows Live" clId="Web-{B7B58662-8C08-463E-B475-330A107007B4}"/>
+    <pc:docChg chg="addSld modSld sldOrd">
+      <pc:chgData name="Scott Corio" userId="dbe1492c70b6d8a8" providerId="Windows Live" clId="Web-{B7B58662-8C08-463E-B475-330A107007B4}" dt="2023-04-10T15:16:16.593" v="1389" actId="20577"/>
+      <pc:docMkLst>
+        <pc:docMk/>
+      </pc:docMkLst>
+      <pc:sldChg chg="modSp">
+        <pc:chgData name="Scott Corio" userId="dbe1492c70b6d8a8" providerId="Windows Live" clId="Web-{B7B58662-8C08-463E-B475-330A107007B4}" dt="2023-04-10T13:05:17.329" v="186" actId="20577"/>
+        <pc:sldMkLst>
+          <pc:docMk/>
+          <pc:sldMk cId="1836775151" sldId="266"/>
+        </pc:sldMkLst>
+        <pc:spChg chg="mod">
+          <ac:chgData name="Scott Corio" userId="dbe1492c70b6d8a8" providerId="Windows Live" clId="Web-{B7B58662-8C08-463E-B475-330A107007B4}" dt="2023-04-10T13:05:17.329" v="186" actId="20577"/>
+          <ac:spMkLst>
+            <pc:docMk/>
+            <pc:sldMk cId="1836775151" sldId="266"/>
+            <ac:spMk id="5" creationId="{1E9934F4-EC4D-400D-8939-34B13BAD9F67}"/>
+          </ac:spMkLst>
+        </pc:spChg>
+        <pc:spChg chg="mod">
+          <ac:chgData name="Scott Corio" userId="dbe1492c70b6d8a8" providerId="Windows Live" clId="Web-{B7B58662-8C08-463E-B475-330A107007B4}" dt="2023-04-10T13:05:11.703" v="184" actId="20577"/>
+          <ac:spMkLst>
+            <pc:docMk/>
+            <pc:sldMk cId="1836775151" sldId="266"/>
+            <ac:spMk id="6" creationId="{A6FDC50F-EE86-34BB-9944-C946FB0410AE}"/>
+          </ac:spMkLst>
+        </pc:spChg>
+      </pc:sldChg>
+      <pc:sldChg chg="modSp">
+        <pc:chgData name="Scott Corio" userId="dbe1492c70b6d8a8" providerId="Windows Live" clId="Web-{B7B58662-8C08-463E-B475-330A107007B4}" dt="2023-04-10T13:08:27.117" v="291" actId="20577"/>
+        <pc:sldMkLst>
+          <pc:docMk/>
+          <pc:sldMk cId="3902425365" sldId="268"/>
+        </pc:sldMkLst>
+        <pc:spChg chg="mod">
+          <ac:chgData name="Scott Corio" userId="dbe1492c70b6d8a8" providerId="Windows Live" clId="Web-{B7B58662-8C08-463E-B475-330A107007B4}" dt="2023-04-10T13:08:27.117" v="291" actId="20577"/>
+          <ac:spMkLst>
+            <pc:docMk/>
+            <pc:sldMk cId="3902425365" sldId="268"/>
+            <ac:spMk id="3" creationId="{BD7CADAD-256D-462F-AE6F-C6AC39EBBD9D}"/>
+          </ac:spMkLst>
+        </pc:spChg>
+      </pc:sldChg>
+      <pc:sldChg chg="modSp">
+        <pc:chgData name="Scott Corio" userId="dbe1492c70b6d8a8" providerId="Windows Live" clId="Web-{B7B58662-8C08-463E-B475-330A107007B4}" dt="2023-04-10T13:13:39.707" v="487" actId="20577"/>
+        <pc:sldMkLst>
+          <pc:docMk/>
+          <pc:sldMk cId="3163722154" sldId="269"/>
+        </pc:sldMkLst>
+        <pc:spChg chg="mod">
+          <ac:chgData name="Scott Corio" userId="dbe1492c70b6d8a8" providerId="Windows Live" clId="Web-{B7B58662-8C08-463E-B475-330A107007B4}" dt="2023-04-10T13:13:39.707" v="487" actId="20577"/>
+          <ac:spMkLst>
+            <pc:docMk/>
+            <pc:sldMk cId="3163722154" sldId="269"/>
+            <ac:spMk id="5" creationId="{3162159E-D852-4555-A839-F6CF64541DCB}"/>
+          </ac:spMkLst>
+        </pc:spChg>
+      </pc:sldChg>
+      <pc:sldChg chg="modSp">
+        <pc:chgData name="Scott Corio" userId="dbe1492c70b6d8a8" providerId="Windows Live" clId="Web-{B7B58662-8C08-463E-B475-330A107007B4}" dt="2023-04-10T15:16:16.593" v="1389" actId="20577"/>
+        <pc:sldMkLst>
+          <pc:docMk/>
+          <pc:sldMk cId="2929112120" sldId="274"/>
+        </pc:sldMkLst>
+        <pc:spChg chg="mod">
+          <ac:chgData name="Scott Corio" userId="dbe1492c70b6d8a8" providerId="Windows Live" clId="Web-{B7B58662-8C08-463E-B475-330A107007B4}" dt="2023-04-10T15:16:16.593" v="1389" actId="20577"/>
+          <ac:spMkLst>
+            <pc:docMk/>
+            <pc:sldMk cId="2929112120" sldId="274"/>
+            <ac:spMk id="5" creationId="{EEEC96EE-8BEB-4587-9DDA-7BB273EE9329}"/>
+          </ac:spMkLst>
+        </pc:spChg>
+      </pc:sldChg>
+      <pc:sldChg chg="modSp new mod ord modClrScheme chgLayout">
+        <pc:chgData name="Scott Corio" userId="dbe1492c70b6d8a8" providerId="Windows Live" clId="Web-{B7B58662-8C08-463E-B475-330A107007B4}" dt="2023-04-10T13:03:35.793" v="133" actId="20577"/>
+        <pc:sldMkLst>
+          <pc:docMk/>
+          <pc:sldMk cId="3403926920" sldId="284"/>
+        </pc:sldMkLst>
+        <pc:spChg chg="mod ord">
+          <ac:chgData name="Scott Corio" userId="dbe1492c70b6d8a8" providerId="Windows Live" clId="Web-{B7B58662-8C08-463E-B475-330A107007B4}" dt="2023-04-10T13:00:42.209" v="9" actId="20577"/>
+          <ac:spMkLst>
+            <pc:docMk/>
+            <pc:sldMk cId="3403926920" sldId="284"/>
+            <ac:spMk id="2" creationId="{0F3E6AD6-C7FD-3E53-F560-AC8C8E18DF68}"/>
+          </ac:spMkLst>
+        </pc:spChg>
+        <pc:spChg chg="mod ord">
+          <ac:chgData name="Scott Corio" userId="dbe1492c70b6d8a8" providerId="Windows Live" clId="Web-{B7B58662-8C08-463E-B475-330A107007B4}" dt="2023-04-10T13:03:35.793" v="133" actId="20577"/>
+          <ac:spMkLst>
+            <pc:docMk/>
+            <pc:sldMk cId="3403926920" sldId="284"/>
+            <ac:spMk id="3" creationId="{44BD11BA-B37B-5142-5CDB-FB980BC5AE4C}"/>
+          </ac:spMkLst>
+        </pc:spChg>
+      </pc:sldChg>
+      <pc:sldChg chg="modSp new mod ord modClrScheme modShow chgLayout">
+        <pc:chgData name="Scott Corio" userId="dbe1492c70b6d8a8" providerId="Windows Live" clId="Web-{B7B58662-8C08-463E-B475-330A107007B4}" dt="2023-04-10T14:57:29.649" v="810"/>
+        <pc:sldMkLst>
+          <pc:docMk/>
+          <pc:sldMk cId="858478770" sldId="285"/>
+        </pc:sldMkLst>
+        <pc:spChg chg="mod ord">
+          <ac:chgData name="Scott Corio" userId="dbe1492c70b6d8a8" providerId="Windows Live" clId="Web-{B7B58662-8C08-463E-B475-330A107007B4}" dt="2023-04-10T13:05:44.533" v="204" actId="20577"/>
+          <ac:spMkLst>
+            <pc:docMk/>
+            <pc:sldMk cId="858478770" sldId="285"/>
+            <ac:spMk id="2" creationId="{DDB2A953-8D0A-9F25-D097-185832F55F4D}"/>
+          </ac:spMkLst>
+        </pc:spChg>
+        <pc:spChg chg="mod ord">
+          <ac:chgData name="Scott Corio" userId="dbe1492c70b6d8a8" providerId="Windows Live" clId="Web-{B7B58662-8C08-463E-B475-330A107007B4}" dt="2023-04-10T13:08:04.444" v="266" actId="20577"/>
+          <ac:spMkLst>
+            <pc:docMk/>
+            <pc:sldMk cId="858478770" sldId="285"/>
+            <ac:spMk id="3" creationId="{7916A2B2-F77C-D0BF-3028-7346AEB934EC}"/>
+          </ac:spMkLst>
+        </pc:spChg>
+      </pc:sldChg>
+      <pc:sldChg chg="modSp new mod ord modClrScheme chgLayout">
+        <pc:chgData name="Scott Corio" userId="dbe1492c70b6d8a8" providerId="Windows Live" clId="Web-{B7B58662-8C08-463E-B475-330A107007B4}" dt="2023-04-10T13:43:55.235" v="617" actId="20577"/>
+        <pc:sldMkLst>
+          <pc:docMk/>
+          <pc:sldMk cId="137351558" sldId="286"/>
+        </pc:sldMkLst>
+        <pc:spChg chg="mod ord">
+          <ac:chgData name="Scott Corio" userId="dbe1492c70b6d8a8" providerId="Windows Live" clId="Web-{B7B58662-8C08-463E-B475-330A107007B4}" dt="2023-04-10T13:14:17.037" v="503" actId="20577"/>
+          <ac:spMkLst>
+            <pc:docMk/>
+            <pc:sldMk cId="137351558" sldId="286"/>
+            <ac:spMk id="2" creationId="{0366ED32-B23B-29A0-F4FC-584A615EE009}"/>
+          </ac:spMkLst>
+        </pc:spChg>
+        <pc:spChg chg="mod ord">
+          <ac:chgData name="Scott Corio" userId="dbe1492c70b6d8a8" providerId="Windows Live" clId="Web-{B7B58662-8C08-463E-B475-330A107007B4}" dt="2023-04-10T13:43:55.235" v="617" actId="20577"/>
+          <ac:spMkLst>
+            <pc:docMk/>
+            <pc:sldMk cId="137351558" sldId="286"/>
+            <ac:spMk id="3" creationId="{E4E01A90-461A-9134-237A-5E0BF6BC278A}"/>
+          </ac:spMkLst>
+        </pc:spChg>
+      </pc:sldChg>
+      <pc:sldChg chg="modSp new">
+        <pc:chgData name="Scott Corio" userId="dbe1492c70b6d8a8" providerId="Windows Live" clId="Web-{B7B58662-8C08-463E-B475-330A107007B4}" dt="2023-04-10T14:30:23.806" v="809" actId="20577"/>
+        <pc:sldMkLst>
+          <pc:docMk/>
+          <pc:sldMk cId="1123016358" sldId="287"/>
+        </pc:sldMkLst>
+        <pc:spChg chg="mod">
+          <ac:chgData name="Scott Corio" userId="dbe1492c70b6d8a8" providerId="Windows Live" clId="Web-{B7B58662-8C08-463E-B475-330A107007B4}" dt="2023-04-10T13:44:13.813" v="622" actId="20577"/>
+          <ac:spMkLst>
+            <pc:docMk/>
+            <pc:sldMk cId="1123016358" sldId="287"/>
+            <ac:spMk id="2" creationId="{5B30F609-7523-7596-3069-9B743FCAEFF6}"/>
+          </ac:spMkLst>
+        </pc:spChg>
+        <pc:spChg chg="mod">
+          <ac:chgData name="Scott Corio" userId="dbe1492c70b6d8a8" providerId="Windows Live" clId="Web-{B7B58662-8C08-463E-B475-330A107007B4}" dt="2023-04-10T14:30:23.806" v="809" actId="20577"/>
+          <ac:spMkLst>
+            <pc:docMk/>
+            <pc:sldMk cId="1123016358" sldId="287"/>
+            <ac:spMk id="3" creationId="{5984B609-21FB-924F-591E-B1464E8B6F5F}"/>
+          </ac:spMkLst>
+        </pc:spChg>
+      </pc:sldChg>
+      <pc:sldChg chg="modSp new mod modClrScheme chgLayout">
+        <pc:chgData name="Scott Corio" userId="dbe1492c70b6d8a8" providerId="Windows Live" clId="Web-{B7B58662-8C08-463E-B475-330A107007B4}" dt="2023-04-10T14:59:28.542" v="929" actId="20577"/>
+        <pc:sldMkLst>
+          <pc:docMk/>
+          <pc:sldMk cId="3588097202" sldId="288"/>
+        </pc:sldMkLst>
+        <pc:spChg chg="mod ord">
+          <ac:chgData name="Scott Corio" userId="dbe1492c70b6d8a8" providerId="Windows Live" clId="Web-{B7B58662-8C08-463E-B475-330A107007B4}" dt="2023-04-10T14:58:35.994" v="858" actId="20577"/>
+          <ac:spMkLst>
+            <pc:docMk/>
+            <pc:sldMk cId="3588097202" sldId="288"/>
+            <ac:spMk id="2" creationId="{6573B084-5DD0-8589-0525-54EE426053FB}"/>
+          </ac:spMkLst>
+        </pc:spChg>
+        <pc:spChg chg="mod ord">
+          <ac:chgData name="Scott Corio" userId="dbe1492c70b6d8a8" providerId="Windows Live" clId="Web-{B7B58662-8C08-463E-B475-330A107007B4}" dt="2023-04-10T14:59:28.542" v="929" actId="20577"/>
+          <ac:spMkLst>
+            <pc:docMk/>
+            <pc:sldMk cId="3588097202" sldId="288"/>
+            <ac:spMk id="3" creationId="{E4CF02C6-4D27-7516-1F79-94795C1310B2}"/>
+          </ac:spMkLst>
+        </pc:spChg>
+      </pc:sldChg>
+      <pc:sldChg chg="modSp new">
+        <pc:chgData name="Scott Corio" userId="dbe1492c70b6d8a8" providerId="Windows Live" clId="Web-{B7B58662-8C08-463E-B475-330A107007B4}" dt="2023-04-10T15:06:22.862" v="1077" actId="20577"/>
+        <pc:sldMkLst>
+          <pc:docMk/>
+          <pc:sldMk cId="2460459534" sldId="289"/>
+        </pc:sldMkLst>
+        <pc:spChg chg="mod">
+          <ac:chgData name="Scott Corio" userId="dbe1492c70b6d8a8" providerId="Windows Live" clId="Web-{B7B58662-8C08-463E-B475-330A107007B4}" dt="2023-04-10T14:59:36.120" v="939" actId="20577"/>
+          <ac:spMkLst>
+            <pc:docMk/>
+            <pc:sldMk cId="2460459534" sldId="289"/>
+            <ac:spMk id="2" creationId="{2FEC9BF4-FC95-31A6-26E9-4B0723616280}"/>
+          </ac:spMkLst>
+        </pc:spChg>
+        <pc:spChg chg="mod">
+          <ac:chgData name="Scott Corio" userId="dbe1492c70b6d8a8" providerId="Windows Live" clId="Web-{B7B58662-8C08-463E-B475-330A107007B4}" dt="2023-04-10T15:06:22.862" v="1077" actId="20577"/>
+          <ac:spMkLst>
+            <pc:docMk/>
+            <pc:sldMk cId="2460459534" sldId="289"/>
+            <ac:spMk id="3" creationId="{B43E5CEF-8AD9-F85A-4AB6-78100144B492}"/>
+          </ac:spMkLst>
+        </pc:spChg>
+      </pc:sldChg>
+      <pc:sldChg chg="modSp new">
+        <pc:chgData name="Scott Corio" userId="dbe1492c70b6d8a8" providerId="Windows Live" clId="Web-{B7B58662-8C08-463E-B475-330A107007B4}" dt="2023-04-10T15:15:39.779" v="1363" actId="20577"/>
+        <pc:sldMkLst>
+          <pc:docMk/>
+          <pc:sldMk cId="3223174766" sldId="290"/>
+        </pc:sldMkLst>
+        <pc:spChg chg="mod">
+          <ac:chgData name="Scott Corio" userId="dbe1492c70b6d8a8" providerId="Windows Live" clId="Web-{B7B58662-8C08-463E-B475-330A107007B4}" dt="2023-04-10T15:06:32.284" v="1085" actId="20577"/>
+          <ac:spMkLst>
+            <pc:docMk/>
+            <pc:sldMk cId="3223174766" sldId="290"/>
+            <ac:spMk id="2" creationId="{95A6C3AE-083E-B168-13EF-47A8C8F9D716}"/>
+          </ac:spMkLst>
+        </pc:spChg>
+        <pc:spChg chg="mod">
+          <ac:chgData name="Scott Corio" userId="dbe1492c70b6d8a8" providerId="Windows Live" clId="Web-{B7B58662-8C08-463E-B475-330A107007B4}" dt="2023-04-10T15:15:39.779" v="1363" actId="20577"/>
+          <ac:spMkLst>
+            <pc:docMk/>
+            <pc:sldMk cId="3223174766" sldId="290"/>
+            <ac:spMk id="3" creationId="{83ECADB9-6E3E-E6F6-A57B-899B913B3B01}"/>
           </ac:spMkLst>
         </pc:spChg>
       </pc:sldChg>
@@ -1096,7 +1913,6 @@
               <a:rPr lang="en-US"/>
               <a:t>Click to edit Master title style</a:t>
             </a:r>
-            <a:endParaRPr lang="en-US" dirty="0"/>
           </a:p>
         </p:txBody>
       </p:sp>
@@ -1167,7 +1983,6 @@
               <a:rPr lang="en-US"/>
               <a:t>Click to edit Master subtitle style</a:t>
             </a:r>
-            <a:endParaRPr lang="en-US" dirty="0"/>
           </a:p>
         </p:txBody>
       </p:sp>
@@ -2065,7 +2880,7 @@
           <a:p>
             <a:pPr algn="ctr"/>
             <a:r>
-              <a:rPr lang="en-US" dirty="0"/>
+              <a:rPr lang="en-US"/>
               <a:t>29 Oct – 1 Nov, 2023</a:t>
             </a:r>
           </a:p>
@@ -2101,7 +2916,7 @@
           <a:p>
             <a:pPr algn="ctr"/>
             <a:r>
-              <a:rPr lang="en-US" dirty="0"/>
+              <a:rPr lang="en-US"/>
               <a:t>5-9 May, 2024</a:t>
             </a:r>
           </a:p>
@@ -2197,7 +3012,7 @@
           <a:p>
             <a:pPr algn="ctr"/>
             <a:r>
-              <a:rPr lang="en-US" sz="2400" b="1" dirty="0">
+              <a:rPr lang="en-US" sz="2400" b="1">
                 <a:solidFill>
                   <a:schemeClr val="bg1"/>
                 </a:solidFill>
@@ -2237,7 +3052,7 @@
           <a:p>
             <a:pPr algn="ctr"/>
             <a:r>
-              <a:rPr lang="en-US" sz="2400" b="1" dirty="0">
+              <a:rPr lang="en-US" sz="2400" b="1">
                 <a:solidFill>
                   <a:schemeClr val="bg1"/>
                 </a:solidFill>
@@ -2277,7 +3092,7 @@
           <a:p>
             <a:pPr algn="ctr"/>
             <a:r>
-              <a:rPr lang="en-US" sz="7200" b="1" u="none" cap="none" spc="0" baseline="0" dirty="0">
+              <a:rPr lang="en-US" sz="7200" b="1" u="none" cap="none" spc="0" baseline="0">
                 <a:ln w="0"/>
                 <a:solidFill>
                   <a:schemeClr val="bg1"/>
@@ -2429,7 +3244,7 @@
           <a:p>
             <a:pPr algn="ctr"/>
             <a:r>
-              <a:rPr lang="en-US" sz="7200" b="1" u="none" cap="none" spc="0" baseline="0" dirty="0">
+              <a:rPr lang="en-US" sz="7200" b="1" u="none" cap="none" spc="0" baseline="0">
                 <a:ln w="0"/>
                 <a:solidFill>
                   <a:schemeClr val="bg1"/>
@@ -2912,7 +3727,6 @@
               <a:rPr lang="en-US"/>
               <a:t>Click icon to add picture</a:t>
             </a:r>
-            <a:endParaRPr lang="en-US" dirty="0"/>
           </a:p>
         </p:txBody>
       </p:sp>
@@ -2946,7 +3760,7 @@
           <a:p>
             <a:pPr algn="ctr"/>
             <a:r>
-              <a:rPr lang="en-US" sz="7200" b="1" u="none" cap="none" spc="0" baseline="0" dirty="0">
+              <a:rPr lang="en-US" sz="7200" b="1" u="none" cap="none" spc="0" baseline="0">
                 <a:ln w="0"/>
                 <a:solidFill>
                   <a:schemeClr val="bg1"/>
@@ -3057,7 +3871,7 @@
           <a:p>
             <a:pPr lvl="0"/>
             <a:r>
-              <a:rPr lang="en-US" dirty="0"/>
+              <a:rPr lang="en-US"/>
               <a:t>Click to edit Speaker 1 Name</a:t>
             </a:r>
           </a:p>
@@ -3117,7 +3931,7 @@
           <a:p>
             <a:pPr lvl="0"/>
             <a:r>
-              <a:rPr lang="en-US" dirty="0"/>
+              <a:rPr lang="en-US"/>
               <a:t>Click to edit Speaker 2 Name</a:t>
             </a:r>
           </a:p>
@@ -3179,7 +3993,7 @@
           <a:p>
             <a:pPr lvl="0"/>
             <a:r>
-              <a:rPr lang="en-US" dirty="0"/>
+              <a:rPr lang="en-US"/>
               <a:t>Click to edit Speaker 1 contact info</a:t>
             </a:r>
           </a:p>
@@ -3239,7 +4053,7 @@
           <a:p>
             <a:pPr lvl="0"/>
             <a:r>
-              <a:rPr lang="en-US" dirty="0"/>
+              <a:rPr lang="en-US"/>
               <a:t>Click to edit Speaker 2 contact info</a:t>
             </a:r>
           </a:p>
@@ -3301,7 +4115,7 @@
           <a:p>
             <a:pPr lvl="0"/>
             <a:r>
-              <a:rPr lang="en-US" dirty="0"/>
+              <a:rPr lang="en-US"/>
               <a:t>Click to edit Speaker 1 info</a:t>
             </a:r>
           </a:p>
@@ -3363,7 +4177,7 @@
           <a:p>
             <a:pPr lvl="0"/>
             <a:r>
-              <a:rPr lang="en-US" dirty="0"/>
+              <a:rPr lang="en-US"/>
               <a:t>Click to edit Speaker 2 info</a:t>
             </a:r>
           </a:p>
@@ -3420,7 +4234,7 @@
           <a:p>
             <a:pPr algn="ctr"/>
             <a:r>
-              <a:rPr lang="en-US" b="0" cap="none" spc="0" dirty="0">
+              <a:rPr lang="en-US" b="0" cap="none" spc="0">
                 <a:ln w="0"/>
                 <a:solidFill>
                   <a:schemeClr val="bg1"/>
@@ -4255,7 +5069,6 @@
               <a:rPr lang="en-US"/>
               <a:t>Click to edit Master title style</a:t>
             </a:r>
-            <a:endParaRPr lang="en-US" dirty="0"/>
           </a:p>
         </p:txBody>
       </p:sp>
@@ -4451,7 +5264,7 @@
           <a:p>
             <a:pPr algn="ctr"/>
             <a:r>
-              <a:rPr lang="en-US" sz="9600" b="1" u="none" cap="none" spc="0" baseline="0" dirty="0">
+              <a:rPr lang="en-US" sz="9600" b="1" u="none" cap="none" spc="0" baseline="0">
                 <a:ln w="0"/>
                 <a:solidFill>
                   <a:schemeClr val="bg1">
@@ -4588,7 +5401,6 @@
               <a:rPr lang="en-US"/>
               <a:t>Fifth level</a:t>
             </a:r>
-            <a:endParaRPr lang="en-US" dirty="0"/>
           </a:p>
         </p:txBody>
       </p:sp>
@@ -5454,7 +6266,6 @@
               <a:rPr lang="en-US"/>
               <a:t>Click to edit Master title style</a:t>
             </a:r>
-            <a:endParaRPr lang="en-US" dirty="0"/>
           </a:p>
         </p:txBody>
       </p:sp>
@@ -5871,14 +6682,14 @@
           <a:lstStyle/>
           <a:p>
             <a:r>
-              <a:rPr lang="en-US" dirty="0"/>
+              <a:rPr lang="en-US"/>
               <a:t>PowerShell, </a:t>
             </a:r>
             <a:r>
-              <a:rPr lang="en-US" dirty="0" err="1"/>
+              <a:rPr lang="en-US" err="1"/>
               <a:t>PowerFull</a:t>
             </a:r>
-            <a:endParaRPr lang="en-US" dirty="0"/>
+            <a:endParaRPr lang="en-US"/>
           </a:p>
         </p:txBody>
       </p:sp>
@@ -5904,14 +6715,14 @@
           <a:lstStyle/>
           <a:p>
             <a:r>
-              <a:rPr lang="en-US" dirty="0"/>
+              <a:rPr lang="en-US"/>
               <a:t>Advanced topics in </a:t>
             </a:r>
             <a:r>
-              <a:rPr lang="en-US" dirty="0" err="1"/>
+              <a:rPr lang="en-US" err="1"/>
               <a:t>PowerShelling</a:t>
             </a:r>
-            <a:endParaRPr lang="en-US" dirty="0"/>
+            <a:endParaRPr lang="en-US"/>
           </a:p>
         </p:txBody>
       </p:sp>
@@ -5947,10 +6758,10 @@
       </p:grpSpPr>
       <p:sp>
         <p:nvSpPr>
-          <p:cNvPr id="2" name="Title 1">
-            <a:extLst>
-              <a:ext uri="{FF2B5EF4-FFF2-40B4-BE49-F238E27FC236}">
-                <a16:creationId xmlns:a16="http://schemas.microsoft.com/office/drawing/2014/main" id="{8F843E36-CD09-419B-B917-38DD87D4D0C7}"/>
+          <p:cNvPr id="4" name="Title 3">
+            <a:extLst>
+              <a:ext uri="{FF2B5EF4-FFF2-40B4-BE49-F238E27FC236}">
+                <a16:creationId xmlns:a16="http://schemas.microsoft.com/office/drawing/2014/main" id="{F08C5F52-B58A-4CF9-BEF1-BACEEB2D5459}"/>
               </a:ext>
             </a:extLst>
           </p:cNvPr>
@@ -5967,18 +6778,18 @@
           <a:lstStyle/>
           <a:p>
             <a:r>
-              <a:rPr lang="en-US" dirty="0"/>
-              <a:t>Splatting</a:t>
-            </a:r>
-          </a:p>
-        </p:txBody>
-      </p:sp>
-      <p:sp>
-        <p:nvSpPr>
-          <p:cNvPr id="3" name="Text Placeholder 2">
-            <a:extLst>
-              <a:ext uri="{FF2B5EF4-FFF2-40B4-BE49-F238E27FC236}">
-                <a16:creationId xmlns:a16="http://schemas.microsoft.com/office/drawing/2014/main" id="{BD7CADAD-256D-462F-AE6F-C6AC39EBBD9D}"/>
+              <a:rPr lang="en-US"/>
+              <a:t>What’s your return policy?</a:t>
+            </a:r>
+          </a:p>
+        </p:txBody>
+      </p:sp>
+      <p:sp>
+        <p:nvSpPr>
+          <p:cNvPr id="5" name="Text Placeholder 4">
+            <a:extLst>
+              <a:ext uri="{FF2B5EF4-FFF2-40B4-BE49-F238E27FC236}">
+                <a16:creationId xmlns:a16="http://schemas.microsoft.com/office/drawing/2014/main" id="{C22CE951-1BE8-4002-A6EB-B2A3013F37AA}"/>
               </a:ext>
             </a:extLst>
           </p:cNvPr>
@@ -5991,12 +6802,14 @@
         </p:nvSpPr>
         <p:spPr/>
         <p:txBody>
-          <a:bodyPr/>
+          <a:bodyPr vert="horz" lIns="91440" tIns="45720" rIns="91440" bIns="45720" rtlCol="0" anchor="t">
+            <a:normAutofit/>
+          </a:bodyPr>
           <a:lstStyle/>
           <a:p>
             <a:r>
-              <a:rPr lang="en-US" dirty="0"/>
-              <a:t>Wait…  What?</a:t>
+              <a:rPr lang="en-US"/>
+              <a:t>Passing and Returning by Value and Reference</a:t>
             </a:r>
           </a:p>
         </p:txBody>
@@ -6004,7 +6817,7 @@
     </p:spTree>
     <p:extLst>
       <p:ext uri="{BB962C8B-B14F-4D97-AF65-F5344CB8AC3E}">
-        <p14:creationId xmlns:p14="http://schemas.microsoft.com/office/powerpoint/2010/main" val="3902425365"/>
+        <p14:creationId xmlns:p14="http://schemas.microsoft.com/office/powerpoint/2010/main" val="1222080484"/>
       </p:ext>
     </p:extLst>
   </p:cSld>
@@ -6036,7 +6849,7 @@
           <p:cNvPr id="4" name="Title 3">
             <a:extLst>
               <a:ext uri="{FF2B5EF4-FFF2-40B4-BE49-F238E27FC236}">
-                <a16:creationId xmlns:a16="http://schemas.microsoft.com/office/drawing/2014/main" id="{5A896C91-36B7-41FC-B701-EE4999676ABE}"/>
+                <a16:creationId xmlns:a16="http://schemas.microsoft.com/office/drawing/2014/main" id="{41ADD2DE-DA19-4004-9E86-DC3AC8177A04}"/>
               </a:ext>
             </a:extLst>
           </p:cNvPr>
@@ -6053,18 +6866,18 @@
           <a:lstStyle/>
           <a:p>
             <a:r>
-              <a:rPr lang="en-US" dirty="0"/>
-              <a:t>Splatting</a:t>
-            </a:r>
-          </a:p>
-        </p:txBody>
-      </p:sp>
-      <p:sp>
-        <p:nvSpPr>
-          <p:cNvPr id="5" name="Content Placeholder 4">
-            <a:extLst>
-              <a:ext uri="{FF2B5EF4-FFF2-40B4-BE49-F238E27FC236}">
-                <a16:creationId xmlns:a16="http://schemas.microsoft.com/office/drawing/2014/main" id="{3162159E-D852-4555-A839-F6CF64541DCB}"/>
+              <a:rPr lang="en-US"/>
+              <a:t>Pass Types</a:t>
+            </a:r>
+          </a:p>
+        </p:txBody>
+      </p:sp>
+      <p:sp>
+        <p:nvSpPr>
+          <p:cNvPr id="2" name="Text Placeholder 1">
+            <a:extLst>
+              <a:ext uri="{FF2B5EF4-FFF2-40B4-BE49-F238E27FC236}">
+                <a16:creationId xmlns:a16="http://schemas.microsoft.com/office/drawing/2014/main" id="{FE209FAA-6FA1-66F5-E13D-A83AF292F836}"/>
               </a:ext>
             </a:extLst>
           </p:cNvPr>
@@ -6072,7 +6885,7 @@
             <a:spLocks noGrp="1"/>
           </p:cNvSpPr>
           <p:nvPr>
-            <p:ph idx="1"/>
+            <p:ph type="body" idx="1"/>
           </p:nvPr>
         </p:nvSpPr>
         <p:spPr/>
@@ -6081,28 +6894,178 @@
           <a:lstStyle/>
           <a:p>
             <a:r>
-              <a:rPr lang="en-US" dirty="0"/>
-              <a:t>What is splatting?</a:t>
-            </a:r>
-          </a:p>
-          <a:p>
-            <a:r>
-              <a:rPr lang="en-US" dirty="0"/>
-              <a:t>When do we need to do it?</a:t>
-            </a:r>
-          </a:p>
-          <a:p>
-            <a:r>
-              <a:rPr lang="en-US" dirty="0"/>
-              <a:t>What are the alternatives?</a:t>
-            </a:r>
+              <a:rPr lang="en-US">
+                <a:cs typeface="Calibri"/>
+              </a:rPr>
+              <a:t>Value</a:t>
+            </a:r>
+            <a:endParaRPr lang="en-US"/>
+          </a:p>
+        </p:txBody>
+      </p:sp>
+      <p:sp>
+        <p:nvSpPr>
+          <p:cNvPr id="5" name="Content Placeholder 4">
+            <a:extLst>
+              <a:ext uri="{FF2B5EF4-FFF2-40B4-BE49-F238E27FC236}">
+                <a16:creationId xmlns:a16="http://schemas.microsoft.com/office/drawing/2014/main" id="{1E9934F4-EC4D-400D-8939-34B13BAD9F67}"/>
+              </a:ext>
+            </a:extLst>
+          </p:cNvPr>
+          <p:cNvSpPr>
+            <a:spLocks noGrp="1"/>
+          </p:cNvSpPr>
+          <p:nvPr>
+            <p:ph sz="half" idx="2"/>
+          </p:nvPr>
+        </p:nvSpPr>
+        <p:spPr/>
+        <p:txBody>
+          <a:bodyPr vert="horz" lIns="91440" tIns="45720" rIns="91440" bIns="45720" rtlCol="0" anchor="t">
+            <a:normAutofit/>
+          </a:bodyPr>
+          <a:lstStyle/>
+          <a:p>
+            <a:r>
+              <a:rPr lang="en-US"/>
+              <a:t>Default method</a:t>
+            </a:r>
+          </a:p>
+          <a:p>
+            <a:r>
+              <a:rPr lang="en-US">
+                <a:cs typeface="Calibri"/>
+              </a:rPr>
+              <a:t>Does not alter or harm the original object</a:t>
+            </a:r>
+          </a:p>
+          <a:p>
+            <a:r>
+              <a:rPr lang="en-US">
+                <a:cs typeface="Calibri"/>
+              </a:rPr>
+              <a:t>Large objects can incur performance penalties</a:t>
+            </a:r>
+          </a:p>
+          <a:p>
+            <a:r>
+              <a:rPr lang="en-US">
+                <a:cs typeface="Calibri"/>
+              </a:rPr>
+              <a:t>Large limitations when dealing with threading/parallelism</a:t>
+            </a:r>
+          </a:p>
+          <a:p>
+            <a:endParaRPr lang="en-US">
+              <a:cs typeface="Calibri"/>
+            </a:endParaRPr>
+          </a:p>
+        </p:txBody>
+      </p:sp>
+      <p:sp>
+        <p:nvSpPr>
+          <p:cNvPr id="3" name="Text Placeholder 2">
+            <a:extLst>
+              <a:ext uri="{FF2B5EF4-FFF2-40B4-BE49-F238E27FC236}">
+                <a16:creationId xmlns:a16="http://schemas.microsoft.com/office/drawing/2014/main" id="{54364D8C-D3E5-22DC-885C-DECCEBDB3994}"/>
+              </a:ext>
+            </a:extLst>
+          </p:cNvPr>
+          <p:cNvSpPr>
+            <a:spLocks noGrp="1"/>
+          </p:cNvSpPr>
+          <p:nvPr>
+            <p:ph type="body" sz="quarter" idx="3"/>
+          </p:nvPr>
+        </p:nvSpPr>
+        <p:spPr/>
+        <p:txBody>
+          <a:bodyPr/>
+          <a:lstStyle/>
+          <a:p>
+            <a:r>
+              <a:rPr lang="en-US">
+                <a:cs typeface="Calibri"/>
+              </a:rPr>
+              <a:t>Reference</a:t>
+            </a:r>
+            <a:endParaRPr lang="en-US"/>
+          </a:p>
+        </p:txBody>
+      </p:sp>
+      <p:sp>
+        <p:nvSpPr>
+          <p:cNvPr id="6" name="Content Placeholder 5">
+            <a:extLst>
+              <a:ext uri="{FF2B5EF4-FFF2-40B4-BE49-F238E27FC236}">
+                <a16:creationId xmlns:a16="http://schemas.microsoft.com/office/drawing/2014/main" id="{A6FDC50F-EE86-34BB-9944-C946FB0410AE}"/>
+              </a:ext>
+            </a:extLst>
+          </p:cNvPr>
+          <p:cNvSpPr>
+            <a:spLocks noGrp="1"/>
+          </p:cNvSpPr>
+          <p:nvPr>
+            <p:ph sz="quarter" idx="4"/>
+          </p:nvPr>
+        </p:nvSpPr>
+        <p:spPr/>
+        <p:txBody>
+          <a:bodyPr vert="horz" lIns="91440" tIns="45720" rIns="91440" bIns="45720" rtlCol="0" anchor="t">
+            <a:normAutofit/>
+          </a:bodyPr>
+          <a:lstStyle/>
+          <a:p>
+            <a:r>
+              <a:rPr lang="en-US">
+                <a:cs typeface="Calibri"/>
+              </a:rPr>
+              <a:t>Uncommon</a:t>
+            </a:r>
+          </a:p>
+          <a:p>
+            <a:r>
+              <a:rPr lang="en-US">
+                <a:cs typeface="Calibri"/>
+              </a:rPr>
+              <a:t>Can "return" multiple "objects"</a:t>
+            </a:r>
+          </a:p>
+          <a:p>
+            <a:r>
+              <a:rPr lang="en-US">
+                <a:cs typeface="Calibri"/>
+              </a:rPr>
+              <a:t>Reduced memory impact</a:t>
+            </a:r>
+          </a:p>
+          <a:p>
+            <a:r>
+              <a:rPr lang="en-US">
+                <a:cs typeface="Calibri"/>
+              </a:rPr>
+              <a:t>Can be thread "safe“</a:t>
+            </a:r>
+          </a:p>
+          <a:p>
+            <a:r>
+              <a:rPr lang="en-US">
+                <a:cs typeface="Calibri"/>
+              </a:rPr>
+              <a:t>This is similar to the ‘out’ keyword used in C#</a:t>
+            </a:r>
+          </a:p>
+          <a:p>
+            <a:endParaRPr lang="en-US">
+              <a:cs typeface="Calibri"/>
+            </a:endParaRPr>
           </a:p>
         </p:txBody>
       </p:sp>
     </p:spTree>
     <p:extLst>
       <p:ext uri="{BB962C8B-B14F-4D97-AF65-F5344CB8AC3E}">
-        <p14:creationId xmlns:p14="http://schemas.microsoft.com/office/powerpoint/2010/main" val="3163722154"/>
+        <p14:creationId xmlns:p14="http://schemas.microsoft.com/office/powerpoint/2010/main" val="1836775151"/>
       </p:ext>
     </p:extLst>
   </p:cSld>
@@ -6131,10 +7094,10 @@
       </p:grpSpPr>
       <p:sp>
         <p:nvSpPr>
-          <p:cNvPr id="4" name="Title 3">
-            <a:extLst>
-              <a:ext uri="{FF2B5EF4-FFF2-40B4-BE49-F238E27FC236}">
-                <a16:creationId xmlns:a16="http://schemas.microsoft.com/office/drawing/2014/main" id="{35D4590D-CB3A-4801-B597-EEE041DF7DDF}"/>
+          <p:cNvPr id="2" name="Title 1">
+            <a:extLst>
+              <a:ext uri="{FF2B5EF4-FFF2-40B4-BE49-F238E27FC236}">
+                <a16:creationId xmlns:a16="http://schemas.microsoft.com/office/drawing/2014/main" id="{DDB2A953-8D0A-9F25-D097-185832F55F4D}"/>
               </a:ext>
             </a:extLst>
           </p:cNvPr>
@@ -6151,18 +7114,21 @@
           <a:lstStyle/>
           <a:p>
             <a:r>
-              <a:rPr lang="en-US" dirty="0"/>
-              <a:t>Things that fall go SPLAT</a:t>
-            </a:r>
-          </a:p>
-        </p:txBody>
-      </p:sp>
-      <p:sp>
-        <p:nvSpPr>
-          <p:cNvPr id="5" name="Text Placeholder 4">
-            <a:extLst>
-              <a:ext uri="{FF2B5EF4-FFF2-40B4-BE49-F238E27FC236}">
-                <a16:creationId xmlns:a16="http://schemas.microsoft.com/office/drawing/2014/main" id="{17C0AB94-C521-447B-A763-BAB20A1A3048}"/>
+              <a:rPr lang="en-US">
+                <a:cs typeface="Calibri"/>
+              </a:rPr>
+              <a:t>Passing by Reference</a:t>
+            </a:r>
+            <a:endParaRPr lang="en-US"/>
+          </a:p>
+        </p:txBody>
+      </p:sp>
+      <p:sp>
+        <p:nvSpPr>
+          <p:cNvPr id="3" name="Text Placeholder 2">
+            <a:extLst>
+              <a:ext uri="{FF2B5EF4-FFF2-40B4-BE49-F238E27FC236}">
+                <a16:creationId xmlns:a16="http://schemas.microsoft.com/office/drawing/2014/main" id="{7916A2B2-F77C-D0BF-3028-7346AEB934EC}"/>
               </a:ext>
             </a:extLst>
           </p:cNvPr>
@@ -6170,17 +7136,204 @@
             <a:spLocks noGrp="1"/>
           </p:cNvSpPr>
           <p:nvPr>
-            <p:ph type="body" idx="1"/>
+            <p:ph idx="1"/>
           </p:nvPr>
         </p:nvSpPr>
         <p:spPr/>
         <p:txBody>
-          <a:bodyPr/>
+          <a:bodyPr vert="horz" lIns="91440" tIns="45720" rIns="91440" bIns="45720" rtlCol="0" anchor="t">
+            <a:normAutofit lnSpcReduction="10000"/>
+          </a:bodyPr>
           <a:lstStyle/>
           <a:p>
-            <a:r>
-              <a:rPr lang="en-US" dirty="0"/>
-              <a:t>And sometimes PowerShell Objects do too</a:t>
+            <a:pPr marL="0" indent="0">
+              <a:buNone/>
+            </a:pPr>
+            <a:r>
+              <a:rPr lang="en-US">
+                <a:latin typeface="Consolas"/>
+                <a:cs typeface="Calibri" panose="020F0502020204030204"/>
+              </a:rPr>
+              <a:t>$Value = "something"</a:t>
+            </a:r>
+          </a:p>
+          <a:p>
+            <a:pPr marL="0" indent="0">
+              <a:buNone/>
+            </a:pPr>
+            <a:endParaRPr lang="en-US">
+              <a:latin typeface="Consolas"/>
+              <a:cs typeface="Calibri" panose="020F0502020204030204"/>
+            </a:endParaRPr>
+          </a:p>
+          <a:p>
+            <a:pPr marL="0" indent="0">
+              <a:buNone/>
+            </a:pPr>
+            <a:r>
+              <a:rPr lang="en-US">
+                <a:latin typeface="Consolas"/>
+                <a:cs typeface="Calibri" panose="020F0502020204030204"/>
+              </a:rPr>
+              <a:t>function </a:t>
+            </a:r>
+            <a:r>
+              <a:rPr lang="en-US" err="1">
+                <a:latin typeface="Consolas"/>
+                <a:cs typeface="Calibri" panose="020F0502020204030204"/>
+              </a:rPr>
+              <a:t>MyFunc</a:t>
+            </a:r>
+            <a:r>
+              <a:rPr lang="en-US">
+                <a:latin typeface="Consolas"/>
+                <a:cs typeface="Calibri" panose="020F0502020204030204"/>
+              </a:rPr>
+              <a:t> {</a:t>
+            </a:r>
+            <a:endParaRPr lang="en-US">
+              <a:cs typeface="Calibri"/>
+            </a:endParaRPr>
+          </a:p>
+          <a:p>
+            <a:pPr marL="0" indent="0">
+              <a:buNone/>
+            </a:pPr>
+            <a:r>
+              <a:rPr lang="en-US">
+                <a:latin typeface="Consolas"/>
+                <a:cs typeface="Calibri" panose="020F0502020204030204"/>
+              </a:rPr>
+              <a:t>  Param(</a:t>
+            </a:r>
+          </a:p>
+          <a:p>
+            <a:pPr marL="0" indent="0">
+              <a:buNone/>
+            </a:pPr>
+            <a:r>
+              <a:rPr lang="en-US">
+                <a:latin typeface="Consolas"/>
+                <a:cs typeface="Calibri" panose="020F0502020204030204"/>
+              </a:rPr>
+              <a:t>    [ref]$</a:t>
+            </a:r>
+            <a:r>
+              <a:rPr lang="en-US" err="1">
+                <a:latin typeface="Consolas"/>
+                <a:cs typeface="Calibri" panose="020F0502020204030204"/>
+              </a:rPr>
+              <a:t>ReferenceValue</a:t>
+            </a:r>
+            <a:endParaRPr lang="en-US">
+              <a:latin typeface="Consolas"/>
+              <a:cs typeface="Calibri" panose="020F0502020204030204"/>
+            </a:endParaRPr>
+          </a:p>
+          <a:p>
+            <a:pPr marL="0" indent="0">
+              <a:buNone/>
+            </a:pPr>
+            <a:r>
+              <a:rPr lang="en-US">
+                <a:latin typeface="Consolas"/>
+                <a:cs typeface="Calibri" panose="020F0502020204030204"/>
+              </a:rPr>
+              <a:t>  )</a:t>
+            </a:r>
+          </a:p>
+          <a:p>
+            <a:pPr marL="0" indent="0">
+              <a:buNone/>
+            </a:pPr>
+            <a:r>
+              <a:rPr lang="en-US">
+                <a:latin typeface="Consolas"/>
+                <a:cs typeface="Calibri" panose="020F0502020204030204"/>
+              </a:rPr>
+              <a:t>	$</a:t>
+            </a:r>
+            <a:r>
+              <a:rPr lang="en-US" err="1">
+                <a:latin typeface="Consolas"/>
+                <a:cs typeface="Calibri" panose="020F0502020204030204"/>
+              </a:rPr>
+              <a:t>ReferenceValue.value</a:t>
+            </a:r>
+            <a:r>
+              <a:rPr lang="en-US">
+                <a:latin typeface="Consolas"/>
+                <a:cs typeface="Calibri" panose="020F0502020204030204"/>
+              </a:rPr>
+              <a:t> = "</a:t>
+            </a:r>
+            <a:r>
+              <a:rPr lang="en-US" err="1">
+                <a:latin typeface="Consolas"/>
+                <a:cs typeface="Calibri" panose="020F0502020204030204"/>
+              </a:rPr>
+              <a:t>SomethingElse</a:t>
+            </a:r>
+            <a:r>
+              <a:rPr lang="en-US">
+                <a:latin typeface="Consolas"/>
+                <a:cs typeface="Calibri" panose="020F0502020204030204"/>
+              </a:rPr>
+              <a:t>"</a:t>
+            </a:r>
+          </a:p>
+          <a:p>
+            <a:pPr marL="0" indent="0">
+              <a:buNone/>
+            </a:pPr>
+            <a:r>
+              <a:rPr lang="en-US">
+                <a:latin typeface="Consolas"/>
+                <a:cs typeface="Calibri" panose="020F0502020204030204"/>
+              </a:rPr>
+              <a:t>}</a:t>
+            </a:r>
+          </a:p>
+          <a:p>
+            <a:pPr marL="0" indent="0">
+              <a:buNone/>
+            </a:pPr>
+            <a:endParaRPr lang="en-US">
+              <a:latin typeface="Consolas"/>
+              <a:cs typeface="Calibri" panose="020F0502020204030204"/>
+            </a:endParaRPr>
+          </a:p>
+          <a:p>
+            <a:pPr marL="0" indent="0">
+              <a:buNone/>
+            </a:pPr>
+            <a:r>
+              <a:rPr lang="en-US" err="1">
+                <a:latin typeface="Consolas"/>
+                <a:cs typeface="Calibri" panose="020F0502020204030204"/>
+              </a:rPr>
+              <a:t>MyFunc</a:t>
+            </a:r>
+            <a:r>
+              <a:rPr lang="en-US">
+                <a:latin typeface="Consolas"/>
+                <a:cs typeface="Calibri" panose="020F0502020204030204"/>
+              </a:rPr>
+              <a:t> –</a:t>
+            </a:r>
+            <a:r>
+              <a:rPr lang="en-US" err="1">
+                <a:latin typeface="Consolas"/>
+                <a:cs typeface="Calibri" panose="020F0502020204030204"/>
+              </a:rPr>
+              <a:t>ReferenceValue</a:t>
+            </a:r>
+            <a:r>
+              <a:rPr lang="en-US">
+                <a:latin typeface="Consolas"/>
+                <a:cs typeface="Calibri" panose="020F0502020204030204"/>
+              </a:rPr>
+              <a:t> ([ref]$Value)</a:t>
             </a:r>
           </a:p>
         </p:txBody>
@@ -6188,7 +7341,7 @@
     </p:spTree>
     <p:extLst>
       <p:ext uri="{BB962C8B-B14F-4D97-AF65-F5344CB8AC3E}">
-        <p14:creationId xmlns:p14="http://schemas.microsoft.com/office/powerpoint/2010/main" val="178588196"/>
+        <p14:creationId xmlns:p14="http://schemas.microsoft.com/office/powerpoint/2010/main" val="858478770"/>
       </p:ext>
     </p:extLst>
   </p:cSld>
@@ -6220,7 +7373,7 @@
           <p:cNvPr id="2" name="Title 1">
             <a:extLst>
               <a:ext uri="{FF2B5EF4-FFF2-40B4-BE49-F238E27FC236}">
-                <a16:creationId xmlns:a16="http://schemas.microsoft.com/office/drawing/2014/main" id="{429EA909-0E13-48E5-A851-E8776D97F432}"/>
+                <a16:creationId xmlns:a16="http://schemas.microsoft.com/office/drawing/2014/main" id="{83860CFA-41C7-4EC5-9072-932CB1919C00}"/>
               </a:ext>
             </a:extLst>
           </p:cNvPr>
@@ -6237,18 +7390,18 @@
           <a:lstStyle/>
           <a:p>
             <a:r>
-              <a:rPr lang="en-US" dirty="0"/>
-              <a:t>Multi-Threading</a:t>
-            </a:r>
-          </a:p>
-        </p:txBody>
-      </p:sp>
-      <p:sp>
-        <p:nvSpPr>
-          <p:cNvPr id="3" name="Text Placeholder 2">
-            <a:extLst>
-              <a:ext uri="{FF2B5EF4-FFF2-40B4-BE49-F238E27FC236}">
-                <a16:creationId xmlns:a16="http://schemas.microsoft.com/office/drawing/2014/main" id="{07325757-C6FB-4526-BDBC-FD07846185FC}"/>
+              <a:rPr lang="en-US"/>
+              <a:t>A few notes about references</a:t>
+            </a:r>
+          </a:p>
+        </p:txBody>
+      </p:sp>
+      <p:sp>
+        <p:nvSpPr>
+          <p:cNvPr id="3" name="Content Placeholder 2">
+            <a:extLst>
+              <a:ext uri="{FF2B5EF4-FFF2-40B4-BE49-F238E27FC236}">
+                <a16:creationId xmlns:a16="http://schemas.microsoft.com/office/drawing/2014/main" id="{210FE6B4-E56B-465B-83DF-BF60F85D622E}"/>
               </a:ext>
             </a:extLst>
           </p:cNvPr>
@@ -6256,7 +7409,7 @@
             <a:spLocks noGrp="1"/>
           </p:cNvSpPr>
           <p:nvPr>
-            <p:ph type="body" idx="1"/>
+            <p:ph idx="1"/>
           </p:nvPr>
         </p:nvSpPr>
         <p:spPr/>
@@ -6265,16 +7418,102 @@
           <a:lstStyle/>
           <a:p>
             <a:r>
-              <a:rPr lang="en-US" dirty="0"/>
-              <a:t>Running with multiple pairs of scissors at the same time!</a:t>
-            </a:r>
+              <a:rPr lang="en-US"/>
+              <a:t>PowerShell doesn’t fully deal with references or pointers in the same way as a compiled language does, at least not what we see</a:t>
+            </a:r>
+          </a:p>
+          <a:p>
+            <a:r>
+              <a:rPr lang="en-US"/>
+              <a:t>The actual address of a pointer or reference is not exposed and can not be referenced</a:t>
+            </a:r>
+          </a:p>
+          <a:p>
+            <a:r>
+              <a:rPr lang="en-US"/>
+              <a:t>Once you cast something as a [ref], you access the contents via the .value property (read/write)</a:t>
+            </a:r>
+          </a:p>
+          <a:p>
+            <a:r>
+              <a:rPr lang="en-US"/>
+              <a:t>[ref] can be compared (somewhat) to the &amp; or </a:t>
+            </a:r>
+            <a:r>
+              <a:rPr lang="en-US" err="1"/>
+              <a:t>addressof</a:t>
+            </a:r>
+            <a:r>
+              <a:rPr lang="en-US"/>
+              <a:t> </a:t>
+            </a:r>
+          </a:p>
+          <a:p>
+            <a:r>
+              <a:rPr lang="en-US"/>
+              <a:t>int* </a:t>
+            </a:r>
+            <a:r>
+              <a:rPr lang="en-US" err="1"/>
+              <a:t>ptr</a:t>
+            </a:r>
+            <a:r>
+              <a:rPr lang="en-US"/>
+              <a:t> = &amp;</a:t>
+            </a:r>
+            <a:r>
+              <a:rPr lang="en-US" err="1"/>
+              <a:t>val</a:t>
+            </a:r>
+            <a:r>
+              <a:rPr lang="en-US"/>
+              <a:t>  is like $</a:t>
+            </a:r>
+            <a:r>
+              <a:rPr lang="en-US" err="1"/>
+              <a:t>ptr</a:t>
+            </a:r>
+            <a:r>
+              <a:rPr lang="en-US"/>
+              <a:t> = ([ref]$</a:t>
+            </a:r>
+            <a:r>
+              <a:rPr lang="en-US" err="1"/>
+              <a:t>val</a:t>
+            </a:r>
+            <a:r>
+              <a:rPr lang="en-US"/>
+              <a:t>)</a:t>
+            </a:r>
+          </a:p>
+          <a:p>
+            <a:r>
+              <a:rPr lang="en-US"/>
+              <a:t>*</a:t>
+            </a:r>
+            <a:r>
+              <a:rPr lang="en-US" err="1"/>
+              <a:t>ptr</a:t>
+            </a:r>
+            <a:r>
+              <a:rPr lang="en-US"/>
+              <a:t> is like $</a:t>
+            </a:r>
+            <a:r>
+              <a:rPr lang="en-US" err="1"/>
+              <a:t>ptr.value</a:t>
+            </a:r>
+            <a:endParaRPr lang="en-US"/>
+          </a:p>
+          <a:p>
+            <a:endParaRPr lang="en-US"/>
           </a:p>
         </p:txBody>
       </p:sp>
     </p:spTree>
     <p:extLst>
       <p:ext uri="{BB962C8B-B14F-4D97-AF65-F5344CB8AC3E}">
-        <p14:creationId xmlns:p14="http://schemas.microsoft.com/office/powerpoint/2010/main" val="1432431233"/>
+        <p14:creationId xmlns:p14="http://schemas.microsoft.com/office/powerpoint/2010/main" val="3245860134"/>
       </p:ext>
     </p:extLst>
   </p:cSld>
@@ -6306,7 +7545,7 @@
           <p:cNvPr id="4" name="Title 3">
             <a:extLst>
               <a:ext uri="{FF2B5EF4-FFF2-40B4-BE49-F238E27FC236}">
-                <a16:creationId xmlns:a16="http://schemas.microsoft.com/office/drawing/2014/main" id="{DBFBB66B-B880-4A10-866F-D8BCAD82E069}"/>
+                <a16:creationId xmlns:a16="http://schemas.microsoft.com/office/drawing/2014/main" id="{82E743A9-2328-4EAE-A139-C409E572AD92}"/>
               </a:ext>
             </a:extLst>
           </p:cNvPr>
@@ -6323,26 +7562,18 @@
           <a:lstStyle/>
           <a:p>
             <a:r>
-              <a:rPr lang="en-US" dirty="0"/>
-              <a:t>-Parallel or </a:t>
-            </a:r>
-            <a:r>
-              <a:rPr lang="en-US" dirty="0" err="1"/>
-              <a:t>RunSpaces</a:t>
-            </a:r>
-            <a:r>
-              <a:rPr lang="en-US" dirty="0"/>
-              <a:t>?</a:t>
-            </a:r>
-          </a:p>
-        </p:txBody>
-      </p:sp>
-      <p:sp>
-        <p:nvSpPr>
-          <p:cNvPr id="5" name="Content Placeholder 4">
-            <a:extLst>
-              <a:ext uri="{FF2B5EF4-FFF2-40B4-BE49-F238E27FC236}">
-                <a16:creationId xmlns:a16="http://schemas.microsoft.com/office/drawing/2014/main" id="{8B38C787-7F9E-4F43-B8D6-BD35C7D29E00}"/>
+              <a:rPr lang="en-US"/>
+              <a:t>Referencing the Value</a:t>
+            </a:r>
+          </a:p>
+        </p:txBody>
+      </p:sp>
+      <p:sp>
+        <p:nvSpPr>
+          <p:cNvPr id="5" name="Text Placeholder 4">
+            <a:extLst>
+              <a:ext uri="{FF2B5EF4-FFF2-40B4-BE49-F238E27FC236}">
+                <a16:creationId xmlns:a16="http://schemas.microsoft.com/office/drawing/2014/main" id="{3113C84B-0942-4BAF-BCD8-3B3098254A73}"/>
               </a:ext>
             </a:extLst>
           </p:cNvPr>
@@ -6350,7 +7581,7 @@
             <a:spLocks noGrp="1"/>
           </p:cNvSpPr>
           <p:nvPr>
-            <p:ph idx="1"/>
+            <p:ph type="body" idx="1"/>
           </p:nvPr>
         </p:nvSpPr>
         <p:spPr/>
@@ -6359,78 +7590,8 @@
           <a:lstStyle/>
           <a:p>
             <a:r>
-              <a:rPr lang="en-US" dirty="0"/>
-              <a:t>What is a </a:t>
-            </a:r>
-            <a:r>
-              <a:rPr lang="en-US" dirty="0" err="1"/>
-              <a:t>RunSpace</a:t>
-            </a:r>
-            <a:r>
-              <a:rPr lang="en-US" dirty="0"/>
-              <a:t>?</a:t>
-            </a:r>
-          </a:p>
-          <a:p>
-            <a:pPr lvl="1"/>
-            <a:r>
-              <a:rPr lang="en-US" dirty="0"/>
-              <a:t>Limitations?</a:t>
-            </a:r>
-          </a:p>
-          <a:p>
-            <a:pPr lvl="1"/>
-            <a:r>
-              <a:rPr lang="en-US" dirty="0"/>
-              <a:t>Advantages?</a:t>
-            </a:r>
-          </a:p>
-          <a:p>
-            <a:pPr lvl="1"/>
-            <a:r>
-              <a:rPr lang="en-US" dirty="0"/>
-              <a:t>Passing data in</a:t>
-            </a:r>
-          </a:p>
-          <a:p>
-            <a:pPr lvl="1"/>
-            <a:r>
-              <a:rPr lang="en-US" dirty="0"/>
-              <a:t>Passing data out</a:t>
-            </a:r>
-          </a:p>
-          <a:p>
-            <a:r>
-              <a:rPr lang="en-US" dirty="0"/>
-              <a:t>How does –Parallel work?</a:t>
-            </a:r>
-          </a:p>
-          <a:p>
-            <a:pPr lvl="1"/>
-            <a:r>
-              <a:rPr lang="en-US" dirty="0"/>
-              <a:t>Limitations?</a:t>
-            </a:r>
-          </a:p>
-          <a:p>
-            <a:pPr lvl="1"/>
-            <a:r>
-              <a:rPr lang="en-US" dirty="0"/>
-              <a:t>Advantages?</a:t>
-            </a:r>
-          </a:p>
-          <a:p>
-            <a:pPr lvl="1"/>
-            <a:r>
-              <a:rPr lang="en-US" dirty="0"/>
-              <a:t>Passing data in</a:t>
-            </a:r>
-          </a:p>
-          <a:p>
-            <a:pPr lvl="1"/>
-            <a:r>
-              <a:rPr lang="en-US" dirty="0"/>
-              <a:t>Passing data out?</a:t>
+              <a:rPr lang="en-US"/>
+              <a:t>Passing (and receiving) by value and reference</a:t>
             </a:r>
           </a:p>
         </p:txBody>
@@ -6438,7 +7599,7 @@
     </p:spTree>
     <p:extLst>
       <p:ext uri="{BB962C8B-B14F-4D97-AF65-F5344CB8AC3E}">
-        <p14:creationId xmlns:p14="http://schemas.microsoft.com/office/powerpoint/2010/main" val="1004144946"/>
+        <p14:creationId xmlns:p14="http://schemas.microsoft.com/office/powerpoint/2010/main" val="4225379118"/>
       </p:ext>
     </p:extLst>
   </p:cSld>
@@ -6467,10 +7628,10 @@
       </p:grpSpPr>
       <p:sp>
         <p:nvSpPr>
-          <p:cNvPr id="4" name="Title 3">
-            <a:extLst>
-              <a:ext uri="{FF2B5EF4-FFF2-40B4-BE49-F238E27FC236}">
-                <a16:creationId xmlns:a16="http://schemas.microsoft.com/office/drawing/2014/main" id="{66B06504-43AB-4926-B303-FE4379949A1F}"/>
+          <p:cNvPr id="2" name="Title 1">
+            <a:extLst>
+              <a:ext uri="{FF2B5EF4-FFF2-40B4-BE49-F238E27FC236}">
+                <a16:creationId xmlns:a16="http://schemas.microsoft.com/office/drawing/2014/main" id="{8F843E36-CD09-419B-B917-38DD87D4D0C7}"/>
               </a:ext>
             </a:extLst>
           </p:cNvPr>
@@ -6487,18 +7648,18 @@
           <a:lstStyle/>
           <a:p>
             <a:r>
-              <a:rPr lang="en-US" dirty="0"/>
-              <a:t>Getting it all done at once</a:t>
-            </a:r>
-          </a:p>
-        </p:txBody>
-      </p:sp>
-      <p:sp>
-        <p:nvSpPr>
-          <p:cNvPr id="5" name="Text Placeholder 4">
-            <a:extLst>
-              <a:ext uri="{FF2B5EF4-FFF2-40B4-BE49-F238E27FC236}">
-                <a16:creationId xmlns:a16="http://schemas.microsoft.com/office/drawing/2014/main" id="{EEEC96EE-8BEB-4587-9DDA-7BB273EE9329}"/>
+              <a:rPr lang="en-US"/>
+              <a:t>Splatting</a:t>
+            </a:r>
+          </a:p>
+        </p:txBody>
+      </p:sp>
+      <p:sp>
+        <p:nvSpPr>
+          <p:cNvPr id="3" name="Text Placeholder 2">
+            <a:extLst>
+              <a:ext uri="{FF2B5EF4-FFF2-40B4-BE49-F238E27FC236}">
+                <a16:creationId xmlns:a16="http://schemas.microsoft.com/office/drawing/2014/main" id="{BD7CADAD-256D-462F-AE6F-C6AC39EBBD9D}"/>
               </a:ext>
             </a:extLst>
           </p:cNvPr>
@@ -6511,12 +7672,14 @@
         </p:nvSpPr>
         <p:spPr/>
         <p:txBody>
-          <a:bodyPr/>
+          <a:bodyPr vert="horz" lIns="91440" tIns="45720" rIns="91440" bIns="45720" rtlCol="0" anchor="t">
+            <a:normAutofit/>
+          </a:bodyPr>
           <a:lstStyle/>
           <a:p>
             <a:r>
-              <a:rPr lang="en-US" dirty="0"/>
-              <a:t>When time matters and size doesn’t</a:t>
+              <a:rPr lang="en-US"/>
+              <a:t>When PowerShell fails to cross the road</a:t>
             </a:r>
           </a:p>
         </p:txBody>
@@ -6524,7 +7687,7 @@
     </p:spTree>
     <p:extLst>
       <p:ext uri="{BB962C8B-B14F-4D97-AF65-F5344CB8AC3E}">
-        <p14:creationId xmlns:p14="http://schemas.microsoft.com/office/powerpoint/2010/main" val="2929112120"/>
+        <p14:creationId xmlns:p14="http://schemas.microsoft.com/office/powerpoint/2010/main" val="3902425365"/>
       </p:ext>
     </p:extLst>
   </p:cSld>
@@ -6553,10 +7716,10 @@
       </p:grpSpPr>
       <p:sp>
         <p:nvSpPr>
-          <p:cNvPr id="2" name="Title 1">
-            <a:extLst>
-              <a:ext uri="{FF2B5EF4-FFF2-40B4-BE49-F238E27FC236}">
-                <a16:creationId xmlns:a16="http://schemas.microsoft.com/office/drawing/2014/main" id="{0C68B297-F3D6-4EB9-8143-E061440FDA39}"/>
+          <p:cNvPr id="4" name="Title 3">
+            <a:extLst>
+              <a:ext uri="{FF2B5EF4-FFF2-40B4-BE49-F238E27FC236}">
+                <a16:creationId xmlns:a16="http://schemas.microsoft.com/office/drawing/2014/main" id="{5A896C91-36B7-41FC-B701-EE4999676ABE}"/>
               </a:ext>
             </a:extLst>
           </p:cNvPr>
@@ -6573,19 +7736,18 @@
           <a:lstStyle/>
           <a:p>
             <a:r>
-              <a:rPr lang="en-US" dirty="0" err="1"/>
-              <a:t>PSRemoting</a:t>
-            </a:r>
-            <a:endParaRPr lang="en-US" dirty="0"/>
-          </a:p>
-        </p:txBody>
-      </p:sp>
-      <p:sp>
-        <p:nvSpPr>
-          <p:cNvPr id="3" name="Text Placeholder 2">
-            <a:extLst>
-              <a:ext uri="{FF2B5EF4-FFF2-40B4-BE49-F238E27FC236}">
-                <a16:creationId xmlns:a16="http://schemas.microsoft.com/office/drawing/2014/main" id="{30E9CDA2-DA6E-4B5F-875B-CE0C2F7E2443}"/>
+              <a:rPr lang="en-US"/>
+              <a:t>Splatting</a:t>
+            </a:r>
+          </a:p>
+        </p:txBody>
+      </p:sp>
+      <p:sp>
+        <p:nvSpPr>
+          <p:cNvPr id="5" name="Content Placeholder 4">
+            <a:extLst>
+              <a:ext uri="{FF2B5EF4-FFF2-40B4-BE49-F238E27FC236}">
+                <a16:creationId xmlns:a16="http://schemas.microsoft.com/office/drawing/2014/main" id="{3162159E-D852-4555-A839-F6CF64541DCB}"/>
               </a:ext>
             </a:extLst>
           </p:cNvPr>
@@ -6593,25 +7755,94 @@
             <a:spLocks noGrp="1"/>
           </p:cNvSpPr>
           <p:nvPr>
-            <p:ph type="body" idx="1"/>
+            <p:ph idx="1"/>
           </p:nvPr>
         </p:nvSpPr>
         <p:spPr/>
         <p:txBody>
-          <a:bodyPr/>
+          <a:bodyPr vert="horz" lIns="91440" tIns="45720" rIns="91440" bIns="45720" rtlCol="0" anchor="t">
+            <a:normAutofit/>
+          </a:bodyPr>
           <a:lstStyle/>
           <a:p>
             <a:r>
-              <a:rPr lang="en-US" dirty="0"/>
-              <a:t>Why do it here, when I can do it there?</a:t>
-            </a:r>
+              <a:rPr lang="en-US">
+                <a:cs typeface="Calibri"/>
+              </a:rPr>
+              <a:t>Splatting is passing a collection of parameter values as a single unit instead of individually</a:t>
+            </a:r>
+          </a:p>
+          <a:p>
+            <a:r>
+              <a:rPr lang="en-US">
+                <a:cs typeface="Calibri"/>
+              </a:rPr>
+              <a:t>Can be either a </a:t>
+            </a:r>
+            <a:r>
+              <a:rPr lang="en-US" err="1">
+                <a:cs typeface="Calibri"/>
+              </a:rPr>
+              <a:t>hashtable</a:t>
+            </a:r>
+            <a:r>
+              <a:rPr lang="en-US">
+                <a:cs typeface="Calibri"/>
+              </a:rPr>
+              <a:t> (@{}) or an array (@())</a:t>
+            </a:r>
+            <a:endParaRPr lang="en-US">
+              <a:ea typeface="Calibri"/>
+              <a:cs typeface="Calibri"/>
+            </a:endParaRPr>
+          </a:p>
+          <a:p>
+            <a:r>
+              <a:rPr lang="en-US">
+                <a:cs typeface="Calibri"/>
+              </a:rPr>
+              <a:t>Can be used to pass a common set of parameters to multiple cmdlets</a:t>
+            </a:r>
+            <a:endParaRPr lang="en-US">
+              <a:ea typeface="Calibri"/>
+              <a:cs typeface="Calibri"/>
+            </a:endParaRPr>
+          </a:p>
+          <a:p>
+            <a:r>
+              <a:rPr lang="en-US">
+                <a:cs typeface="Calibri"/>
+              </a:rPr>
+              <a:t>Useful when passing parameters to a script block that is executed by a cmdlet such as Invoke-Command</a:t>
+            </a:r>
+            <a:endParaRPr lang="en-US">
+              <a:ea typeface="Calibri"/>
+              <a:cs typeface="Calibri"/>
+            </a:endParaRPr>
+          </a:p>
+          <a:p>
+            <a:r>
+              <a:rPr lang="en-US">
+                <a:cs typeface="Calibri"/>
+              </a:rPr>
+              <a:t>Has some quirks</a:t>
+            </a:r>
+            <a:endParaRPr lang="en-US">
+              <a:ea typeface="Calibri"/>
+              <a:cs typeface="Calibri"/>
+            </a:endParaRPr>
+          </a:p>
+          <a:p>
+            <a:endParaRPr lang="en-US">
+              <a:cs typeface="Calibri"/>
+            </a:endParaRPr>
           </a:p>
         </p:txBody>
       </p:sp>
     </p:spTree>
     <p:extLst>
       <p:ext uri="{BB962C8B-B14F-4D97-AF65-F5344CB8AC3E}">
-        <p14:creationId xmlns:p14="http://schemas.microsoft.com/office/powerpoint/2010/main" val="3251069663"/>
+        <p14:creationId xmlns:p14="http://schemas.microsoft.com/office/powerpoint/2010/main" val="3163722154"/>
       </p:ext>
     </p:extLst>
   </p:cSld>
@@ -6640,10 +7871,10 @@
       </p:grpSpPr>
       <p:sp>
         <p:nvSpPr>
-          <p:cNvPr id="4" name="Title 3">
-            <a:extLst>
-              <a:ext uri="{FF2B5EF4-FFF2-40B4-BE49-F238E27FC236}">
-                <a16:creationId xmlns:a16="http://schemas.microsoft.com/office/drawing/2014/main" id="{3B04EF2B-4BEA-4E24-9BCE-64072921CF7F}"/>
+          <p:cNvPr id="2" name="Title 1">
+            <a:extLst>
+              <a:ext uri="{FF2B5EF4-FFF2-40B4-BE49-F238E27FC236}">
+                <a16:creationId xmlns:a16="http://schemas.microsoft.com/office/drawing/2014/main" id="{0366ED32-B23B-29A0-F4FC-584A615EE009}"/>
               </a:ext>
             </a:extLst>
           </p:cNvPr>
@@ -6660,19 +7891,27 @@
           <a:lstStyle/>
           <a:p>
             <a:r>
-              <a:rPr lang="en-US" dirty="0" err="1"/>
-              <a:t>PSRemoting</a:t>
-            </a:r>
-            <a:endParaRPr lang="en-US" dirty="0"/>
-          </a:p>
-        </p:txBody>
-      </p:sp>
-      <p:sp>
-        <p:nvSpPr>
-          <p:cNvPr id="5" name="Content Placeholder 4">
-            <a:extLst>
-              <a:ext uri="{FF2B5EF4-FFF2-40B4-BE49-F238E27FC236}">
-                <a16:creationId xmlns:a16="http://schemas.microsoft.com/office/drawing/2014/main" id="{8766AF71-A1A9-4BFF-B506-8CF7DB84B495}"/>
+              <a:rPr lang="en-US">
+                <a:cs typeface="Calibri"/>
+              </a:rPr>
+              <a:t>A note about -</a:t>
+            </a:r>
+            <a:r>
+              <a:rPr lang="en-US" err="1">
+                <a:cs typeface="Calibri"/>
+              </a:rPr>
+              <a:t>ArgumentList</a:t>
+            </a:r>
+            <a:endParaRPr lang="en-US" err="1"/>
+          </a:p>
+        </p:txBody>
+      </p:sp>
+      <p:sp>
+        <p:nvSpPr>
+          <p:cNvPr id="3" name="Text Placeholder 2">
+            <a:extLst>
+              <a:ext uri="{FF2B5EF4-FFF2-40B4-BE49-F238E27FC236}">
+                <a16:creationId xmlns:a16="http://schemas.microsoft.com/office/drawing/2014/main" id="{E4E01A90-461A-9134-237A-5E0BF6BC278A}"/>
               </a:ext>
             </a:extLst>
           </p:cNvPr>
@@ -6685,17 +7924,79 @@
         </p:nvSpPr>
         <p:spPr/>
         <p:txBody>
-          <a:bodyPr/>
+          <a:bodyPr vert="horz" lIns="91440" tIns="45720" rIns="91440" bIns="45720" rtlCol="0" anchor="t">
+            <a:normAutofit/>
+          </a:bodyPr>
           <a:lstStyle/>
           <a:p>
-            <a:endParaRPr lang="en-US"/>
+            <a:r>
+              <a:rPr lang="en-US">
+                <a:cs typeface="Calibri"/>
+              </a:rPr>
+              <a:t>Some commands provide an –</a:t>
+            </a:r>
+            <a:r>
+              <a:rPr lang="en-US" err="1">
+                <a:cs typeface="Calibri"/>
+              </a:rPr>
+              <a:t>ArgumentList</a:t>
+            </a:r>
+            <a:r>
+              <a:rPr lang="en-US">
+                <a:cs typeface="Calibri"/>
+              </a:rPr>
+              <a:t> parameter to pass arguments</a:t>
+            </a:r>
+          </a:p>
+          <a:p>
+            <a:r>
+              <a:rPr lang="en-US">
+                <a:cs typeface="Calibri"/>
+              </a:rPr>
+              <a:t>Passing arrays can be tricky and may need to be splatted themselves</a:t>
+            </a:r>
+          </a:p>
+          <a:p>
+            <a:pPr lvl="1"/>
+            <a:r>
+              <a:rPr lang="en-US">
+                <a:cs typeface="Calibri"/>
+              </a:rPr>
+              <a:t>Without splatting the array, only the first element of the array gets picked up by the cmdlet</a:t>
+            </a:r>
+          </a:p>
+          <a:p>
+            <a:pPr lvl="1"/>
+            <a:r>
+              <a:rPr lang="en-US">
+                <a:cs typeface="Calibri"/>
+              </a:rPr>
+              <a:t>-</a:t>
+            </a:r>
+            <a:r>
+              <a:rPr lang="en-US" err="1">
+                <a:cs typeface="Calibri" panose="020F0502020204030204"/>
+              </a:rPr>
+              <a:t>ArgumentList</a:t>
+            </a:r>
+            <a:r>
+              <a:rPr lang="en-US">
+                <a:cs typeface="Calibri" panose="020F0502020204030204"/>
+              </a:rPr>
+              <a:t> (,$array)</a:t>
+            </a:r>
+          </a:p>
+          <a:p>
+            <a:endParaRPr lang="en-US">
+              <a:cs typeface="Calibri" panose="020F0502020204030204"/>
+            </a:endParaRPr>
           </a:p>
         </p:txBody>
       </p:sp>
     </p:spTree>
     <p:extLst>
       <p:ext uri="{BB962C8B-B14F-4D97-AF65-F5344CB8AC3E}">
-        <p14:creationId xmlns:p14="http://schemas.microsoft.com/office/powerpoint/2010/main" val="3475353937"/>
+        <p14:creationId xmlns:p14="http://schemas.microsoft.com/office/powerpoint/2010/main" val="137351558"/>
       </p:ext>
     </p:extLst>
   </p:cSld>
@@ -6724,10 +8025,10 @@
       </p:grpSpPr>
       <p:sp>
         <p:nvSpPr>
-          <p:cNvPr id="4" name="Title 3">
-            <a:extLst>
-              <a:ext uri="{FF2B5EF4-FFF2-40B4-BE49-F238E27FC236}">
-                <a16:creationId xmlns:a16="http://schemas.microsoft.com/office/drawing/2014/main" id="{FC11B802-7F3C-4DE2-A857-664D85ABB139}"/>
+          <p:cNvPr id="2" name="Title 1">
+            <a:extLst>
+              <a:ext uri="{FF2B5EF4-FFF2-40B4-BE49-F238E27FC236}">
+                <a16:creationId xmlns:a16="http://schemas.microsoft.com/office/drawing/2014/main" id="{5B30F609-7523-7596-3069-9B743FCAEFF6}"/>
               </a:ext>
             </a:extLst>
           </p:cNvPr>
@@ -6744,18 +8045,21 @@
           <a:lstStyle/>
           <a:p>
             <a:r>
-              <a:rPr lang="en-US" dirty="0"/>
-              <a:t>Running Code Remotely</a:t>
-            </a:r>
-          </a:p>
-        </p:txBody>
-      </p:sp>
-      <p:sp>
-        <p:nvSpPr>
-          <p:cNvPr id="5" name="Text Placeholder 4">
-            <a:extLst>
-              <a:ext uri="{FF2B5EF4-FFF2-40B4-BE49-F238E27FC236}">
-                <a16:creationId xmlns:a16="http://schemas.microsoft.com/office/drawing/2014/main" id="{976F934D-54D4-4C7C-91CB-AD0747064887}"/>
+              <a:rPr lang="en-US">
+                <a:cs typeface="Calibri"/>
+              </a:rPr>
+              <a:t>A note about @Args</a:t>
+            </a:r>
+            <a:endParaRPr lang="en-US"/>
+          </a:p>
+        </p:txBody>
+      </p:sp>
+      <p:sp>
+        <p:nvSpPr>
+          <p:cNvPr id="3" name="Content Placeholder 2">
+            <a:extLst>
+              <a:ext uri="{FF2B5EF4-FFF2-40B4-BE49-F238E27FC236}">
+                <a16:creationId xmlns:a16="http://schemas.microsoft.com/office/drawing/2014/main" id="{5984B609-21FB-924F-591E-B1464E8B6F5F}"/>
               </a:ext>
             </a:extLst>
           </p:cNvPr>
@@ -6763,25 +8067,100 @@
             <a:spLocks noGrp="1"/>
           </p:cNvSpPr>
           <p:nvPr>
-            <p:ph type="body" idx="1"/>
+            <p:ph idx="1"/>
           </p:nvPr>
         </p:nvSpPr>
         <p:spPr/>
         <p:txBody>
-          <a:bodyPr/>
+          <a:bodyPr vert="horz" lIns="91440" tIns="45720" rIns="91440" bIns="45720" rtlCol="0" anchor="t">
+            <a:normAutofit/>
+          </a:bodyPr>
           <a:lstStyle/>
           <a:p>
             <a:r>
-              <a:rPr lang="en-US" dirty="0"/>
-              <a:t>You don’t need to be logged in to be logged in</a:t>
-            </a:r>
+              <a:rPr lang="en-US">
+                <a:cs typeface="Calibri"/>
+              </a:rPr>
+              <a:t>@Args is a built-in variable (</a:t>
+            </a:r>
+            <a:r>
+              <a:rPr lang="en-US" err="1">
+                <a:cs typeface="Calibri"/>
+              </a:rPr>
+              <a:t>hashtable</a:t>
+            </a:r>
+            <a:r>
+              <a:rPr lang="en-US">
+                <a:cs typeface="Calibri"/>
+              </a:rPr>
+              <a:t>) that contains all of the </a:t>
+            </a:r>
+            <a:r>
+              <a:rPr lang="en-US" b="1">
+                <a:solidFill>
+                  <a:srgbClr val="FF0000"/>
+                </a:solidFill>
+                <a:cs typeface="Calibri"/>
+              </a:rPr>
+              <a:t>unassigned</a:t>
+            </a:r>
+            <a:r>
+              <a:rPr lang="en-US">
+                <a:cs typeface="Calibri"/>
+              </a:rPr>
+              <a:t> parameters passed to the function. </a:t>
+            </a:r>
+          </a:p>
+          <a:p>
+            <a:r>
+              <a:rPr lang="en-US">
+                <a:cs typeface="Calibri"/>
+              </a:rPr>
+              <a:t>@Args can be used to create wrapper functions that pass data on to another function or cmdlet</a:t>
+            </a:r>
+          </a:p>
+          <a:p>
+            <a:r>
+              <a:rPr lang="en-US">
+                <a:cs typeface="Calibri"/>
+              </a:rPr>
+              <a:t>@Args is </a:t>
+            </a:r>
+            <a:r>
+              <a:rPr lang="en-US" b="1">
+                <a:solidFill>
+                  <a:srgbClr val="FF0000"/>
+                </a:solidFill>
+                <a:cs typeface="Calibri"/>
+              </a:rPr>
+              <a:t>NOT</a:t>
+            </a:r>
+            <a:r>
+              <a:rPr lang="en-US">
+                <a:cs typeface="Calibri"/>
+              </a:rPr>
+              <a:t> available for advanced functions.  Advanced functions must have their parameters explicitly defined</a:t>
+            </a:r>
+          </a:p>
+          <a:p>
+            <a:endParaRPr lang="en-US">
+              <a:cs typeface="Calibri"/>
+            </a:endParaRPr>
+          </a:p>
+          <a:p>
+            <a:br>
+              <a:rPr lang="en-US"/>
+            </a:br>
+            <a:endParaRPr lang="en-US">
+              <a:cs typeface="Calibri"/>
+            </a:endParaRPr>
           </a:p>
         </p:txBody>
       </p:sp>
     </p:spTree>
     <p:extLst>
       <p:ext uri="{BB962C8B-B14F-4D97-AF65-F5344CB8AC3E}">
-        <p14:creationId xmlns:p14="http://schemas.microsoft.com/office/powerpoint/2010/main" val="2596694108"/>
+        <p14:creationId xmlns:p14="http://schemas.microsoft.com/office/powerpoint/2010/main" val="1123016358"/>
       </p:ext>
     </p:extLst>
   </p:cSld>
@@ -6810,10 +8189,10 @@
       </p:grpSpPr>
       <p:sp>
         <p:nvSpPr>
-          <p:cNvPr id="2" name="Title 1">
-            <a:extLst>
-              <a:ext uri="{FF2B5EF4-FFF2-40B4-BE49-F238E27FC236}">
-                <a16:creationId xmlns:a16="http://schemas.microsoft.com/office/drawing/2014/main" id="{43B83AD9-7604-4510-A90E-84B8563375E5}"/>
+          <p:cNvPr id="4" name="Title 3">
+            <a:extLst>
+              <a:ext uri="{FF2B5EF4-FFF2-40B4-BE49-F238E27FC236}">
+                <a16:creationId xmlns:a16="http://schemas.microsoft.com/office/drawing/2014/main" id="{35D4590D-CB3A-4801-B597-EEE041DF7DDF}"/>
               </a:ext>
             </a:extLst>
           </p:cNvPr>
@@ -6830,18 +8209,18 @@
           <a:lstStyle/>
           <a:p>
             <a:r>
-              <a:rPr lang="en-US" dirty="0"/>
-              <a:t>Bug Bombs</a:t>
-            </a:r>
-          </a:p>
-        </p:txBody>
-      </p:sp>
-      <p:sp>
-        <p:nvSpPr>
-          <p:cNvPr id="3" name="Text Placeholder 2">
-            <a:extLst>
-              <a:ext uri="{FF2B5EF4-FFF2-40B4-BE49-F238E27FC236}">
-                <a16:creationId xmlns:a16="http://schemas.microsoft.com/office/drawing/2014/main" id="{642E86C7-90DE-4C51-84D6-09AEC3E486ED}"/>
+              <a:rPr lang="en-US"/>
+              <a:t>Things that fall go SPLAT</a:t>
+            </a:r>
+          </a:p>
+        </p:txBody>
+      </p:sp>
+      <p:sp>
+        <p:nvSpPr>
+          <p:cNvPr id="5" name="Text Placeholder 4">
+            <a:extLst>
+              <a:ext uri="{FF2B5EF4-FFF2-40B4-BE49-F238E27FC236}">
+                <a16:creationId xmlns:a16="http://schemas.microsoft.com/office/drawing/2014/main" id="{17C0AB94-C521-447B-A763-BAB20A1A3048}"/>
               </a:ext>
             </a:extLst>
           </p:cNvPr>
@@ -6858,8 +8237,8 @@
           <a:lstStyle/>
           <a:p>
             <a:r>
-              <a:rPr lang="en-US" dirty="0"/>
-              <a:t>Debugging your code</a:t>
+              <a:rPr lang="en-US"/>
+              <a:t>And sometimes PowerShell Objects do too</a:t>
             </a:r>
           </a:p>
         </p:txBody>
@@ -6867,7 +8246,7 @@
     </p:spTree>
     <p:extLst>
       <p:ext uri="{BB962C8B-B14F-4D97-AF65-F5344CB8AC3E}">
-        <p14:creationId xmlns:p14="http://schemas.microsoft.com/office/powerpoint/2010/main" val="201272052"/>
+        <p14:creationId xmlns:p14="http://schemas.microsoft.com/office/powerpoint/2010/main" val="178588196"/>
       </p:ext>
     </p:extLst>
   </p:cSld>
@@ -6988,7 +8367,7 @@
           <a:lstStyle/>
           <a:p>
             <a:r>
-              <a:rPr lang="en-US" dirty="0"/>
+              <a:rPr lang="en-US"/>
               <a:t>Scott Corio</a:t>
             </a:r>
           </a:p>
@@ -7018,7 +8397,7 @@
           <a:lstStyle/>
           <a:p>
             <a:r>
-              <a:rPr lang="en-US" dirty="0"/>
+              <a:rPr lang="en-US"/>
               <a:t>Jeff Scripter</a:t>
             </a:r>
           </a:p>
@@ -7046,30 +8425,30 @@
           <a:lstStyle/>
           <a:p>
             <a:r>
-              <a:rPr lang="en-US" dirty="0">
+              <a:rPr lang="en-US">
                 <a:latin typeface="Material Design Icons Desktop" panose="02000503000000000000" pitchFamily="2" charset="0"/>
               </a:rPr>
               <a:t>󰕄</a:t>
             </a:r>
             <a:r>
-              <a:rPr lang="en-US" dirty="0"/>
+              <a:rPr lang="en-US"/>
               <a:t>      @</a:t>
             </a:r>
             <a:r>
-              <a:rPr lang="en-US" dirty="0" err="1"/>
+              <a:rPr lang="en-US" err="1"/>
               <a:t>ScottCorio</a:t>
             </a:r>
-            <a:endParaRPr lang="en-US" dirty="0"/>
-          </a:p>
-          <a:p>
-            <a:r>
-              <a:rPr lang="en-US" dirty="0">
+            <a:endParaRPr lang="en-US"/>
+          </a:p>
+          <a:p>
+            <a:r>
+              <a:rPr lang="en-US">
                 <a:latin typeface="Material Design Icons Desktop" panose="02000503000000000000" pitchFamily="2" charset="0"/>
               </a:rPr>
               <a:t>󰙯</a:t>
             </a:r>
             <a:r>
-              <a:rPr lang="en-US" dirty="0"/>
+              <a:rPr lang="en-US"/>
               <a:t>      DumpsterDave#1337</a:t>
             </a:r>
           </a:p>
@@ -7097,30 +8476,30 @@
           <a:lstStyle/>
           <a:p>
             <a:r>
-              <a:rPr lang="en-US" dirty="0">
+              <a:rPr lang="en-US">
                 <a:latin typeface="Material Design Icons Desktop" panose="02000503000000000000" pitchFamily="2" charset="0"/>
               </a:rPr>
               <a:t>󰕄</a:t>
             </a:r>
             <a:r>
-              <a:rPr lang="en-US" dirty="0"/>
+              <a:rPr lang="en-US"/>
               <a:t>      @</a:t>
             </a:r>
             <a:r>
-              <a:rPr lang="en-US" dirty="0" err="1"/>
+              <a:rPr lang="en-US" err="1"/>
               <a:t>JeffTheScripter</a:t>
             </a:r>
-            <a:endParaRPr lang="en-US" dirty="0"/>
-          </a:p>
-          <a:p>
-            <a:r>
-              <a:rPr lang="en-US" dirty="0">
+            <a:endParaRPr lang="en-US"/>
+          </a:p>
+          <a:p>
+            <a:r>
+              <a:rPr lang="en-US">
                 <a:latin typeface="Material Design Icons Desktop" panose="02000503000000000000" pitchFamily="2" charset="0"/>
               </a:rPr>
               <a:t>󰙯</a:t>
             </a:r>
             <a:r>
-              <a:rPr lang="en-US" dirty="0"/>
+              <a:rPr lang="en-US"/>
               <a:t>      </a:t>
             </a:r>
           </a:p>
@@ -7150,7 +8529,7 @@
           <a:lstStyle/>
           <a:p>
             <a:r>
-              <a:rPr lang="en-US" dirty="0"/>
+              <a:rPr lang="en-US"/>
               <a:t>Enterprise Cloud Architect</a:t>
             </a:r>
           </a:p>
@@ -7178,7 +8557,7 @@
           <a:lstStyle/>
           <a:p>
             <a:r>
-              <a:rPr lang="en-US" dirty="0"/>
+              <a:rPr lang="en-US"/>
               <a:t>Automation Engineer</a:t>
             </a:r>
           </a:p>
@@ -7216,10 +8595,10 @@
       </p:grpSpPr>
       <p:sp>
         <p:nvSpPr>
-          <p:cNvPr id="4" name="Title 3">
-            <a:extLst>
-              <a:ext uri="{FF2B5EF4-FFF2-40B4-BE49-F238E27FC236}">
-                <a16:creationId xmlns:a16="http://schemas.microsoft.com/office/drawing/2014/main" id="{93CD59FA-4D28-41B7-AD68-4A39650981A2}"/>
+          <p:cNvPr id="2" name="Title 1">
+            <a:extLst>
+              <a:ext uri="{FF2B5EF4-FFF2-40B4-BE49-F238E27FC236}">
+                <a16:creationId xmlns:a16="http://schemas.microsoft.com/office/drawing/2014/main" id="{429EA909-0E13-48E5-A851-E8776D97F432}"/>
               </a:ext>
             </a:extLst>
           </p:cNvPr>
@@ -7236,18 +8615,18 @@
           <a:lstStyle/>
           <a:p>
             <a:r>
-              <a:rPr lang="en-US" dirty="0"/>
-              <a:t>Working the gremlins out</a:t>
-            </a:r>
-          </a:p>
-        </p:txBody>
-      </p:sp>
-      <p:sp>
-        <p:nvSpPr>
-          <p:cNvPr id="5" name="Content Placeholder 4">
-            <a:extLst>
-              <a:ext uri="{FF2B5EF4-FFF2-40B4-BE49-F238E27FC236}">
-                <a16:creationId xmlns:a16="http://schemas.microsoft.com/office/drawing/2014/main" id="{BE7B24D6-6BDD-4451-87B6-52197815692F}"/>
+              <a:rPr lang="en-US"/>
+              <a:t>Multi-Threading</a:t>
+            </a:r>
+          </a:p>
+        </p:txBody>
+      </p:sp>
+      <p:sp>
+        <p:nvSpPr>
+          <p:cNvPr id="3" name="Text Placeholder 2">
+            <a:extLst>
+              <a:ext uri="{FF2B5EF4-FFF2-40B4-BE49-F238E27FC236}">
+                <a16:creationId xmlns:a16="http://schemas.microsoft.com/office/drawing/2014/main" id="{07325757-C6FB-4526-BDBC-FD07846185FC}"/>
               </a:ext>
             </a:extLst>
           </p:cNvPr>
@@ -7255,7 +8634,7 @@
             <a:spLocks noGrp="1"/>
           </p:cNvSpPr>
           <p:nvPr>
-            <p:ph idx="1"/>
+            <p:ph type="body" idx="1"/>
           </p:nvPr>
         </p:nvSpPr>
         <p:spPr/>
@@ -7263,14 +8642,17 @@
           <a:bodyPr/>
           <a:lstStyle/>
           <a:p>
-            <a:endParaRPr lang="en-US"/>
+            <a:r>
+              <a:rPr lang="en-US"/>
+              <a:t>Running with multiple pairs of scissors at the same time!</a:t>
+            </a:r>
           </a:p>
         </p:txBody>
       </p:sp>
     </p:spTree>
     <p:extLst>
       <p:ext uri="{BB962C8B-B14F-4D97-AF65-F5344CB8AC3E}">
-        <p14:creationId xmlns:p14="http://schemas.microsoft.com/office/powerpoint/2010/main" val="547234064"/>
+        <p14:creationId xmlns:p14="http://schemas.microsoft.com/office/powerpoint/2010/main" val="1432431233"/>
       </p:ext>
     </p:extLst>
   </p:cSld>
@@ -7302,7 +8684,7 @@
           <p:cNvPr id="2" name="Title 1">
             <a:extLst>
               <a:ext uri="{FF2B5EF4-FFF2-40B4-BE49-F238E27FC236}">
-                <a16:creationId xmlns:a16="http://schemas.microsoft.com/office/drawing/2014/main" id="{C24DDBB6-1B9D-444D-9C74-141767E7CB76}"/>
+                <a16:creationId xmlns:a16="http://schemas.microsoft.com/office/drawing/2014/main" id="{6573B084-5DD0-8589-0525-54EE426053FB}"/>
               </a:ext>
             </a:extLst>
           </p:cNvPr>
@@ -7319,18 +8701,20 @@
           <a:lstStyle/>
           <a:p>
             <a:r>
-              <a:rPr lang="en-US" dirty="0"/>
-              <a:t>Fixing broken stuff</a:t>
-            </a:r>
-          </a:p>
-        </p:txBody>
-      </p:sp>
-      <p:sp>
-        <p:nvSpPr>
-          <p:cNvPr id="4" name="Text Placeholder 3">
-            <a:extLst>
-              <a:ext uri="{FF2B5EF4-FFF2-40B4-BE49-F238E27FC236}">
-                <a16:creationId xmlns:a16="http://schemas.microsoft.com/office/drawing/2014/main" id="{6BD3F1C6-4817-44B8-B736-F19B9C3D78DB}"/>
+              <a:rPr lang="en-US">
+                <a:cs typeface="Calibri" panose="020F0502020204030204"/>
+              </a:rPr>
+              <a:t>What is threading?</a:t>
+            </a:r>
+          </a:p>
+        </p:txBody>
+      </p:sp>
+      <p:sp>
+        <p:nvSpPr>
+          <p:cNvPr id="3" name="Text Placeholder 2">
+            <a:extLst>
+              <a:ext uri="{FF2B5EF4-FFF2-40B4-BE49-F238E27FC236}">
+                <a16:creationId xmlns:a16="http://schemas.microsoft.com/office/drawing/2014/main" id="{E4CF02C6-4D27-7516-1F79-94795C1310B2}"/>
               </a:ext>
             </a:extLst>
           </p:cNvPr>
@@ -7338,17 +8722,45 @@
             <a:spLocks noGrp="1"/>
           </p:cNvSpPr>
           <p:nvPr>
-            <p:ph type="body" idx="1"/>
+            <p:ph idx="1"/>
           </p:nvPr>
         </p:nvSpPr>
         <p:spPr/>
         <p:txBody>
-          <a:bodyPr/>
+          <a:bodyPr vert="horz" lIns="91440" tIns="45720" rIns="91440" bIns="45720" rtlCol="0" anchor="t">
+            <a:normAutofit/>
+          </a:bodyPr>
           <a:lstStyle/>
           <a:p>
             <a:r>
-              <a:rPr lang="en-US" dirty="0"/>
-              <a:t>Examples of what to do, when the script doesn’t do</a:t>
+              <a:rPr lang="en-US">
+                <a:cs typeface="Calibri"/>
+              </a:rPr>
+              <a:t>Threading in PowerShell is much like threading in any other language, especially .NET</a:t>
+            </a:r>
+          </a:p>
+          <a:p>
+            <a:r>
+              <a:rPr lang="en-US">
+                <a:cs typeface="Calibri"/>
+              </a:rPr>
+              <a:t>Threading can be safe or not</a:t>
+            </a:r>
+          </a:p>
+          <a:p>
+            <a:r>
+              <a:rPr lang="en-US">
+                <a:cs typeface="Calibri"/>
+              </a:rPr>
+              <a:t>It can be simple or not</a:t>
+            </a:r>
+          </a:p>
+          <a:p>
+            <a:r>
+              <a:rPr lang="en-US">
+                <a:cs typeface="Calibri"/>
+              </a:rPr>
+              <a:t>More than one way to skin the cat</a:t>
             </a:r>
           </a:p>
         </p:txBody>
@@ -7356,7 +8768,7 @@
     </p:spTree>
     <p:extLst>
       <p:ext uri="{BB962C8B-B14F-4D97-AF65-F5344CB8AC3E}">
-        <p14:creationId xmlns:p14="http://schemas.microsoft.com/office/powerpoint/2010/main" val="1645710221"/>
+        <p14:creationId xmlns:p14="http://schemas.microsoft.com/office/powerpoint/2010/main" val="3588097202"/>
       </p:ext>
     </p:extLst>
   </p:cSld>
@@ -7388,7 +8800,7 @@
           <p:cNvPr id="2" name="Title 1">
             <a:extLst>
               <a:ext uri="{FF2B5EF4-FFF2-40B4-BE49-F238E27FC236}">
-                <a16:creationId xmlns:a16="http://schemas.microsoft.com/office/drawing/2014/main" id="{02A39594-EE26-4750-ADAB-9CF7E575537C}"/>
+                <a16:creationId xmlns:a16="http://schemas.microsoft.com/office/drawing/2014/main" id="{2FEC9BF4-FC95-31A6-26E9-4B0723616280}"/>
               </a:ext>
             </a:extLst>
           </p:cNvPr>
@@ -7405,18 +8817,21 @@
           <a:lstStyle/>
           <a:p>
             <a:r>
-              <a:rPr lang="en-US" dirty="0"/>
-              <a:t>Performance Tuning</a:t>
-            </a:r>
-          </a:p>
-        </p:txBody>
-      </p:sp>
-      <p:sp>
-        <p:nvSpPr>
-          <p:cNvPr id="3" name="Text Placeholder 2">
-            <a:extLst>
-              <a:ext uri="{FF2B5EF4-FFF2-40B4-BE49-F238E27FC236}">
-                <a16:creationId xmlns:a16="http://schemas.microsoft.com/office/drawing/2014/main" id="{6E0C976C-A9BE-427F-8CFC-53D501806F2E}"/>
+              <a:rPr lang="en-US">
+                <a:cs typeface="Calibri"/>
+              </a:rPr>
+              <a:t>Threading Options</a:t>
+            </a:r>
+            <a:endParaRPr lang="en-US"/>
+          </a:p>
+        </p:txBody>
+      </p:sp>
+      <p:sp>
+        <p:nvSpPr>
+          <p:cNvPr id="3" name="Content Placeholder 2">
+            <a:extLst>
+              <a:ext uri="{FF2B5EF4-FFF2-40B4-BE49-F238E27FC236}">
+                <a16:creationId xmlns:a16="http://schemas.microsoft.com/office/drawing/2014/main" id="{B43E5CEF-8AD9-F85A-4AB6-78100144B492}"/>
               </a:ext>
             </a:extLst>
           </p:cNvPr>
@@ -7424,17 +8839,114 @@
             <a:spLocks noGrp="1"/>
           </p:cNvSpPr>
           <p:nvPr>
-            <p:ph type="body" idx="1"/>
+            <p:ph idx="1"/>
           </p:nvPr>
         </p:nvSpPr>
         <p:spPr/>
         <p:txBody>
-          <a:bodyPr/>
+          <a:bodyPr vert="horz" lIns="91440" tIns="45720" rIns="91440" bIns="45720" rtlCol="0" anchor="t">
+            <a:normAutofit/>
+          </a:bodyPr>
           <a:lstStyle/>
           <a:p>
             <a:r>
-              <a:rPr lang="en-US" dirty="0"/>
-              <a:t>Why drive an 4 banger when you can have a supercharged V8?</a:t>
+              <a:rPr lang="en-US">
+                <a:cs typeface="Calibri"/>
+              </a:rPr>
+              <a:t>Jobs</a:t>
+            </a:r>
+          </a:p>
+          <a:p>
+            <a:pPr lvl="1"/>
+            <a:r>
+              <a:rPr lang="en-US">
+                <a:cs typeface="Calibri"/>
+              </a:rPr>
+              <a:t>Easiest to implement, hardest to control</a:t>
+            </a:r>
+          </a:p>
+          <a:p>
+            <a:r>
+              <a:rPr lang="en-US">
+                <a:cs typeface="Calibri"/>
+              </a:rPr>
+              <a:t>Foreach –Parallel</a:t>
+            </a:r>
+          </a:p>
+          <a:p>
+            <a:pPr lvl="1"/>
+            <a:r>
+              <a:rPr lang="en-US" err="1">
+                <a:cs typeface="Calibri"/>
+              </a:rPr>
+              <a:t>PoSh</a:t>
+            </a:r>
+            <a:r>
+              <a:rPr lang="en-US">
+                <a:cs typeface="Calibri"/>
+              </a:rPr>
+              <a:t> 5+, cleaner to implement than jobs</a:t>
+            </a:r>
+          </a:p>
+          <a:p>
+            <a:r>
+              <a:rPr lang="en-US" err="1">
+                <a:cs typeface="Calibri"/>
+              </a:rPr>
+              <a:t>Worflow</a:t>
+            </a:r>
+            <a:r>
+              <a:rPr lang="en-US">
+                <a:cs typeface="Calibri"/>
+              </a:rPr>
+              <a:t> –Parallel</a:t>
+            </a:r>
+          </a:p>
+          <a:p>
+            <a:pPr lvl="1"/>
+            <a:r>
+              <a:rPr lang="en-US" err="1">
+                <a:cs typeface="Calibri"/>
+              </a:rPr>
+              <a:t>PoSh</a:t>
+            </a:r>
+            <a:r>
+              <a:rPr lang="en-US">
+                <a:cs typeface="Calibri"/>
+              </a:rPr>
+              <a:t> 3+, </a:t>
+            </a:r>
+            <a:r>
+              <a:rPr lang="en-US" err="1">
+                <a:cs typeface="Calibri"/>
+              </a:rPr>
+              <a:t>resumeable</a:t>
+            </a:r>
+            <a:r>
+              <a:rPr lang="en-US">
+                <a:cs typeface="Calibri"/>
+              </a:rPr>
+              <a:t>, deprecated</a:t>
+            </a:r>
+          </a:p>
+          <a:p>
+            <a:r>
+              <a:rPr lang="en-US" err="1">
+                <a:cs typeface="Calibri"/>
+              </a:rPr>
+              <a:t>RunSpaces</a:t>
+            </a:r>
+            <a:endParaRPr lang="en-US">
+              <a:cs typeface="Calibri"/>
+            </a:endParaRPr>
+          </a:p>
+          <a:p>
+            <a:pPr lvl="1"/>
+            <a:r>
+              <a:rPr lang="en-US">
+                <a:cs typeface="Calibri"/>
+              </a:rPr>
+              <a:t>Greatest Flexibility, Thread-safe options, most work to setup</a:t>
             </a:r>
           </a:p>
         </p:txBody>
@@ -7442,7 +8954,7 @@
     </p:spTree>
     <p:extLst>
       <p:ext uri="{BB962C8B-B14F-4D97-AF65-F5344CB8AC3E}">
-        <p14:creationId xmlns:p14="http://schemas.microsoft.com/office/powerpoint/2010/main" val="905624388"/>
+        <p14:creationId xmlns:p14="http://schemas.microsoft.com/office/powerpoint/2010/main" val="2460459534"/>
       </p:ext>
     </p:extLst>
   </p:cSld>
@@ -7474,7 +8986,7 @@
           <p:cNvPr id="4" name="Title 3">
             <a:extLst>
               <a:ext uri="{FF2B5EF4-FFF2-40B4-BE49-F238E27FC236}">
-                <a16:creationId xmlns:a16="http://schemas.microsoft.com/office/drawing/2014/main" id="{B1064F49-2068-49DB-92BF-02A1D15A2BDD}"/>
+                <a16:creationId xmlns:a16="http://schemas.microsoft.com/office/drawing/2014/main" id="{DBFBB66B-B880-4A10-866F-D8BCAD82E069}"/>
               </a:ext>
             </a:extLst>
           </p:cNvPr>
@@ -7491,8 +9003,16 @@
           <a:lstStyle/>
           <a:p>
             <a:r>
-              <a:rPr lang="en-US" dirty="0"/>
-              <a:t>Performance Matters!</a:t>
+              <a:rPr lang="en-US"/>
+              <a:t>-Parallel or </a:t>
+            </a:r>
+            <a:r>
+              <a:rPr lang="en-US" err="1"/>
+              <a:t>RunSpaces</a:t>
+            </a:r>
+            <a:r>
+              <a:rPr lang="en-US"/>
+              <a:t>?</a:t>
             </a:r>
           </a:p>
         </p:txBody>
@@ -7502,7 +9022,7 @@
           <p:cNvPr id="5" name="Content Placeholder 4">
             <a:extLst>
               <a:ext uri="{FF2B5EF4-FFF2-40B4-BE49-F238E27FC236}">
-                <a16:creationId xmlns:a16="http://schemas.microsoft.com/office/drawing/2014/main" id="{FF2E7BEC-E120-4272-858F-3AD4DA9FA363}"/>
+                <a16:creationId xmlns:a16="http://schemas.microsoft.com/office/drawing/2014/main" id="{8B38C787-7F9E-4F43-B8D6-BD35C7D29E00}"/>
               </a:ext>
             </a:extLst>
           </p:cNvPr>
@@ -7519,44 +9039,86 @@
           <a:lstStyle/>
           <a:p>
             <a:r>
-              <a:rPr lang="en-US" dirty="0"/>
-              <a:t>Why would performance matter?</a:t>
-            </a:r>
-          </a:p>
-          <a:p>
-            <a:r>
-              <a:rPr lang="en-US" dirty="0"/>
-              <a:t>What methods do we have available?</a:t>
-            </a:r>
-          </a:p>
-          <a:p>
-            <a:r>
-              <a:rPr lang="en-US" dirty="0"/>
-              <a:t>Are there times we shouldn’t worry?</a:t>
-            </a:r>
-          </a:p>
-          <a:p>
-            <a:r>
-              <a:rPr lang="en-US" dirty="0"/>
-              <a:t>Diminishing Returns</a:t>
-            </a:r>
-          </a:p>
-          <a:p>
-            <a:r>
-              <a:rPr lang="en-US"/>
-              <a:t>Go Array!</a:t>
-            </a:r>
-            <a:endParaRPr lang="en-US" dirty="0"/>
-          </a:p>
-          <a:p>
-            <a:endParaRPr lang="en-US" dirty="0"/>
+              <a:rPr lang="en-US"/>
+              <a:t>What is a </a:t>
+            </a:r>
+            <a:r>
+              <a:rPr lang="en-US" err="1"/>
+              <a:t>RunSpace</a:t>
+            </a:r>
+            <a:r>
+              <a:rPr lang="en-US"/>
+              <a:t>?</a:t>
+            </a:r>
+          </a:p>
+          <a:p>
+            <a:pPr lvl="1"/>
+            <a:r>
+              <a:rPr lang="en-US"/>
+              <a:t>Limitations?</a:t>
+            </a:r>
+          </a:p>
+          <a:p>
+            <a:pPr lvl="1"/>
+            <a:r>
+              <a:rPr lang="en-US"/>
+              <a:t>Advantages?</a:t>
+            </a:r>
+          </a:p>
+          <a:p>
+            <a:pPr lvl="1"/>
+            <a:r>
+              <a:rPr lang="en-US"/>
+              <a:t>Passing data in</a:t>
+            </a:r>
+          </a:p>
+          <a:p>
+            <a:pPr lvl="1"/>
+            <a:r>
+              <a:rPr lang="en-US"/>
+              <a:t>Passing data out</a:t>
+            </a:r>
+          </a:p>
+          <a:p>
+            <a:r>
+              <a:rPr lang="en-US"/>
+              <a:t>How does –Parallel work?</a:t>
+            </a:r>
+          </a:p>
+          <a:p>
+            <a:pPr lvl="1"/>
+            <a:r>
+              <a:rPr lang="en-US"/>
+              <a:t>Limitations?</a:t>
+            </a:r>
+          </a:p>
+          <a:p>
+            <a:pPr lvl="1"/>
+            <a:r>
+              <a:rPr lang="en-US"/>
+              <a:t>Advantages?</a:t>
+            </a:r>
+          </a:p>
+          <a:p>
+            <a:pPr lvl="1"/>
+            <a:r>
+              <a:rPr lang="en-US"/>
+              <a:t>Passing data in</a:t>
+            </a:r>
+          </a:p>
+          <a:p>
+            <a:pPr lvl="1"/>
+            <a:r>
+              <a:rPr lang="en-US"/>
+              <a:t>Passing data out?</a:t>
+            </a:r>
           </a:p>
         </p:txBody>
       </p:sp>
     </p:spTree>
     <p:extLst>
       <p:ext uri="{BB962C8B-B14F-4D97-AF65-F5344CB8AC3E}">
-        <p14:creationId xmlns:p14="http://schemas.microsoft.com/office/powerpoint/2010/main" val="566783780"/>
+        <p14:creationId xmlns:p14="http://schemas.microsoft.com/office/powerpoint/2010/main" val="1004144946"/>
       </p:ext>
     </p:extLst>
   </p:cSld>
@@ -7585,10 +9147,10 @@
       </p:grpSpPr>
       <p:sp>
         <p:nvSpPr>
-          <p:cNvPr id="4" name="Title 3">
-            <a:extLst>
-              <a:ext uri="{FF2B5EF4-FFF2-40B4-BE49-F238E27FC236}">
-                <a16:creationId xmlns:a16="http://schemas.microsoft.com/office/drawing/2014/main" id="{A892182B-DC1C-474C-92CD-E65E4A600C6B}"/>
+          <p:cNvPr id="2" name="Title 1">
+            <a:extLst>
+              <a:ext uri="{FF2B5EF4-FFF2-40B4-BE49-F238E27FC236}">
+                <a16:creationId xmlns:a16="http://schemas.microsoft.com/office/drawing/2014/main" id="{95A6C3AE-083E-B168-13EF-47A8C8F9D716}"/>
               </a:ext>
             </a:extLst>
           </p:cNvPr>
@@ -7605,18 +9167,21 @@
           <a:lstStyle/>
           <a:p>
             <a:r>
-              <a:rPr lang="en-US" dirty="0"/>
-              <a:t>Running Faster</a:t>
-            </a:r>
-          </a:p>
-        </p:txBody>
-      </p:sp>
-      <p:sp>
-        <p:nvSpPr>
-          <p:cNvPr id="5" name="Text Placeholder 4">
-            <a:extLst>
-              <a:ext uri="{FF2B5EF4-FFF2-40B4-BE49-F238E27FC236}">
-                <a16:creationId xmlns:a16="http://schemas.microsoft.com/office/drawing/2014/main" id="{B5491BC6-3F91-4F5E-B3AE-137C516F8561}"/>
+              <a:rPr lang="en-US">
+                <a:cs typeface="Calibri"/>
+              </a:rPr>
+              <a:t>Thread Safety?</a:t>
+            </a:r>
+            <a:endParaRPr lang="en-US"/>
+          </a:p>
+        </p:txBody>
+      </p:sp>
+      <p:sp>
+        <p:nvSpPr>
+          <p:cNvPr id="3" name="Content Placeholder 2">
+            <a:extLst>
+              <a:ext uri="{FF2B5EF4-FFF2-40B4-BE49-F238E27FC236}">
+                <a16:creationId xmlns:a16="http://schemas.microsoft.com/office/drawing/2014/main" id="{83ECADB9-6E3E-E6F6-A57B-899B913B3B01}"/>
               </a:ext>
             </a:extLst>
           </p:cNvPr>
@@ -7624,17 +9189,101 @@
             <a:spLocks noGrp="1"/>
           </p:cNvSpPr>
           <p:nvPr>
-            <p:ph type="body" idx="1"/>
+            <p:ph idx="1"/>
           </p:nvPr>
         </p:nvSpPr>
         <p:spPr/>
         <p:txBody>
-          <a:bodyPr/>
+          <a:bodyPr vert="horz" lIns="91440" tIns="45720" rIns="91440" bIns="45720" rtlCol="0" anchor="t">
+            <a:normAutofit/>
+          </a:bodyPr>
           <a:lstStyle/>
           <a:p>
             <a:r>
-              <a:rPr lang="en-US" dirty="0"/>
-              <a:t>When every second counts</a:t>
+              <a:rPr lang="en-US">
+                <a:cs typeface="Calibri"/>
+              </a:rPr>
+              <a:t>Threads are not aware of other threads, what they are doing, or what they're accessing</a:t>
+            </a:r>
+          </a:p>
+          <a:p>
+            <a:r>
+              <a:rPr lang="en-US">
+                <a:cs typeface="Calibri"/>
+              </a:rPr>
+              <a:t>Most data structures have no concept of threading</a:t>
+            </a:r>
+          </a:p>
+          <a:p>
+            <a:r>
+              <a:rPr lang="en-US">
+                <a:cs typeface="Calibri"/>
+              </a:rPr>
+              <a:t>Multiple threads accessing the same variables can lead to what's known as a 'race condition'</a:t>
+            </a:r>
+          </a:p>
+          <a:p>
+            <a:pPr lvl="1"/>
+            <a:r>
+              <a:rPr lang="en-US">
+                <a:cs typeface="Calibri"/>
+              </a:rPr>
+              <a:t>Happens when two threads try to modify the same data at the same time</a:t>
+            </a:r>
+          </a:p>
+          <a:p>
+            <a:pPr lvl="1"/>
+            <a:r>
+              <a:rPr lang="en-US">
+                <a:cs typeface="Calibri"/>
+              </a:rPr>
+              <a:t>Can lead to un-predictable behavior or data corruption</a:t>
+            </a:r>
+          </a:p>
+          <a:p>
+            <a:r>
+              <a:rPr lang="en-US">
+                <a:cs typeface="Calibri"/>
+              </a:rPr>
+              <a:t>All variables passed to threads are treated as read-only unless they are wrapped</a:t>
+            </a:r>
+          </a:p>
+          <a:p>
+            <a:pPr lvl="1"/>
+            <a:r>
+              <a:rPr lang="en-US">
+                <a:latin typeface="Consolas"/>
+                <a:cs typeface="Calibri"/>
+              </a:rPr>
+              <a:t>$</a:t>
+            </a:r>
+            <a:r>
+              <a:rPr lang="en-US" err="1">
+                <a:latin typeface="Consolas"/>
+                <a:cs typeface="Calibri"/>
+              </a:rPr>
+              <a:t>ThreadSafeTable</a:t>
+            </a:r>
+            <a:r>
+              <a:rPr lang="en-US">
+                <a:latin typeface="Consolas"/>
+                <a:cs typeface="Calibri"/>
+              </a:rPr>
+              <a:t> = [</a:t>
+            </a:r>
+            <a:r>
+              <a:rPr lang="en-US" err="1">
+                <a:latin typeface="Consolas"/>
+                <a:cs typeface="Calibri"/>
+              </a:rPr>
+              <a:t>System.Collections.Hashtable</a:t>
+            </a:r>
+            <a:r>
+              <a:rPr lang="en-US">
+                <a:latin typeface="Consolas"/>
+                <a:cs typeface="Calibri"/>
+              </a:rPr>
+              <a:t>]::Synchronized($Table)</a:t>
             </a:r>
           </a:p>
         </p:txBody>
@@ -7642,7 +9291,7 @@
     </p:spTree>
     <p:extLst>
       <p:ext uri="{BB962C8B-B14F-4D97-AF65-F5344CB8AC3E}">
-        <p14:creationId xmlns:p14="http://schemas.microsoft.com/office/powerpoint/2010/main" val="3085760688"/>
+        <p14:creationId xmlns:p14="http://schemas.microsoft.com/office/powerpoint/2010/main" val="3223174766"/>
       </p:ext>
     </p:extLst>
   </p:cSld>
@@ -7674,7 +9323,7 @@
           <p:cNvPr id="4" name="Title 3">
             <a:extLst>
               <a:ext uri="{FF2B5EF4-FFF2-40B4-BE49-F238E27FC236}">
-                <a16:creationId xmlns:a16="http://schemas.microsoft.com/office/drawing/2014/main" id="{25C68930-3139-A8F7-E01D-4BD443990FA4}"/>
+                <a16:creationId xmlns:a16="http://schemas.microsoft.com/office/drawing/2014/main" id="{66B06504-43AB-4926-B303-FE4379949A1F}"/>
               </a:ext>
             </a:extLst>
           </p:cNvPr>
@@ -7691,9 +9340,185 @@
           <a:lstStyle/>
           <a:p>
             <a:r>
-              <a:rPr lang="en-US" dirty="0"/>
-              <a:t>Spread the word</a:t>
-            </a:r>
+              <a:rPr lang="en-US"/>
+              <a:t>Getting it all done at once</a:t>
+            </a:r>
+          </a:p>
+        </p:txBody>
+      </p:sp>
+      <p:sp>
+        <p:nvSpPr>
+          <p:cNvPr id="5" name="Text Placeholder 4">
+            <a:extLst>
+              <a:ext uri="{FF2B5EF4-FFF2-40B4-BE49-F238E27FC236}">
+                <a16:creationId xmlns:a16="http://schemas.microsoft.com/office/drawing/2014/main" id="{EEEC96EE-8BEB-4587-9DDA-7BB273EE9329}"/>
+              </a:ext>
+            </a:extLst>
+          </p:cNvPr>
+          <p:cNvSpPr>
+            <a:spLocks noGrp="1"/>
+          </p:cNvSpPr>
+          <p:nvPr>
+            <p:ph type="body" idx="1"/>
+          </p:nvPr>
+        </p:nvSpPr>
+        <p:spPr/>
+        <p:txBody>
+          <a:bodyPr vert="horz" lIns="91440" tIns="45720" rIns="91440" bIns="45720" rtlCol="0" anchor="t">
+            <a:normAutofit/>
+          </a:bodyPr>
+          <a:lstStyle/>
+          <a:p>
+            <a:r>
+              <a:rPr lang="en-US"/>
+              <a:t>It's not how big the tool is, but how fast you can finish with it!</a:t>
+            </a:r>
+          </a:p>
+        </p:txBody>
+      </p:sp>
+    </p:spTree>
+    <p:extLst>
+      <p:ext uri="{BB962C8B-B14F-4D97-AF65-F5344CB8AC3E}">
+        <p14:creationId xmlns:p14="http://schemas.microsoft.com/office/powerpoint/2010/main" val="2929112120"/>
+      </p:ext>
+    </p:extLst>
+  </p:cSld>
+  <p:clrMapOvr>
+    <a:masterClrMapping/>
+  </p:clrMapOvr>
+</p:sld>
+</file>
+
+<file path=ppt/slides/slide26.xml><?xml version="1.0" encoding="utf-8"?>
+<p:sld xmlns:a="http://schemas.openxmlformats.org/drawingml/2006/main" xmlns:r="http://schemas.openxmlformats.org/officeDocument/2006/relationships" xmlns:p="http://schemas.openxmlformats.org/presentationml/2006/main">
+  <p:cSld>
+    <p:spTree>
+      <p:nvGrpSpPr>
+        <p:cNvPr id="1" name=""/>
+        <p:cNvGrpSpPr/>
+        <p:nvPr/>
+      </p:nvGrpSpPr>
+      <p:grpSpPr>
+        <a:xfrm>
+          <a:off x="0" y="0"/>
+          <a:ext cx="0" cy="0"/>
+          <a:chOff x="0" y="0"/>
+          <a:chExt cx="0" cy="0"/>
+        </a:xfrm>
+      </p:grpSpPr>
+      <p:sp>
+        <p:nvSpPr>
+          <p:cNvPr id="2" name="Title 1">
+            <a:extLst>
+              <a:ext uri="{FF2B5EF4-FFF2-40B4-BE49-F238E27FC236}">
+                <a16:creationId xmlns:a16="http://schemas.microsoft.com/office/drawing/2014/main" id="{0C68B297-F3D6-4EB9-8143-E061440FDA39}"/>
+              </a:ext>
+            </a:extLst>
+          </p:cNvPr>
+          <p:cNvSpPr>
+            <a:spLocks noGrp="1"/>
+          </p:cNvSpPr>
+          <p:nvPr>
+            <p:ph type="title"/>
+          </p:nvPr>
+        </p:nvSpPr>
+        <p:spPr/>
+        <p:txBody>
+          <a:bodyPr/>
+          <a:lstStyle/>
+          <a:p>
+            <a:r>
+              <a:rPr lang="en-US" err="1"/>
+              <a:t>PSRemoting</a:t>
+            </a:r>
+            <a:endParaRPr lang="en-US"/>
+          </a:p>
+        </p:txBody>
+      </p:sp>
+      <p:sp>
+        <p:nvSpPr>
+          <p:cNvPr id="3" name="Text Placeholder 2">
+            <a:extLst>
+              <a:ext uri="{FF2B5EF4-FFF2-40B4-BE49-F238E27FC236}">
+                <a16:creationId xmlns:a16="http://schemas.microsoft.com/office/drawing/2014/main" id="{30E9CDA2-DA6E-4B5F-875B-CE0C2F7E2443}"/>
+              </a:ext>
+            </a:extLst>
+          </p:cNvPr>
+          <p:cNvSpPr>
+            <a:spLocks noGrp="1"/>
+          </p:cNvSpPr>
+          <p:nvPr>
+            <p:ph type="body" idx="1"/>
+          </p:nvPr>
+        </p:nvSpPr>
+        <p:spPr/>
+        <p:txBody>
+          <a:bodyPr/>
+          <a:lstStyle/>
+          <a:p>
+            <a:r>
+              <a:rPr lang="en-US"/>
+              <a:t>Why do it here, when I can do it there?</a:t>
+            </a:r>
+          </a:p>
+        </p:txBody>
+      </p:sp>
+    </p:spTree>
+    <p:extLst>
+      <p:ext uri="{BB962C8B-B14F-4D97-AF65-F5344CB8AC3E}">
+        <p14:creationId xmlns:p14="http://schemas.microsoft.com/office/powerpoint/2010/main" val="3251069663"/>
+      </p:ext>
+    </p:extLst>
+  </p:cSld>
+  <p:clrMapOvr>
+    <a:masterClrMapping/>
+  </p:clrMapOvr>
+</p:sld>
+</file>
+
+<file path=ppt/slides/slide27.xml><?xml version="1.0" encoding="utf-8"?>
+<p:sld xmlns:a="http://schemas.openxmlformats.org/drawingml/2006/main" xmlns:r="http://schemas.openxmlformats.org/officeDocument/2006/relationships" xmlns:p="http://schemas.openxmlformats.org/presentationml/2006/main">
+  <p:cSld>
+    <p:spTree>
+      <p:nvGrpSpPr>
+        <p:cNvPr id="1" name=""/>
+        <p:cNvGrpSpPr/>
+        <p:nvPr/>
+      </p:nvGrpSpPr>
+      <p:grpSpPr>
+        <a:xfrm>
+          <a:off x="0" y="0"/>
+          <a:ext cx="0" cy="0"/>
+          <a:chOff x="0" y="0"/>
+          <a:chExt cx="0" cy="0"/>
+        </a:xfrm>
+      </p:grpSpPr>
+      <p:sp>
+        <p:nvSpPr>
+          <p:cNvPr id="4" name="Title 3">
+            <a:extLst>
+              <a:ext uri="{FF2B5EF4-FFF2-40B4-BE49-F238E27FC236}">
+                <a16:creationId xmlns:a16="http://schemas.microsoft.com/office/drawing/2014/main" id="{3B04EF2B-4BEA-4E24-9BCE-64072921CF7F}"/>
+              </a:ext>
+            </a:extLst>
+          </p:cNvPr>
+          <p:cNvSpPr>
+            <a:spLocks noGrp="1"/>
+          </p:cNvSpPr>
+          <p:nvPr>
+            <p:ph type="title"/>
+          </p:nvPr>
+        </p:nvSpPr>
+        <p:spPr/>
+        <p:txBody>
+          <a:bodyPr/>
+          <a:lstStyle/>
+          <a:p>
+            <a:r>
+              <a:rPr lang="en-US" err="1"/>
+              <a:t>PSRemoting</a:t>
+            </a:r>
+            <a:endParaRPr lang="en-US"/>
           </a:p>
         </p:txBody>
       </p:sp>
@@ -7702,7 +9527,7 @@
           <p:cNvPr id="5" name="Content Placeholder 4">
             <a:extLst>
               <a:ext uri="{FF2B5EF4-FFF2-40B4-BE49-F238E27FC236}">
-                <a16:creationId xmlns:a16="http://schemas.microsoft.com/office/drawing/2014/main" id="{581B598A-CB65-7993-3FCF-42623BB7A3BE}"/>
+                <a16:creationId xmlns:a16="http://schemas.microsoft.com/office/drawing/2014/main" id="{8766AF71-A1A9-4BFF-B506-8CF7DB84B495}"/>
               </a:ext>
             </a:extLst>
           </p:cNvPr>
@@ -7715,22 +9540,1800 @@
         </p:nvSpPr>
         <p:spPr/>
         <p:txBody>
+          <a:bodyPr vert="horz" lIns="91440" tIns="45720" rIns="91440" bIns="45720" rtlCol="0" anchor="t">
+            <a:normAutofit/>
+          </a:bodyPr>
+          <a:lstStyle/>
+          <a:p>
+            <a:r>
+              <a:rPr lang="en-US" err="1">
+                <a:cs typeface="Calibri"/>
+              </a:rPr>
+              <a:t>PSRemoting</a:t>
+            </a:r>
+            <a:r>
+              <a:rPr lang="en-US">
+                <a:cs typeface="Calibri"/>
+              </a:rPr>
+              <a:t> comes in a variety of different flavors.</a:t>
+            </a:r>
+            <a:endParaRPr lang="en-US"/>
+          </a:p>
+          <a:p>
+            <a:pPr lvl="1"/>
+            <a:r>
+              <a:rPr lang="en-US">
+                <a:cs typeface="Calibri"/>
+              </a:rPr>
+              <a:t>Built-in:  Commands with –</a:t>
+            </a:r>
+            <a:r>
+              <a:rPr lang="en-US" err="1">
+                <a:cs typeface="Calibri"/>
+              </a:rPr>
+              <a:t>ComputerName</a:t>
+            </a:r>
+            <a:endParaRPr lang="en-US">
+              <a:cs typeface="Calibri"/>
+            </a:endParaRPr>
+          </a:p>
+          <a:p>
+            <a:pPr lvl="1"/>
+            <a:r>
+              <a:rPr lang="en-US">
+                <a:cs typeface="Calibri"/>
+              </a:rPr>
+              <a:t>Reusable sessions: New-</a:t>
+            </a:r>
+            <a:r>
+              <a:rPr lang="en-US" err="1">
+                <a:cs typeface="Calibri"/>
+              </a:rPr>
+              <a:t>PSSession</a:t>
+            </a:r>
+            <a:r>
+              <a:rPr lang="en-US">
+                <a:cs typeface="Calibri"/>
+              </a:rPr>
+              <a:t> </a:t>
+            </a:r>
+          </a:p>
+          <a:p>
+            <a:pPr>
+              <a:buFont typeface="Wingdings"/>
+              <a:buChar char=""/>
+            </a:pPr>
+            <a:r>
+              <a:rPr lang="en-US">
+                <a:cs typeface="Calibri"/>
+              </a:rPr>
+              <a:t>Copy-Item -  Can move files between computers using different permissions</a:t>
+            </a:r>
+          </a:p>
+          <a:p>
+            <a:pPr>
+              <a:buFont typeface="Wingdings"/>
+              <a:buChar char=""/>
+            </a:pPr>
+            <a:r>
+              <a:rPr lang="en-US">
+                <a:cs typeface="Calibri"/>
+              </a:rPr>
+              <a:t>$Using: can pass variables into the scope. </a:t>
+            </a:r>
+            <a:endParaRPr lang="en-US"/>
+          </a:p>
+          <a:p>
+            <a:pPr lvl="1">
+              <a:buFont typeface="Wingdings"/>
+            </a:pPr>
+            <a:r>
+              <a:rPr lang="en-US">
+                <a:cs typeface="Calibri"/>
+              </a:rPr>
+              <a:t>Or use arguments </a:t>
+            </a:r>
+          </a:p>
+          <a:p>
+            <a:pPr>
+              <a:buFont typeface="Wingdings"/>
+            </a:pPr>
+            <a:r>
+              <a:rPr lang="en-US">
+                <a:cs typeface="Calibri"/>
+              </a:rPr>
+              <a:t>-Include command can load modules on the remote system.</a:t>
+            </a:r>
+          </a:p>
+          <a:p>
+            <a:r>
+              <a:rPr lang="en-US">
+                <a:cs typeface="Calibri"/>
+              </a:rPr>
+              <a:t>Use SSL if possible and avoid basic auth if possible</a:t>
+            </a:r>
+          </a:p>
+          <a:p>
+            <a:endParaRPr lang="en-US">
+              <a:cs typeface="Calibri"/>
+            </a:endParaRPr>
+          </a:p>
+          <a:p>
+            <a:endParaRPr lang="en-US">
+              <a:cs typeface="Calibri"/>
+            </a:endParaRPr>
+          </a:p>
+        </p:txBody>
+      </p:sp>
+    </p:spTree>
+    <p:extLst>
+      <p:ext uri="{BB962C8B-B14F-4D97-AF65-F5344CB8AC3E}">
+        <p14:creationId xmlns:p14="http://schemas.microsoft.com/office/powerpoint/2010/main" val="3475353937"/>
+      </p:ext>
+    </p:extLst>
+  </p:cSld>
+  <p:clrMapOvr>
+    <a:masterClrMapping/>
+  </p:clrMapOvr>
+</p:sld>
+</file>
+
+<file path=ppt/slides/slide28.xml><?xml version="1.0" encoding="utf-8"?>
+<p:sld xmlns:a="http://schemas.openxmlformats.org/drawingml/2006/main" xmlns:r="http://schemas.openxmlformats.org/officeDocument/2006/relationships" xmlns:p="http://schemas.openxmlformats.org/presentationml/2006/main">
+  <p:cSld>
+    <p:spTree>
+      <p:nvGrpSpPr>
+        <p:cNvPr id="1" name=""/>
+        <p:cNvGrpSpPr/>
+        <p:nvPr/>
+      </p:nvGrpSpPr>
+      <p:grpSpPr>
+        <a:xfrm>
+          <a:off x="0" y="0"/>
+          <a:ext cx="0" cy="0"/>
+          <a:chOff x="0" y="0"/>
+          <a:chExt cx="0" cy="0"/>
+        </a:xfrm>
+      </p:grpSpPr>
+      <p:sp>
+        <p:nvSpPr>
+          <p:cNvPr id="4" name="Title 3">
+            <a:extLst>
+              <a:ext uri="{FF2B5EF4-FFF2-40B4-BE49-F238E27FC236}">
+                <a16:creationId xmlns:a16="http://schemas.microsoft.com/office/drawing/2014/main" id="{FC11B802-7F3C-4DE2-A857-664D85ABB139}"/>
+              </a:ext>
+            </a:extLst>
+          </p:cNvPr>
+          <p:cNvSpPr>
+            <a:spLocks noGrp="1"/>
+          </p:cNvSpPr>
+          <p:nvPr>
+            <p:ph type="title"/>
+          </p:nvPr>
+        </p:nvSpPr>
+        <p:spPr/>
+        <p:txBody>
           <a:bodyPr/>
           <a:lstStyle/>
           <a:p>
             <a:r>
-              <a:rPr lang="en-US" dirty="0"/>
+              <a:rPr lang="en-US"/>
+              <a:t>Running Code Remotely</a:t>
+            </a:r>
+          </a:p>
+        </p:txBody>
+      </p:sp>
+      <p:sp>
+        <p:nvSpPr>
+          <p:cNvPr id="5" name="Text Placeholder 4">
+            <a:extLst>
+              <a:ext uri="{FF2B5EF4-FFF2-40B4-BE49-F238E27FC236}">
+                <a16:creationId xmlns:a16="http://schemas.microsoft.com/office/drawing/2014/main" id="{976F934D-54D4-4C7C-91CB-AD0747064887}"/>
+              </a:ext>
+            </a:extLst>
+          </p:cNvPr>
+          <p:cNvSpPr>
+            <a:spLocks noGrp="1"/>
+          </p:cNvSpPr>
+          <p:nvPr>
+            <p:ph type="body" idx="1"/>
+          </p:nvPr>
+        </p:nvSpPr>
+        <p:spPr/>
+        <p:txBody>
+          <a:bodyPr/>
+          <a:lstStyle/>
+          <a:p>
+            <a:r>
+              <a:rPr lang="en-US"/>
+              <a:t>You don’t need to be logged in to be logged in</a:t>
+            </a:r>
+          </a:p>
+        </p:txBody>
+      </p:sp>
+    </p:spTree>
+    <p:extLst>
+      <p:ext uri="{BB962C8B-B14F-4D97-AF65-F5344CB8AC3E}">
+        <p14:creationId xmlns:p14="http://schemas.microsoft.com/office/powerpoint/2010/main" val="2596694108"/>
+      </p:ext>
+    </p:extLst>
+  </p:cSld>
+  <p:clrMapOvr>
+    <a:masterClrMapping/>
+  </p:clrMapOvr>
+</p:sld>
+</file>
+
+<file path=ppt/slides/slide29.xml><?xml version="1.0" encoding="utf-8"?>
+<p:sld xmlns:a="http://schemas.openxmlformats.org/drawingml/2006/main" xmlns:r="http://schemas.openxmlformats.org/officeDocument/2006/relationships" xmlns:p="http://schemas.openxmlformats.org/presentationml/2006/main">
+  <p:cSld>
+    <p:spTree>
+      <p:nvGrpSpPr>
+        <p:cNvPr id="1" name=""/>
+        <p:cNvGrpSpPr/>
+        <p:nvPr/>
+      </p:nvGrpSpPr>
+      <p:grpSpPr>
+        <a:xfrm>
+          <a:off x="0" y="0"/>
+          <a:ext cx="0" cy="0"/>
+          <a:chOff x="0" y="0"/>
+          <a:chExt cx="0" cy="0"/>
+        </a:xfrm>
+      </p:grpSpPr>
+      <p:sp>
+        <p:nvSpPr>
+          <p:cNvPr id="2" name="Title 1">
+            <a:extLst>
+              <a:ext uri="{FF2B5EF4-FFF2-40B4-BE49-F238E27FC236}">
+                <a16:creationId xmlns:a16="http://schemas.microsoft.com/office/drawing/2014/main" id="{43B83AD9-7604-4510-A90E-84B8563375E5}"/>
+              </a:ext>
+            </a:extLst>
+          </p:cNvPr>
+          <p:cNvSpPr>
+            <a:spLocks noGrp="1"/>
+          </p:cNvSpPr>
+          <p:nvPr>
+            <p:ph type="title"/>
+          </p:nvPr>
+        </p:nvSpPr>
+        <p:spPr/>
+        <p:txBody>
+          <a:bodyPr/>
+          <a:lstStyle/>
+          <a:p>
+            <a:r>
+              <a:rPr lang="en-US"/>
+              <a:t>Bug Bombs</a:t>
+            </a:r>
+          </a:p>
+        </p:txBody>
+      </p:sp>
+      <p:sp>
+        <p:nvSpPr>
+          <p:cNvPr id="3" name="Text Placeholder 2">
+            <a:extLst>
+              <a:ext uri="{FF2B5EF4-FFF2-40B4-BE49-F238E27FC236}">
+                <a16:creationId xmlns:a16="http://schemas.microsoft.com/office/drawing/2014/main" id="{642E86C7-90DE-4C51-84D6-09AEC3E486ED}"/>
+              </a:ext>
+            </a:extLst>
+          </p:cNvPr>
+          <p:cNvSpPr>
+            <a:spLocks noGrp="1"/>
+          </p:cNvSpPr>
+          <p:nvPr>
+            <p:ph type="body" idx="1"/>
+          </p:nvPr>
+        </p:nvSpPr>
+        <p:spPr/>
+        <p:txBody>
+          <a:bodyPr/>
+          <a:lstStyle/>
+          <a:p>
+            <a:r>
+              <a:rPr lang="en-US"/>
+              <a:t>Debugging your code</a:t>
+            </a:r>
+          </a:p>
+        </p:txBody>
+      </p:sp>
+    </p:spTree>
+    <p:extLst>
+      <p:ext uri="{BB962C8B-B14F-4D97-AF65-F5344CB8AC3E}">
+        <p14:creationId xmlns:p14="http://schemas.microsoft.com/office/powerpoint/2010/main" val="201272052"/>
+      </p:ext>
+    </p:extLst>
+  </p:cSld>
+  <p:clrMapOvr>
+    <a:masterClrMapping/>
+  </p:clrMapOvr>
+</p:sld>
+</file>
+
+<file path=ppt/slides/slide3.xml><?xml version="1.0" encoding="utf-8"?>
+<p:sld xmlns:a="http://schemas.openxmlformats.org/drawingml/2006/main" xmlns:r="http://schemas.openxmlformats.org/officeDocument/2006/relationships" xmlns:p="http://schemas.openxmlformats.org/presentationml/2006/main">
+  <p:cSld>
+    <p:spTree>
+      <p:nvGrpSpPr>
+        <p:cNvPr id="1" name=""/>
+        <p:cNvGrpSpPr/>
+        <p:nvPr/>
+      </p:nvGrpSpPr>
+      <p:grpSpPr>
+        <a:xfrm>
+          <a:off x="0" y="0"/>
+          <a:ext cx="0" cy="0"/>
+          <a:chOff x="0" y="0"/>
+          <a:chExt cx="0" cy="0"/>
+        </a:xfrm>
+      </p:grpSpPr>
+      <p:sp>
+        <p:nvSpPr>
+          <p:cNvPr id="2" name="Title 1">
+            <a:extLst>
+              <a:ext uri="{FF2B5EF4-FFF2-40B4-BE49-F238E27FC236}">
+                <a16:creationId xmlns:a16="http://schemas.microsoft.com/office/drawing/2014/main" id="{8CB54686-E403-224A-570D-6AD1962FEB8C}"/>
+              </a:ext>
+            </a:extLst>
+          </p:cNvPr>
+          <p:cNvSpPr>
+            <a:spLocks noGrp="1"/>
+          </p:cNvSpPr>
+          <p:nvPr>
+            <p:ph type="title"/>
+          </p:nvPr>
+        </p:nvSpPr>
+        <p:spPr/>
+        <p:txBody>
+          <a:bodyPr/>
+          <a:lstStyle/>
+          <a:p>
+            <a:r>
+              <a:rPr lang="en-US"/>
+              <a:t>Advanced Topics for Advanced Peoples</a:t>
+            </a:r>
+          </a:p>
+        </p:txBody>
+      </p:sp>
+      <p:sp>
+        <p:nvSpPr>
+          <p:cNvPr id="3" name="Content Placeholder 2">
+            <a:extLst>
+              <a:ext uri="{FF2B5EF4-FFF2-40B4-BE49-F238E27FC236}">
+                <a16:creationId xmlns:a16="http://schemas.microsoft.com/office/drawing/2014/main" id="{2E47C443-A519-CA6C-F515-F098DE1D8E32}"/>
+              </a:ext>
+            </a:extLst>
+          </p:cNvPr>
+          <p:cNvSpPr>
+            <a:spLocks noGrp="1"/>
+          </p:cNvSpPr>
+          <p:nvPr>
+            <p:ph idx="1"/>
+          </p:nvPr>
+        </p:nvSpPr>
+        <p:spPr/>
+        <p:txBody>
+          <a:bodyPr/>
+          <a:lstStyle/>
+          <a:p>
+            <a:r>
+              <a:rPr lang="en-US"/>
+              <a:t>Object Types</a:t>
+            </a:r>
+          </a:p>
+          <a:p>
+            <a:r>
+              <a:rPr lang="en-US"/>
+              <a:t>Return By Reference?</a:t>
+            </a:r>
+          </a:p>
+          <a:p>
+            <a:r>
+              <a:rPr lang="en-US"/>
+              <a:t>Splatting</a:t>
+            </a:r>
+          </a:p>
+          <a:p>
+            <a:r>
+              <a:rPr lang="en-US"/>
+              <a:t>Multi-Threading (Properly)</a:t>
+            </a:r>
+          </a:p>
+          <a:p>
+            <a:r>
+              <a:rPr lang="en-US"/>
+              <a:t>Debugging</a:t>
+            </a:r>
+          </a:p>
+          <a:p>
+            <a:r>
+              <a:rPr lang="en-US" err="1"/>
+              <a:t>PSRemoting</a:t>
+            </a:r>
+            <a:endParaRPr lang="en-US"/>
+          </a:p>
+          <a:p>
+            <a:r>
+              <a:rPr lang="en-US"/>
+              <a:t>Performance Tuning</a:t>
+            </a:r>
+          </a:p>
+        </p:txBody>
+      </p:sp>
+    </p:spTree>
+    <p:extLst>
+      <p:ext uri="{BB962C8B-B14F-4D97-AF65-F5344CB8AC3E}">
+        <p14:creationId xmlns:p14="http://schemas.microsoft.com/office/powerpoint/2010/main" val="2692478915"/>
+      </p:ext>
+    </p:extLst>
+  </p:cSld>
+  <p:clrMapOvr>
+    <a:masterClrMapping/>
+  </p:clrMapOvr>
+</p:sld>
+</file>
+
+<file path=ppt/slides/slide30.xml><?xml version="1.0" encoding="utf-8"?>
+<p:sld xmlns:a="http://schemas.openxmlformats.org/drawingml/2006/main" xmlns:r="http://schemas.openxmlformats.org/officeDocument/2006/relationships" xmlns:p="http://schemas.openxmlformats.org/presentationml/2006/main">
+  <p:cSld>
+    <p:spTree>
+      <p:nvGrpSpPr>
+        <p:cNvPr id="1" name=""/>
+        <p:cNvGrpSpPr/>
+        <p:nvPr/>
+      </p:nvGrpSpPr>
+      <p:grpSpPr>
+        <a:xfrm>
+          <a:off x="0" y="0"/>
+          <a:ext cx="0" cy="0"/>
+          <a:chOff x="0" y="0"/>
+          <a:chExt cx="0" cy="0"/>
+        </a:xfrm>
+      </p:grpSpPr>
+      <p:sp>
+        <p:nvSpPr>
+          <p:cNvPr id="4" name="Title 3">
+            <a:extLst>
+              <a:ext uri="{FF2B5EF4-FFF2-40B4-BE49-F238E27FC236}">
+                <a16:creationId xmlns:a16="http://schemas.microsoft.com/office/drawing/2014/main" id="{93CD59FA-4D28-41B7-AD68-4A39650981A2}"/>
+              </a:ext>
+            </a:extLst>
+          </p:cNvPr>
+          <p:cNvSpPr>
+            <a:spLocks noGrp="1"/>
+          </p:cNvSpPr>
+          <p:nvPr>
+            <p:ph type="title"/>
+          </p:nvPr>
+        </p:nvSpPr>
+        <p:spPr/>
+        <p:txBody>
+          <a:bodyPr/>
+          <a:lstStyle/>
+          <a:p>
+            <a:r>
+              <a:rPr lang="en-US"/>
+              <a:t>Working the gremlins out</a:t>
+            </a:r>
+          </a:p>
+        </p:txBody>
+      </p:sp>
+      <p:sp>
+        <p:nvSpPr>
+          <p:cNvPr id="5" name="Content Placeholder 4">
+            <a:extLst>
+              <a:ext uri="{FF2B5EF4-FFF2-40B4-BE49-F238E27FC236}">
+                <a16:creationId xmlns:a16="http://schemas.microsoft.com/office/drawing/2014/main" id="{BE7B24D6-6BDD-4451-87B6-52197815692F}"/>
+              </a:ext>
+            </a:extLst>
+          </p:cNvPr>
+          <p:cNvSpPr>
+            <a:spLocks noGrp="1"/>
+          </p:cNvSpPr>
+          <p:nvPr>
+            <p:ph idx="1"/>
+          </p:nvPr>
+        </p:nvSpPr>
+        <p:spPr/>
+        <p:txBody>
+          <a:bodyPr vert="horz" lIns="91440" tIns="45720" rIns="91440" bIns="45720" rtlCol="0" anchor="t">
+            <a:normAutofit/>
+          </a:bodyPr>
+          <a:lstStyle/>
+          <a:p>
+            <a:r>
+              <a:rPr lang="en-US">
+                <a:cs typeface="Calibri"/>
+              </a:rPr>
+              <a:t>The PowerShell Debugger can be used in ANY interactive session</a:t>
+            </a:r>
+          </a:p>
+          <a:p>
+            <a:pPr lvl="1"/>
+            <a:r>
+              <a:rPr lang="en-US">
+                <a:ea typeface="Calibri"/>
+                <a:cs typeface="Calibri"/>
+              </a:rPr>
+              <a:t>Including Remote sessions and processes</a:t>
+            </a:r>
+          </a:p>
+          <a:p>
+            <a:r>
+              <a:rPr lang="en-US">
+                <a:cs typeface="Calibri"/>
+              </a:rPr>
+              <a:t>Both the ISE and </a:t>
+            </a:r>
+            <a:r>
+              <a:rPr lang="en-US" err="1">
+                <a:cs typeface="Calibri"/>
+              </a:rPr>
+              <a:t>VSCode</a:t>
+            </a:r>
+            <a:r>
+              <a:rPr lang="en-US">
+                <a:cs typeface="Calibri"/>
+              </a:rPr>
+              <a:t> have great tools built in</a:t>
+            </a:r>
+            <a:endParaRPr lang="en-US">
+              <a:ea typeface="Calibri"/>
+              <a:cs typeface="Calibri"/>
+            </a:endParaRPr>
+          </a:p>
+          <a:p>
+            <a:r>
+              <a:rPr lang="en-US">
+                <a:cs typeface="Calibri"/>
+              </a:rPr>
+              <a:t>Commands:</a:t>
+            </a:r>
+            <a:endParaRPr lang="en-US">
+              <a:ea typeface="Calibri"/>
+              <a:cs typeface="Calibri"/>
+            </a:endParaRPr>
+          </a:p>
+          <a:p>
+            <a:pPr lvl="1"/>
+            <a:r>
+              <a:rPr lang="en-US">
+                <a:cs typeface="Calibri"/>
+              </a:rPr>
+              <a:t>Wait-Debugger</a:t>
+            </a:r>
+            <a:endParaRPr lang="en-US">
+              <a:ea typeface="Calibri"/>
+              <a:cs typeface="Calibri"/>
+            </a:endParaRPr>
+          </a:p>
+          <a:p>
+            <a:pPr lvl="1"/>
+            <a:r>
+              <a:rPr lang="en-US">
+                <a:cs typeface="Calibri"/>
+              </a:rPr>
+              <a:t>New-</a:t>
+            </a:r>
+            <a:r>
+              <a:rPr lang="en-US" err="1">
+                <a:cs typeface="Calibri"/>
+              </a:rPr>
+              <a:t>PSBreakPoint</a:t>
+            </a:r>
+            <a:endParaRPr lang="en-US" err="1">
+              <a:ea typeface="Calibri"/>
+              <a:cs typeface="Calibri"/>
+            </a:endParaRPr>
+          </a:p>
+          <a:p>
+            <a:pPr lvl="1"/>
+            <a:r>
+              <a:rPr lang="en-US">
+                <a:ea typeface="Calibri"/>
+                <a:cs typeface="Calibri"/>
+              </a:rPr>
+              <a:t>Enter-</a:t>
+            </a:r>
+            <a:r>
+              <a:rPr lang="en-US" err="1">
+                <a:ea typeface="Calibri"/>
+                <a:cs typeface="Calibri"/>
+              </a:rPr>
+              <a:t>PSHostProcess</a:t>
+            </a:r>
+          </a:p>
+          <a:p>
+            <a:endParaRPr lang="en-US">
+              <a:ea typeface="Calibri" panose="020F0502020204030204"/>
+              <a:cs typeface="Calibri"/>
+            </a:endParaRPr>
+          </a:p>
+        </p:txBody>
+      </p:sp>
+    </p:spTree>
+    <p:extLst>
+      <p:ext uri="{BB962C8B-B14F-4D97-AF65-F5344CB8AC3E}">
+        <p14:creationId xmlns:p14="http://schemas.microsoft.com/office/powerpoint/2010/main" val="547234064"/>
+      </p:ext>
+    </p:extLst>
+  </p:cSld>
+  <p:clrMapOvr>
+    <a:masterClrMapping/>
+  </p:clrMapOvr>
+</p:sld>
+</file>
+
+<file path=ppt/slides/slide31.xml><?xml version="1.0" encoding="utf-8"?>
+<p:sld xmlns:a="http://schemas.openxmlformats.org/drawingml/2006/main" xmlns:r="http://schemas.openxmlformats.org/officeDocument/2006/relationships" xmlns:p="http://schemas.openxmlformats.org/presentationml/2006/main">
+  <p:cSld>
+    <p:spTree>
+      <p:nvGrpSpPr>
+        <p:cNvPr id="1" name=""/>
+        <p:cNvGrpSpPr/>
+        <p:nvPr/>
+      </p:nvGrpSpPr>
+      <p:grpSpPr>
+        <a:xfrm>
+          <a:off x="0" y="0"/>
+          <a:ext cx="0" cy="0"/>
+          <a:chOff x="0" y="0"/>
+          <a:chExt cx="0" cy="0"/>
+        </a:xfrm>
+      </p:grpSpPr>
+      <p:sp>
+        <p:nvSpPr>
+          <p:cNvPr id="2" name="Title 1">
+            <a:extLst>
+              <a:ext uri="{FF2B5EF4-FFF2-40B4-BE49-F238E27FC236}">
+                <a16:creationId xmlns:a16="http://schemas.microsoft.com/office/drawing/2014/main" id="{C24DDBB6-1B9D-444D-9C74-141767E7CB76}"/>
+              </a:ext>
+            </a:extLst>
+          </p:cNvPr>
+          <p:cNvSpPr>
+            <a:spLocks noGrp="1"/>
+          </p:cNvSpPr>
+          <p:nvPr>
+            <p:ph type="title"/>
+          </p:nvPr>
+        </p:nvSpPr>
+        <p:spPr/>
+        <p:txBody>
+          <a:bodyPr/>
+          <a:lstStyle/>
+          <a:p>
+            <a:r>
+              <a:rPr lang="en-US"/>
+              <a:t>Fixing broken stuff</a:t>
+            </a:r>
+          </a:p>
+        </p:txBody>
+      </p:sp>
+      <p:sp>
+        <p:nvSpPr>
+          <p:cNvPr id="4" name="Text Placeholder 3">
+            <a:extLst>
+              <a:ext uri="{FF2B5EF4-FFF2-40B4-BE49-F238E27FC236}">
+                <a16:creationId xmlns:a16="http://schemas.microsoft.com/office/drawing/2014/main" id="{6BD3F1C6-4817-44B8-B736-F19B9C3D78DB}"/>
+              </a:ext>
+            </a:extLst>
+          </p:cNvPr>
+          <p:cNvSpPr>
+            <a:spLocks noGrp="1"/>
+          </p:cNvSpPr>
+          <p:nvPr>
+            <p:ph type="body" idx="1"/>
+          </p:nvPr>
+        </p:nvSpPr>
+        <p:spPr/>
+        <p:txBody>
+          <a:bodyPr/>
+          <a:lstStyle/>
+          <a:p>
+            <a:r>
+              <a:rPr lang="en-US"/>
+              <a:t>Examples of what to do, when the script doesn’t do</a:t>
+            </a:r>
+          </a:p>
+        </p:txBody>
+      </p:sp>
+    </p:spTree>
+    <p:extLst>
+      <p:ext uri="{BB962C8B-B14F-4D97-AF65-F5344CB8AC3E}">
+        <p14:creationId xmlns:p14="http://schemas.microsoft.com/office/powerpoint/2010/main" val="1645710221"/>
+      </p:ext>
+    </p:extLst>
+  </p:cSld>
+  <p:clrMapOvr>
+    <a:masterClrMapping/>
+  </p:clrMapOvr>
+</p:sld>
+</file>
+
+<file path=ppt/slides/slide32.xml><?xml version="1.0" encoding="utf-8"?>
+<p:sld xmlns:a="http://schemas.openxmlformats.org/drawingml/2006/main" xmlns:r="http://schemas.openxmlformats.org/officeDocument/2006/relationships" xmlns:p="http://schemas.openxmlformats.org/presentationml/2006/main">
+  <p:cSld>
+    <p:spTree>
+      <p:nvGrpSpPr>
+        <p:cNvPr id="1" name=""/>
+        <p:cNvGrpSpPr/>
+        <p:nvPr/>
+      </p:nvGrpSpPr>
+      <p:grpSpPr>
+        <a:xfrm>
+          <a:off x="0" y="0"/>
+          <a:ext cx="0" cy="0"/>
+          <a:chOff x="0" y="0"/>
+          <a:chExt cx="0" cy="0"/>
+        </a:xfrm>
+      </p:grpSpPr>
+      <p:sp>
+        <p:nvSpPr>
+          <p:cNvPr id="2" name="Title 1">
+            <a:extLst>
+              <a:ext uri="{FF2B5EF4-FFF2-40B4-BE49-F238E27FC236}">
+                <a16:creationId xmlns:a16="http://schemas.microsoft.com/office/drawing/2014/main" id="{02A39594-EE26-4750-ADAB-9CF7E575537C}"/>
+              </a:ext>
+            </a:extLst>
+          </p:cNvPr>
+          <p:cNvSpPr>
+            <a:spLocks noGrp="1"/>
+          </p:cNvSpPr>
+          <p:nvPr>
+            <p:ph type="title"/>
+          </p:nvPr>
+        </p:nvSpPr>
+        <p:spPr/>
+        <p:txBody>
+          <a:bodyPr/>
+          <a:lstStyle/>
+          <a:p>
+            <a:r>
+              <a:rPr lang="en-US"/>
+              <a:t>Performance Tuning</a:t>
+            </a:r>
+          </a:p>
+        </p:txBody>
+      </p:sp>
+      <p:sp>
+        <p:nvSpPr>
+          <p:cNvPr id="3" name="Text Placeholder 2">
+            <a:extLst>
+              <a:ext uri="{FF2B5EF4-FFF2-40B4-BE49-F238E27FC236}">
+                <a16:creationId xmlns:a16="http://schemas.microsoft.com/office/drawing/2014/main" id="{6E0C976C-A9BE-427F-8CFC-53D501806F2E}"/>
+              </a:ext>
+            </a:extLst>
+          </p:cNvPr>
+          <p:cNvSpPr>
+            <a:spLocks noGrp="1"/>
+          </p:cNvSpPr>
+          <p:nvPr>
+            <p:ph type="body" idx="1"/>
+          </p:nvPr>
+        </p:nvSpPr>
+        <p:spPr/>
+        <p:txBody>
+          <a:bodyPr/>
+          <a:lstStyle/>
+          <a:p>
+            <a:r>
+              <a:rPr lang="en-US"/>
+              <a:t>Why drive an 4 banger when you can have a supercharged V8?</a:t>
+            </a:r>
+          </a:p>
+        </p:txBody>
+      </p:sp>
+    </p:spTree>
+    <p:extLst>
+      <p:ext uri="{BB962C8B-B14F-4D97-AF65-F5344CB8AC3E}">
+        <p14:creationId xmlns:p14="http://schemas.microsoft.com/office/powerpoint/2010/main" val="905624388"/>
+      </p:ext>
+    </p:extLst>
+  </p:cSld>
+  <p:clrMapOvr>
+    <a:masterClrMapping/>
+  </p:clrMapOvr>
+</p:sld>
+</file>
+
+<file path=ppt/slides/slide33.xml><?xml version="1.0" encoding="utf-8"?>
+<p:sld xmlns:a="http://schemas.openxmlformats.org/drawingml/2006/main" xmlns:r="http://schemas.openxmlformats.org/officeDocument/2006/relationships" xmlns:p="http://schemas.openxmlformats.org/presentationml/2006/main">
+  <p:cSld>
+    <p:spTree>
+      <p:nvGrpSpPr>
+        <p:cNvPr id="1" name=""/>
+        <p:cNvGrpSpPr/>
+        <p:nvPr/>
+      </p:nvGrpSpPr>
+      <p:grpSpPr>
+        <a:xfrm>
+          <a:off x="0" y="0"/>
+          <a:ext cx="0" cy="0"/>
+          <a:chOff x="0" y="0"/>
+          <a:chExt cx="0" cy="0"/>
+        </a:xfrm>
+      </p:grpSpPr>
+      <p:sp>
+        <p:nvSpPr>
+          <p:cNvPr id="4" name="Title 3">
+            <a:extLst>
+              <a:ext uri="{FF2B5EF4-FFF2-40B4-BE49-F238E27FC236}">
+                <a16:creationId xmlns:a16="http://schemas.microsoft.com/office/drawing/2014/main" id="{B1064F49-2068-49DB-92BF-02A1D15A2BDD}"/>
+              </a:ext>
+            </a:extLst>
+          </p:cNvPr>
+          <p:cNvSpPr>
+            <a:spLocks noGrp="1"/>
+          </p:cNvSpPr>
+          <p:nvPr>
+            <p:ph type="title"/>
+          </p:nvPr>
+        </p:nvSpPr>
+        <p:spPr/>
+        <p:txBody>
+          <a:bodyPr/>
+          <a:lstStyle/>
+          <a:p>
+            <a:r>
+              <a:rPr lang="en-US"/>
+              <a:t>Performance Matters!</a:t>
+            </a:r>
+          </a:p>
+        </p:txBody>
+      </p:sp>
+      <p:sp>
+        <p:nvSpPr>
+          <p:cNvPr id="5" name="Content Placeholder 4">
+            <a:extLst>
+              <a:ext uri="{FF2B5EF4-FFF2-40B4-BE49-F238E27FC236}">
+                <a16:creationId xmlns:a16="http://schemas.microsoft.com/office/drawing/2014/main" id="{FF2E7BEC-E120-4272-858F-3AD4DA9FA363}"/>
+              </a:ext>
+            </a:extLst>
+          </p:cNvPr>
+          <p:cNvSpPr>
+            <a:spLocks noGrp="1"/>
+          </p:cNvSpPr>
+          <p:nvPr>
+            <p:ph idx="1"/>
+          </p:nvPr>
+        </p:nvSpPr>
+        <p:spPr/>
+        <p:txBody>
+          <a:bodyPr vert="horz" lIns="91440" tIns="45720" rIns="91440" bIns="45720" rtlCol="0" anchor="t">
+            <a:normAutofit/>
+          </a:bodyPr>
+          <a:lstStyle/>
+          <a:p>
+            <a:r>
+              <a:rPr lang="en-US"/>
+              <a:t>Why would performance matter?</a:t>
+            </a:r>
+          </a:p>
+          <a:p>
+            <a:pPr lvl="1"/>
+            <a:r>
+              <a:rPr lang="en-US">
+                <a:cs typeface="Calibri"/>
+              </a:rPr>
+              <a:t>Some platforms charge by run-minute</a:t>
+            </a:r>
+          </a:p>
+          <a:p>
+            <a:pPr lvl="1"/>
+            <a:r>
+              <a:rPr lang="en-US">
+                <a:cs typeface="Calibri"/>
+              </a:rPr>
+              <a:t>Sometimes you have a deadline to meet and need code to finish earlier </a:t>
+            </a:r>
+            <a:endParaRPr lang="en-US"/>
+          </a:p>
+          <a:p>
+            <a:r>
+              <a:rPr lang="en-US"/>
+              <a:t>What methods do we have available?</a:t>
+            </a:r>
+          </a:p>
+          <a:p>
+            <a:r>
+              <a:rPr lang="en-US"/>
+              <a:t>Are there times we shouldn’t worry?</a:t>
+            </a:r>
+          </a:p>
+          <a:p>
+            <a:r>
+              <a:rPr lang="en-US"/>
+              <a:t>Diminishing Returns</a:t>
+            </a:r>
+          </a:p>
+          <a:p>
+            <a:r>
+              <a:rPr lang="en-US"/>
+              <a:t>Go Array!</a:t>
+            </a:r>
+          </a:p>
+          <a:p>
+            <a:r>
+              <a:rPr lang="en-US"/>
+              <a:t>Trace</a:t>
+            </a:r>
+          </a:p>
+        </p:txBody>
+      </p:sp>
+    </p:spTree>
+    <p:extLst>
+      <p:ext uri="{BB962C8B-B14F-4D97-AF65-F5344CB8AC3E}">
+        <p14:creationId xmlns:p14="http://schemas.microsoft.com/office/powerpoint/2010/main" val="566783780"/>
+      </p:ext>
+    </p:extLst>
+  </p:cSld>
+  <p:clrMapOvr>
+    <a:masterClrMapping/>
+  </p:clrMapOvr>
+</p:sld>
+</file>
+
+<file path=ppt/slides/slide34.xml><?xml version="1.0" encoding="utf-8"?>
+<p:sld xmlns:a="http://schemas.openxmlformats.org/drawingml/2006/main" xmlns:r="http://schemas.openxmlformats.org/officeDocument/2006/relationships" xmlns:p="http://schemas.openxmlformats.org/presentationml/2006/main">
+  <p:cSld>
+    <p:spTree>
+      <p:nvGrpSpPr>
+        <p:cNvPr id="1" name=""/>
+        <p:cNvGrpSpPr/>
+        <p:nvPr/>
+      </p:nvGrpSpPr>
+      <p:grpSpPr>
+        <a:xfrm>
+          <a:off x="0" y="0"/>
+          <a:ext cx="0" cy="0"/>
+          <a:chOff x="0" y="0"/>
+          <a:chExt cx="0" cy="0"/>
+        </a:xfrm>
+      </p:grpSpPr>
+      <p:sp>
+        <p:nvSpPr>
+          <p:cNvPr id="2" name="Title 1">
+            <a:extLst>
+              <a:ext uri="{FF2B5EF4-FFF2-40B4-BE49-F238E27FC236}">
+                <a16:creationId xmlns:a16="http://schemas.microsoft.com/office/drawing/2014/main" id="{ABC3EB01-FD8C-4511-821F-741F27C87337}"/>
+              </a:ext>
+            </a:extLst>
+          </p:cNvPr>
+          <p:cNvSpPr>
+            <a:spLocks noGrp="1"/>
+          </p:cNvSpPr>
+          <p:nvPr>
+            <p:ph type="title"/>
+          </p:nvPr>
+        </p:nvSpPr>
+        <p:spPr/>
+        <p:txBody>
+          <a:bodyPr/>
+          <a:lstStyle/>
+          <a:p>
+            <a:r>
+              <a:rPr lang="en-US"/>
+              <a:t>Ways to supercharge your code</a:t>
+            </a:r>
+          </a:p>
+        </p:txBody>
+      </p:sp>
+      <p:sp>
+        <p:nvSpPr>
+          <p:cNvPr id="3" name="Content Placeholder 2">
+            <a:extLst>
+              <a:ext uri="{FF2B5EF4-FFF2-40B4-BE49-F238E27FC236}">
+                <a16:creationId xmlns:a16="http://schemas.microsoft.com/office/drawing/2014/main" id="{E9BE57F0-3730-48B6-AD55-E0F44DD6575C}"/>
+              </a:ext>
+            </a:extLst>
+          </p:cNvPr>
+          <p:cNvSpPr>
+            <a:spLocks noGrp="1"/>
+          </p:cNvSpPr>
+          <p:nvPr>
+            <p:ph idx="1"/>
+          </p:nvPr>
+        </p:nvSpPr>
+        <p:spPr/>
+        <p:txBody>
+          <a:bodyPr/>
+          <a:lstStyle/>
+          <a:p>
+            <a:r>
+              <a:rPr lang="en-US"/>
+              <a:t>Typecasting</a:t>
+            </a:r>
+          </a:p>
+          <a:p>
+            <a:r>
+              <a:rPr lang="en-US"/>
+              <a:t>.NET Objects</a:t>
+            </a:r>
+          </a:p>
+          <a:p>
+            <a:r>
+              <a:rPr lang="en-US"/>
+              <a:t>Avoid Output</a:t>
+            </a:r>
+          </a:p>
+          <a:p>
+            <a:r>
+              <a:rPr lang="en-US"/>
+              <a:t>Methods</a:t>
+            </a:r>
+          </a:p>
+        </p:txBody>
+      </p:sp>
+    </p:spTree>
+    <p:extLst>
+      <p:ext uri="{BB962C8B-B14F-4D97-AF65-F5344CB8AC3E}">
+        <p14:creationId xmlns:p14="http://schemas.microsoft.com/office/powerpoint/2010/main" val="1469320877"/>
+      </p:ext>
+    </p:extLst>
+  </p:cSld>
+  <p:clrMapOvr>
+    <a:masterClrMapping/>
+  </p:clrMapOvr>
+</p:sld>
+</file>
+
+<file path=ppt/slides/slide35.xml><?xml version="1.0" encoding="utf-8"?>
+<p:sld xmlns:a="http://schemas.openxmlformats.org/drawingml/2006/main" xmlns:r="http://schemas.openxmlformats.org/officeDocument/2006/relationships" xmlns:p="http://schemas.openxmlformats.org/presentationml/2006/main">
+  <p:cSld>
+    <p:spTree>
+      <p:nvGrpSpPr>
+        <p:cNvPr id="1" name=""/>
+        <p:cNvGrpSpPr/>
+        <p:nvPr/>
+      </p:nvGrpSpPr>
+      <p:grpSpPr>
+        <a:xfrm>
+          <a:off x="0" y="0"/>
+          <a:ext cx="0" cy="0"/>
+          <a:chOff x="0" y="0"/>
+          <a:chExt cx="0" cy="0"/>
+        </a:xfrm>
+      </p:grpSpPr>
+      <p:sp>
+        <p:nvSpPr>
+          <p:cNvPr id="2" name="Title 1">
+            <a:extLst>
+              <a:ext uri="{FF2B5EF4-FFF2-40B4-BE49-F238E27FC236}">
+                <a16:creationId xmlns:a16="http://schemas.microsoft.com/office/drawing/2014/main" id="{276AAB56-A37B-4DA6-B1D4-E53FF2095D63}"/>
+              </a:ext>
+            </a:extLst>
+          </p:cNvPr>
+          <p:cNvSpPr>
+            <a:spLocks noGrp="1"/>
+          </p:cNvSpPr>
+          <p:nvPr>
+            <p:ph type="title"/>
+          </p:nvPr>
+        </p:nvSpPr>
+        <p:spPr/>
+        <p:txBody>
+          <a:bodyPr/>
+          <a:lstStyle/>
+          <a:p>
+            <a:r>
+              <a:rPr lang="en-US"/>
+              <a:t>Typecasting &amp; .NET Objects</a:t>
+            </a:r>
+          </a:p>
+        </p:txBody>
+      </p:sp>
+      <p:sp>
+        <p:nvSpPr>
+          <p:cNvPr id="3" name="Content Placeholder 2">
+            <a:extLst>
+              <a:ext uri="{FF2B5EF4-FFF2-40B4-BE49-F238E27FC236}">
+                <a16:creationId xmlns:a16="http://schemas.microsoft.com/office/drawing/2014/main" id="{A15B3041-9977-4217-86D1-9FE815A01859}"/>
+              </a:ext>
+            </a:extLst>
+          </p:cNvPr>
+          <p:cNvSpPr>
+            <a:spLocks noGrp="1"/>
+          </p:cNvSpPr>
+          <p:nvPr>
+            <p:ph idx="1"/>
+          </p:nvPr>
+        </p:nvSpPr>
+        <p:spPr/>
+        <p:txBody>
+          <a:bodyPr/>
+          <a:lstStyle/>
+          <a:p>
+            <a:r>
+              <a:rPr lang="en-US"/>
+              <a:t>Implicit conversions can be costly</a:t>
+            </a:r>
+          </a:p>
+          <a:p>
+            <a:pPr lvl="1"/>
+            <a:r>
+              <a:rPr lang="en-US"/>
+              <a:t>CPU cycles required to convert before comparing or assigning</a:t>
+            </a:r>
+          </a:p>
+          <a:p>
+            <a:pPr lvl="1"/>
+            <a:r>
+              <a:rPr lang="en-US"/>
+              <a:t>Memory space required to store two variables, the original, and the new one</a:t>
+            </a:r>
+          </a:p>
+          <a:p>
+            <a:r>
+              <a:rPr lang="en-US"/>
+              <a:t>Comparing a string against a number can work, but it takes time</a:t>
+            </a:r>
+          </a:p>
+          <a:p>
+            <a:pPr lvl="1"/>
+            <a:r>
+              <a:rPr lang="en-US"/>
+              <a:t>Same applies for other data types</a:t>
+            </a:r>
+          </a:p>
+          <a:p>
+            <a:r>
+              <a:rPr lang="en-US"/>
+              <a:t>Many Cmdlets are actually just wrappers for .NET methods</a:t>
+            </a:r>
+          </a:p>
+          <a:p>
+            <a:r>
+              <a:rPr lang="en-US"/>
+              <a:t>Calling the .NET method directly can save time and remove some of the “checks” and alterations that a cmdlet might perform</a:t>
+            </a:r>
+          </a:p>
+          <a:p>
+            <a:r>
+              <a:rPr lang="en-US"/>
+              <a:t>Working with the .NET objects directly can give us more flexibility and options that cmdlets don’t give us</a:t>
+            </a:r>
+          </a:p>
+          <a:p>
+            <a:pPr marL="0" indent="0">
+              <a:buNone/>
+            </a:pPr>
+            <a:endParaRPr lang="en-US"/>
+          </a:p>
+          <a:p>
+            <a:endParaRPr lang="en-US"/>
+          </a:p>
+        </p:txBody>
+      </p:sp>
+    </p:spTree>
+    <p:extLst>
+      <p:ext uri="{BB962C8B-B14F-4D97-AF65-F5344CB8AC3E}">
+        <p14:creationId xmlns:p14="http://schemas.microsoft.com/office/powerpoint/2010/main" val="1350774490"/>
+      </p:ext>
+    </p:extLst>
+  </p:cSld>
+  <p:clrMapOvr>
+    <a:masterClrMapping/>
+  </p:clrMapOvr>
+</p:sld>
+</file>
+
+<file path=ppt/slides/slide36.xml><?xml version="1.0" encoding="utf-8"?>
+<p:sld xmlns:a="http://schemas.openxmlformats.org/drawingml/2006/main" xmlns:r="http://schemas.openxmlformats.org/officeDocument/2006/relationships" xmlns:p="http://schemas.openxmlformats.org/presentationml/2006/main">
+  <p:cSld>
+    <p:spTree>
+      <p:nvGrpSpPr>
+        <p:cNvPr id="1" name=""/>
+        <p:cNvGrpSpPr/>
+        <p:nvPr/>
+      </p:nvGrpSpPr>
+      <p:grpSpPr>
+        <a:xfrm>
+          <a:off x="0" y="0"/>
+          <a:ext cx="0" cy="0"/>
+          <a:chOff x="0" y="0"/>
+          <a:chExt cx="0" cy="0"/>
+        </a:xfrm>
+      </p:grpSpPr>
+      <p:sp>
+        <p:nvSpPr>
+          <p:cNvPr id="2" name="Title 1">
+            <a:extLst>
+              <a:ext uri="{FF2B5EF4-FFF2-40B4-BE49-F238E27FC236}">
+                <a16:creationId xmlns:a16="http://schemas.microsoft.com/office/drawing/2014/main" id="{52495AC9-660C-480C-8CEB-D101F1903F69}"/>
+              </a:ext>
+            </a:extLst>
+          </p:cNvPr>
+          <p:cNvSpPr>
+            <a:spLocks noGrp="1"/>
+          </p:cNvSpPr>
+          <p:nvPr>
+            <p:ph type="title"/>
+          </p:nvPr>
+        </p:nvSpPr>
+        <p:spPr/>
+        <p:txBody>
+          <a:bodyPr/>
+          <a:lstStyle/>
+          <a:p>
+            <a:r>
+              <a:rPr lang="en-US"/>
+              <a:t>Output and Arrays – Both Bad</a:t>
+            </a:r>
+          </a:p>
+        </p:txBody>
+      </p:sp>
+      <p:sp>
+        <p:nvSpPr>
+          <p:cNvPr id="3" name="Content Placeholder 2">
+            <a:extLst>
+              <a:ext uri="{FF2B5EF4-FFF2-40B4-BE49-F238E27FC236}">
+                <a16:creationId xmlns:a16="http://schemas.microsoft.com/office/drawing/2014/main" id="{CD592380-1870-4247-82DD-D429E15E54C0}"/>
+              </a:ext>
+            </a:extLst>
+          </p:cNvPr>
+          <p:cNvSpPr>
+            <a:spLocks noGrp="1"/>
+          </p:cNvSpPr>
+          <p:nvPr>
+            <p:ph idx="1"/>
+          </p:nvPr>
+        </p:nvSpPr>
+        <p:spPr/>
+        <p:txBody>
+          <a:bodyPr>
+            <a:normAutofit fontScale="92500" lnSpcReduction="10000"/>
+          </a:bodyPr>
+          <a:lstStyle/>
+          <a:p>
+            <a:r>
+              <a:rPr lang="en-US"/>
+              <a:t>Don’t use Write-Host…. Ever</a:t>
+            </a:r>
+          </a:p>
+          <a:p>
+            <a:pPr lvl="1"/>
+            <a:r>
+              <a:rPr lang="en-US"/>
+              <a:t>Write-Host sends data to the Information stream and then forces a console or window refresh</a:t>
+            </a:r>
+          </a:p>
+          <a:p>
+            <a:r>
+              <a:rPr lang="en-US"/>
+              <a:t>Use appropriate output channels such as Output, Information, Warning, and Verbose when needed to convey information to the user</a:t>
+            </a:r>
+          </a:p>
+          <a:p>
+            <a:r>
+              <a:rPr lang="en-US"/>
+              <a:t>Best yet is to avoid all console output and utilize writing to a log file where possible</a:t>
+            </a:r>
+          </a:p>
+          <a:p>
+            <a:r>
+              <a:rPr lang="en-US"/>
+              <a:t>Arrays are fixed size objects and can not be appended to</a:t>
+            </a:r>
+          </a:p>
+          <a:p>
+            <a:r>
+              <a:rPr lang="en-US"/>
+              <a:t>Require a memory to be allocated in full before data written to it</a:t>
+            </a:r>
+          </a:p>
+          <a:p>
+            <a:r>
+              <a:rPr lang="en-US"/>
+              <a:t>Use [</a:t>
+            </a:r>
+            <a:r>
+              <a:rPr lang="en-US" err="1"/>
+              <a:t>System.Collections.Generic.List</a:t>
+            </a:r>
+            <a:r>
+              <a:rPr lang="en-US"/>
+              <a:t>&lt;Type&gt;] instead.</a:t>
+            </a:r>
+          </a:p>
+          <a:p>
+            <a:r>
+              <a:rPr lang="en-US"/>
+              <a:t>Do not use </a:t>
+            </a:r>
+            <a:r>
+              <a:rPr lang="en-US" err="1"/>
+              <a:t>ArrayList</a:t>
+            </a:r>
+            <a:r>
+              <a:rPr lang="en-US"/>
+              <a:t> – This is deprecated</a:t>
+            </a:r>
+          </a:p>
+        </p:txBody>
+      </p:sp>
+    </p:spTree>
+    <p:extLst>
+      <p:ext uri="{BB962C8B-B14F-4D97-AF65-F5344CB8AC3E}">
+        <p14:creationId xmlns:p14="http://schemas.microsoft.com/office/powerpoint/2010/main" val="2378559216"/>
+      </p:ext>
+    </p:extLst>
+  </p:cSld>
+  <p:clrMapOvr>
+    <a:masterClrMapping/>
+  </p:clrMapOvr>
+</p:sld>
+</file>
+
+<file path=ppt/slides/slide37.xml><?xml version="1.0" encoding="utf-8"?>
+<p:sld xmlns:a="http://schemas.openxmlformats.org/drawingml/2006/main" xmlns:r="http://schemas.openxmlformats.org/officeDocument/2006/relationships" xmlns:p="http://schemas.openxmlformats.org/presentationml/2006/main">
+  <p:cSld>
+    <p:spTree>
+      <p:nvGrpSpPr>
+        <p:cNvPr id="1" name=""/>
+        <p:cNvGrpSpPr/>
+        <p:nvPr/>
+      </p:nvGrpSpPr>
+      <p:grpSpPr>
+        <a:xfrm>
+          <a:off x="0" y="0"/>
+          <a:ext cx="0" cy="0"/>
+          <a:chOff x="0" y="0"/>
+          <a:chExt cx="0" cy="0"/>
+        </a:xfrm>
+      </p:grpSpPr>
+      <p:sp>
+        <p:nvSpPr>
+          <p:cNvPr id="2" name="Title 1">
+            <a:extLst>
+              <a:ext uri="{FF2B5EF4-FFF2-40B4-BE49-F238E27FC236}">
+                <a16:creationId xmlns:a16="http://schemas.microsoft.com/office/drawing/2014/main" id="{AB77D038-AA6D-488C-AB6C-0A92116B7711}"/>
+              </a:ext>
+            </a:extLst>
+          </p:cNvPr>
+          <p:cNvSpPr>
+            <a:spLocks noGrp="1"/>
+          </p:cNvSpPr>
+          <p:nvPr>
+            <p:ph type="title"/>
+          </p:nvPr>
+        </p:nvSpPr>
+        <p:spPr/>
+        <p:txBody>
+          <a:bodyPr/>
+          <a:lstStyle/>
+          <a:p>
+            <a:r>
+              <a:rPr lang="en-US"/>
+              <a:t>A few Performance Notes</a:t>
+            </a:r>
+          </a:p>
+        </p:txBody>
+      </p:sp>
+      <p:sp>
+        <p:nvSpPr>
+          <p:cNvPr id="3" name="Content Placeholder 2">
+            <a:extLst>
+              <a:ext uri="{FF2B5EF4-FFF2-40B4-BE49-F238E27FC236}">
+                <a16:creationId xmlns:a16="http://schemas.microsoft.com/office/drawing/2014/main" id="{D3B52B5A-B9B1-4737-AF67-EA3D3862FCD4}"/>
+              </a:ext>
+            </a:extLst>
+          </p:cNvPr>
+          <p:cNvSpPr>
+            <a:spLocks noGrp="1"/>
+          </p:cNvSpPr>
+          <p:nvPr>
+            <p:ph idx="1"/>
+          </p:nvPr>
+        </p:nvSpPr>
+        <p:spPr/>
+        <p:txBody>
+          <a:bodyPr/>
+          <a:lstStyle/>
+          <a:p>
+            <a:r>
+              <a:rPr lang="en-US"/>
+              <a:t>Look at the overall picture</a:t>
+            </a:r>
+          </a:p>
+          <a:p>
+            <a:r>
+              <a:rPr lang="en-US"/>
+              <a:t>Some commands run SLOOOOOW the first time, but are very quick for subsequent runs.  How many times will you run a block of code?</a:t>
+            </a:r>
+          </a:p>
+          <a:p>
+            <a:r>
+              <a:rPr lang="en-US"/>
+              <a:t>Mean results (averages) can lie and be skewed by a large deviation or outliers.  Prefer medians when looking at multiple runs</a:t>
+            </a:r>
+          </a:p>
+          <a:p>
+            <a:r>
+              <a:rPr lang="en-US"/>
+              <a:t>Memory in PowerShell can be very hard to measure due to auto-managed memory.  Use memory measurements as guidelines, not rules.</a:t>
+            </a:r>
+          </a:p>
+        </p:txBody>
+      </p:sp>
+    </p:spTree>
+    <p:extLst>
+      <p:ext uri="{BB962C8B-B14F-4D97-AF65-F5344CB8AC3E}">
+        <p14:creationId xmlns:p14="http://schemas.microsoft.com/office/powerpoint/2010/main" val="1813138683"/>
+      </p:ext>
+    </p:extLst>
+  </p:cSld>
+  <p:clrMapOvr>
+    <a:masterClrMapping/>
+  </p:clrMapOvr>
+</p:sld>
+</file>
+
+<file path=ppt/slides/slide38.xml><?xml version="1.0" encoding="utf-8"?>
+<p:sld xmlns:a="http://schemas.openxmlformats.org/drawingml/2006/main" xmlns:r="http://schemas.openxmlformats.org/officeDocument/2006/relationships" xmlns:p="http://schemas.openxmlformats.org/presentationml/2006/main">
+  <p:cSld>
+    <p:spTree>
+      <p:nvGrpSpPr>
+        <p:cNvPr id="1" name=""/>
+        <p:cNvGrpSpPr/>
+        <p:nvPr/>
+      </p:nvGrpSpPr>
+      <p:grpSpPr>
+        <a:xfrm>
+          <a:off x="0" y="0"/>
+          <a:ext cx="0" cy="0"/>
+          <a:chOff x="0" y="0"/>
+          <a:chExt cx="0" cy="0"/>
+        </a:xfrm>
+      </p:grpSpPr>
+      <p:sp>
+        <p:nvSpPr>
+          <p:cNvPr id="2" name="Title 1">
+            <a:extLst>
+              <a:ext uri="{FF2B5EF4-FFF2-40B4-BE49-F238E27FC236}">
+                <a16:creationId xmlns:a16="http://schemas.microsoft.com/office/drawing/2014/main" id="{D83163A7-0713-4D5B-AB3D-4D9C49DBB9CB}"/>
+              </a:ext>
+            </a:extLst>
+          </p:cNvPr>
+          <p:cNvSpPr>
+            <a:spLocks noGrp="1"/>
+          </p:cNvSpPr>
+          <p:nvPr>
+            <p:ph type="title"/>
+          </p:nvPr>
+        </p:nvSpPr>
+        <p:spPr/>
+        <p:txBody>
+          <a:bodyPr/>
+          <a:lstStyle/>
+          <a:p>
+            <a:r>
+              <a:rPr lang="en-US"/>
+              <a:t>Tools to Test Performance</a:t>
+            </a:r>
+          </a:p>
+        </p:txBody>
+      </p:sp>
+      <p:sp>
+        <p:nvSpPr>
+          <p:cNvPr id="3" name="Content Placeholder 2">
+            <a:extLst>
+              <a:ext uri="{FF2B5EF4-FFF2-40B4-BE49-F238E27FC236}">
+                <a16:creationId xmlns:a16="http://schemas.microsoft.com/office/drawing/2014/main" id="{0C303F55-FCBD-4B7E-BAD2-4E14F22CC121}"/>
+              </a:ext>
+            </a:extLst>
+          </p:cNvPr>
+          <p:cNvSpPr>
+            <a:spLocks noGrp="1"/>
+          </p:cNvSpPr>
+          <p:nvPr>
+            <p:ph idx="1"/>
+          </p:nvPr>
+        </p:nvSpPr>
+        <p:spPr/>
+        <p:txBody>
+          <a:bodyPr/>
+          <a:lstStyle/>
+          <a:p>
+            <a:r>
+              <a:rPr lang="en-US"/>
+              <a:t>Measure-Command</a:t>
+            </a:r>
+          </a:p>
+          <a:p>
+            <a:r>
+              <a:rPr lang="en-US"/>
+              <a:t>Test-Performance</a:t>
+            </a:r>
+          </a:p>
+          <a:p>
+            <a:r>
+              <a:rPr lang="en-US"/>
+              <a:t>Test-</a:t>
+            </a:r>
+            <a:r>
+              <a:rPr lang="en-US" err="1"/>
+              <a:t>MemoryImpact</a:t>
+            </a:r>
+            <a:r>
+              <a:rPr lang="en-US"/>
+              <a:t>*</a:t>
+            </a:r>
+          </a:p>
+          <a:p>
+            <a:r>
+              <a:rPr lang="en-US"/>
+              <a:t>Trace-Command</a:t>
+            </a:r>
+          </a:p>
+          <a:p>
+            <a:endParaRPr lang="en-US"/>
+          </a:p>
+        </p:txBody>
+      </p:sp>
+    </p:spTree>
+    <p:extLst>
+      <p:ext uri="{BB962C8B-B14F-4D97-AF65-F5344CB8AC3E}">
+        <p14:creationId xmlns:p14="http://schemas.microsoft.com/office/powerpoint/2010/main" val="3222596101"/>
+      </p:ext>
+    </p:extLst>
+  </p:cSld>
+  <p:clrMapOvr>
+    <a:masterClrMapping/>
+  </p:clrMapOvr>
+</p:sld>
+</file>
+
+<file path=ppt/slides/slide39.xml><?xml version="1.0" encoding="utf-8"?>
+<p:sld xmlns:a="http://schemas.openxmlformats.org/drawingml/2006/main" xmlns:r="http://schemas.openxmlformats.org/officeDocument/2006/relationships" xmlns:p="http://schemas.openxmlformats.org/presentationml/2006/main">
+  <p:cSld>
+    <p:spTree>
+      <p:nvGrpSpPr>
+        <p:cNvPr id="1" name=""/>
+        <p:cNvGrpSpPr/>
+        <p:nvPr/>
+      </p:nvGrpSpPr>
+      <p:grpSpPr>
+        <a:xfrm>
+          <a:off x="0" y="0"/>
+          <a:ext cx="0" cy="0"/>
+          <a:chOff x="0" y="0"/>
+          <a:chExt cx="0" cy="0"/>
+        </a:xfrm>
+      </p:grpSpPr>
+      <p:sp>
+        <p:nvSpPr>
+          <p:cNvPr id="4" name="Title 3">
+            <a:extLst>
+              <a:ext uri="{FF2B5EF4-FFF2-40B4-BE49-F238E27FC236}">
+                <a16:creationId xmlns:a16="http://schemas.microsoft.com/office/drawing/2014/main" id="{A892182B-DC1C-474C-92CD-E65E4A600C6B}"/>
+              </a:ext>
+            </a:extLst>
+          </p:cNvPr>
+          <p:cNvSpPr>
+            <a:spLocks noGrp="1"/>
+          </p:cNvSpPr>
+          <p:nvPr>
+            <p:ph type="title"/>
+          </p:nvPr>
+        </p:nvSpPr>
+        <p:spPr/>
+        <p:txBody>
+          <a:bodyPr/>
+          <a:lstStyle/>
+          <a:p>
+            <a:r>
+              <a:rPr lang="en-US"/>
+              <a:t>Running Faster</a:t>
+            </a:r>
+          </a:p>
+        </p:txBody>
+      </p:sp>
+      <p:sp>
+        <p:nvSpPr>
+          <p:cNvPr id="5" name="Text Placeholder 4">
+            <a:extLst>
+              <a:ext uri="{FF2B5EF4-FFF2-40B4-BE49-F238E27FC236}">
+                <a16:creationId xmlns:a16="http://schemas.microsoft.com/office/drawing/2014/main" id="{B5491BC6-3F91-4F5E-B3AE-137C516F8561}"/>
+              </a:ext>
+            </a:extLst>
+          </p:cNvPr>
+          <p:cNvSpPr>
+            <a:spLocks noGrp="1"/>
+          </p:cNvSpPr>
+          <p:nvPr>
+            <p:ph type="body" idx="1"/>
+          </p:nvPr>
+        </p:nvSpPr>
+        <p:spPr/>
+        <p:txBody>
+          <a:bodyPr/>
+          <a:lstStyle/>
+          <a:p>
+            <a:r>
+              <a:rPr lang="en-US"/>
+              <a:t>When every second counts</a:t>
+            </a:r>
+          </a:p>
+        </p:txBody>
+      </p:sp>
+    </p:spTree>
+    <p:extLst>
+      <p:ext uri="{BB962C8B-B14F-4D97-AF65-F5344CB8AC3E}">
+        <p14:creationId xmlns:p14="http://schemas.microsoft.com/office/powerpoint/2010/main" val="3085760688"/>
+      </p:ext>
+    </p:extLst>
+  </p:cSld>
+  <p:clrMapOvr>
+    <a:masterClrMapping/>
+  </p:clrMapOvr>
+</p:sld>
+</file>
+
+<file path=ppt/slides/slide4.xml><?xml version="1.0" encoding="utf-8"?>
+<p:sld xmlns:a="http://schemas.openxmlformats.org/drawingml/2006/main" xmlns:r="http://schemas.openxmlformats.org/officeDocument/2006/relationships" xmlns:p="http://schemas.openxmlformats.org/presentationml/2006/main">
+  <p:cSld>
+    <p:spTree>
+      <p:nvGrpSpPr>
+        <p:cNvPr id="1" name=""/>
+        <p:cNvGrpSpPr/>
+        <p:nvPr/>
+      </p:nvGrpSpPr>
+      <p:grpSpPr>
+        <a:xfrm>
+          <a:off x="0" y="0"/>
+          <a:ext cx="0" cy="0"/>
+          <a:chOff x="0" y="0"/>
+          <a:chExt cx="0" cy="0"/>
+        </a:xfrm>
+      </p:grpSpPr>
+      <p:sp>
+        <p:nvSpPr>
+          <p:cNvPr id="4" name="Title 3">
+            <a:extLst>
+              <a:ext uri="{FF2B5EF4-FFF2-40B4-BE49-F238E27FC236}">
+                <a16:creationId xmlns:a16="http://schemas.microsoft.com/office/drawing/2014/main" id="{2FD73D28-962F-8E43-5907-544A140D2750}"/>
+              </a:ext>
+            </a:extLst>
+          </p:cNvPr>
+          <p:cNvSpPr>
+            <a:spLocks noGrp="1"/>
+          </p:cNvSpPr>
+          <p:nvPr>
+            <p:ph type="title"/>
+          </p:nvPr>
+        </p:nvSpPr>
+        <p:spPr/>
+        <p:txBody>
+          <a:bodyPr/>
+          <a:lstStyle/>
+          <a:p>
+            <a:r>
+              <a:rPr lang="en-US"/>
+              <a:t>She’s just not my type</a:t>
+            </a:r>
+          </a:p>
+        </p:txBody>
+      </p:sp>
+      <p:sp>
+        <p:nvSpPr>
+          <p:cNvPr id="5" name="Text Placeholder 4">
+            <a:extLst>
+              <a:ext uri="{FF2B5EF4-FFF2-40B4-BE49-F238E27FC236}">
+                <a16:creationId xmlns:a16="http://schemas.microsoft.com/office/drawing/2014/main" id="{3B30A130-0D00-7790-26E9-044787E6435F}"/>
+              </a:ext>
+            </a:extLst>
+          </p:cNvPr>
+          <p:cNvSpPr>
+            <a:spLocks noGrp="1"/>
+          </p:cNvSpPr>
+          <p:nvPr>
+            <p:ph type="body" idx="1"/>
+          </p:nvPr>
+        </p:nvSpPr>
+        <p:spPr/>
+        <p:txBody>
+          <a:bodyPr/>
+          <a:lstStyle/>
+          <a:p>
+            <a:r>
+              <a:rPr lang="en-US"/>
+              <a:t>Working with Object Types</a:t>
+            </a:r>
+          </a:p>
+        </p:txBody>
+      </p:sp>
+    </p:spTree>
+    <p:extLst>
+      <p:ext uri="{BB962C8B-B14F-4D97-AF65-F5344CB8AC3E}">
+        <p14:creationId xmlns:p14="http://schemas.microsoft.com/office/powerpoint/2010/main" val="2279942714"/>
+      </p:ext>
+    </p:extLst>
+  </p:cSld>
+  <p:clrMapOvr>
+    <a:masterClrMapping/>
+  </p:clrMapOvr>
+</p:sld>
+</file>
+
+<file path=ppt/slides/slide40.xml><?xml version="1.0" encoding="utf-8"?>
+<p:sld xmlns:a="http://schemas.openxmlformats.org/drawingml/2006/main" xmlns:r="http://schemas.openxmlformats.org/officeDocument/2006/relationships" xmlns:p="http://schemas.openxmlformats.org/presentationml/2006/main">
+  <p:cSld>
+    <p:spTree>
+      <p:nvGrpSpPr>
+        <p:cNvPr id="1" name=""/>
+        <p:cNvGrpSpPr/>
+        <p:nvPr/>
+      </p:nvGrpSpPr>
+      <p:grpSpPr>
+        <a:xfrm>
+          <a:off x="0" y="0"/>
+          <a:ext cx="0" cy="0"/>
+          <a:chOff x="0" y="0"/>
+          <a:chExt cx="0" cy="0"/>
+        </a:xfrm>
+      </p:grpSpPr>
+      <p:sp>
+        <p:nvSpPr>
+          <p:cNvPr id="4" name="Title 3">
+            <a:extLst>
+              <a:ext uri="{FF2B5EF4-FFF2-40B4-BE49-F238E27FC236}">
+                <a16:creationId xmlns:a16="http://schemas.microsoft.com/office/drawing/2014/main" id="{25C68930-3139-A8F7-E01D-4BD443990FA4}"/>
+              </a:ext>
+            </a:extLst>
+          </p:cNvPr>
+          <p:cNvSpPr>
+            <a:spLocks noGrp="1"/>
+          </p:cNvSpPr>
+          <p:nvPr>
+            <p:ph type="title"/>
+          </p:nvPr>
+        </p:nvSpPr>
+        <p:spPr/>
+        <p:txBody>
+          <a:bodyPr/>
+          <a:lstStyle/>
+          <a:p>
+            <a:r>
+              <a:rPr lang="en-US"/>
+              <a:t>Spread the word</a:t>
+            </a:r>
+          </a:p>
+        </p:txBody>
+      </p:sp>
+      <p:sp>
+        <p:nvSpPr>
+          <p:cNvPr id="5" name="Content Placeholder 4">
+            <a:extLst>
+              <a:ext uri="{FF2B5EF4-FFF2-40B4-BE49-F238E27FC236}">
+                <a16:creationId xmlns:a16="http://schemas.microsoft.com/office/drawing/2014/main" id="{581B598A-CB65-7993-3FCF-42623BB7A3BE}"/>
+              </a:ext>
+            </a:extLst>
+          </p:cNvPr>
+          <p:cNvSpPr>
+            <a:spLocks noGrp="1"/>
+          </p:cNvSpPr>
+          <p:nvPr>
+            <p:ph idx="1"/>
+          </p:nvPr>
+        </p:nvSpPr>
+        <p:spPr/>
+        <p:txBody>
+          <a:bodyPr/>
+          <a:lstStyle/>
+          <a:p>
+            <a:r>
+              <a:rPr lang="en-US"/>
               <a:t>Live Long and Prosper</a:t>
             </a:r>
           </a:p>
           <a:p>
             <a:r>
-              <a:rPr lang="en-US" dirty="0"/>
+              <a:rPr lang="en-US"/>
               <a:t>Go forth and multiply</a:t>
             </a:r>
           </a:p>
           <a:p>
-            <a:endParaRPr lang="en-US" dirty="0"/>
+            <a:endParaRPr lang="en-US"/>
           </a:p>
         </p:txBody>
       </p:sp>
@@ -7747,7 +11350,7 @@
 </p:sld>
 </file>
 
-<file path=ppt/slides/slide26.xml><?xml version="1.0" encoding="utf-8"?>
+<file path=ppt/slides/slide41.xml><?xml version="1.0" encoding="utf-8"?>
 <p:sld xmlns:a="http://schemas.openxmlformats.org/drawingml/2006/main" xmlns:r="http://schemas.openxmlformats.org/officeDocument/2006/relationships" xmlns:p="http://schemas.openxmlformats.org/presentationml/2006/main">
   <p:cSld>
     <p:spTree>
@@ -7777,7 +11380,7 @@
 </p:sld>
 </file>
 
-<file path=ppt/slides/slide27.xml><?xml version="1.0" encoding="utf-8"?>
+<file path=ppt/slides/slide42.xml><?xml version="1.0" encoding="utf-8"?>
 <p:sld xmlns:a="http://schemas.openxmlformats.org/drawingml/2006/main" xmlns:r="http://schemas.openxmlformats.org/officeDocument/2006/relationships" xmlns:p="http://schemas.openxmlformats.org/presentationml/2006/main">
   <p:cSld>
     <p:spTree>
@@ -7807,215 +11410,6 @@
 </p:sld>
 </file>
 
-<file path=ppt/slides/slide3.xml><?xml version="1.0" encoding="utf-8"?>
-<p:sld xmlns:a="http://schemas.openxmlformats.org/drawingml/2006/main" xmlns:r="http://schemas.openxmlformats.org/officeDocument/2006/relationships" xmlns:p="http://schemas.openxmlformats.org/presentationml/2006/main">
-  <p:cSld>
-    <p:spTree>
-      <p:nvGrpSpPr>
-        <p:cNvPr id="1" name=""/>
-        <p:cNvGrpSpPr/>
-        <p:nvPr/>
-      </p:nvGrpSpPr>
-      <p:grpSpPr>
-        <a:xfrm>
-          <a:off x="0" y="0"/>
-          <a:ext cx="0" cy="0"/>
-          <a:chOff x="0" y="0"/>
-          <a:chExt cx="0" cy="0"/>
-        </a:xfrm>
-      </p:grpSpPr>
-      <p:sp>
-        <p:nvSpPr>
-          <p:cNvPr id="2" name="Title 1">
-            <a:extLst>
-              <a:ext uri="{FF2B5EF4-FFF2-40B4-BE49-F238E27FC236}">
-                <a16:creationId xmlns:a16="http://schemas.microsoft.com/office/drawing/2014/main" id="{8CB54686-E403-224A-570D-6AD1962FEB8C}"/>
-              </a:ext>
-            </a:extLst>
-          </p:cNvPr>
-          <p:cNvSpPr>
-            <a:spLocks noGrp="1"/>
-          </p:cNvSpPr>
-          <p:nvPr>
-            <p:ph type="title"/>
-          </p:nvPr>
-        </p:nvSpPr>
-        <p:spPr/>
-        <p:txBody>
-          <a:bodyPr/>
-          <a:lstStyle/>
-          <a:p>
-            <a:r>
-              <a:rPr lang="en-US" dirty="0"/>
-              <a:t>Advanced Topics for Advanced Peoples</a:t>
-            </a:r>
-          </a:p>
-        </p:txBody>
-      </p:sp>
-      <p:sp>
-        <p:nvSpPr>
-          <p:cNvPr id="3" name="Content Placeholder 2">
-            <a:extLst>
-              <a:ext uri="{FF2B5EF4-FFF2-40B4-BE49-F238E27FC236}">
-                <a16:creationId xmlns:a16="http://schemas.microsoft.com/office/drawing/2014/main" id="{2E47C443-A519-CA6C-F515-F098DE1D8E32}"/>
-              </a:ext>
-            </a:extLst>
-          </p:cNvPr>
-          <p:cNvSpPr>
-            <a:spLocks noGrp="1"/>
-          </p:cNvSpPr>
-          <p:nvPr>
-            <p:ph idx="1"/>
-          </p:nvPr>
-        </p:nvSpPr>
-        <p:spPr/>
-        <p:txBody>
-          <a:bodyPr/>
-          <a:lstStyle/>
-          <a:p>
-            <a:r>
-              <a:rPr lang="en-US" dirty="0"/>
-              <a:t>Object Types</a:t>
-            </a:r>
-          </a:p>
-          <a:p>
-            <a:r>
-              <a:rPr lang="en-US" dirty="0"/>
-              <a:t>Return By Reference?</a:t>
-            </a:r>
-          </a:p>
-          <a:p>
-            <a:r>
-              <a:rPr lang="en-US" dirty="0"/>
-              <a:t>Splatting</a:t>
-            </a:r>
-          </a:p>
-          <a:p>
-            <a:r>
-              <a:rPr lang="en-US" dirty="0"/>
-              <a:t>Multi-Threading (Properly)</a:t>
-            </a:r>
-          </a:p>
-          <a:p>
-            <a:r>
-              <a:rPr lang="en-US" dirty="0"/>
-              <a:t>Debugging</a:t>
-            </a:r>
-          </a:p>
-          <a:p>
-            <a:r>
-              <a:rPr lang="en-US" dirty="0" err="1"/>
-              <a:t>PSRemoting</a:t>
-            </a:r>
-            <a:endParaRPr lang="en-US" dirty="0"/>
-          </a:p>
-          <a:p>
-            <a:r>
-              <a:rPr lang="en-US" dirty="0"/>
-              <a:t>Performance Tuning</a:t>
-            </a:r>
-          </a:p>
-        </p:txBody>
-      </p:sp>
-    </p:spTree>
-    <p:extLst>
-      <p:ext uri="{BB962C8B-B14F-4D97-AF65-F5344CB8AC3E}">
-        <p14:creationId xmlns:p14="http://schemas.microsoft.com/office/powerpoint/2010/main" val="2692478915"/>
-      </p:ext>
-    </p:extLst>
-  </p:cSld>
-  <p:clrMapOvr>
-    <a:masterClrMapping/>
-  </p:clrMapOvr>
-</p:sld>
-</file>
-
-<file path=ppt/slides/slide4.xml><?xml version="1.0" encoding="utf-8"?>
-<p:sld xmlns:a="http://schemas.openxmlformats.org/drawingml/2006/main" xmlns:r="http://schemas.openxmlformats.org/officeDocument/2006/relationships" xmlns:p="http://schemas.openxmlformats.org/presentationml/2006/main">
-  <p:cSld>
-    <p:spTree>
-      <p:nvGrpSpPr>
-        <p:cNvPr id="1" name=""/>
-        <p:cNvGrpSpPr/>
-        <p:nvPr/>
-      </p:nvGrpSpPr>
-      <p:grpSpPr>
-        <a:xfrm>
-          <a:off x="0" y="0"/>
-          <a:ext cx="0" cy="0"/>
-          <a:chOff x="0" y="0"/>
-          <a:chExt cx="0" cy="0"/>
-        </a:xfrm>
-      </p:grpSpPr>
-      <p:sp>
-        <p:nvSpPr>
-          <p:cNvPr id="4" name="Title 3">
-            <a:extLst>
-              <a:ext uri="{FF2B5EF4-FFF2-40B4-BE49-F238E27FC236}">
-                <a16:creationId xmlns:a16="http://schemas.microsoft.com/office/drawing/2014/main" id="{2FD73D28-962F-8E43-5907-544A140D2750}"/>
-              </a:ext>
-            </a:extLst>
-          </p:cNvPr>
-          <p:cNvSpPr>
-            <a:spLocks noGrp="1"/>
-          </p:cNvSpPr>
-          <p:nvPr>
-            <p:ph type="title"/>
-          </p:nvPr>
-        </p:nvSpPr>
-        <p:spPr/>
-        <p:txBody>
-          <a:bodyPr/>
-          <a:lstStyle/>
-          <a:p>
-            <a:r>
-              <a:rPr lang="en-US" dirty="0"/>
-              <a:t>She’s just not my type</a:t>
-            </a:r>
-          </a:p>
-        </p:txBody>
-      </p:sp>
-      <p:sp>
-        <p:nvSpPr>
-          <p:cNvPr id="5" name="Text Placeholder 4">
-            <a:extLst>
-              <a:ext uri="{FF2B5EF4-FFF2-40B4-BE49-F238E27FC236}">
-                <a16:creationId xmlns:a16="http://schemas.microsoft.com/office/drawing/2014/main" id="{3B30A130-0D00-7790-26E9-044787E6435F}"/>
-              </a:ext>
-            </a:extLst>
-          </p:cNvPr>
-          <p:cNvSpPr>
-            <a:spLocks noGrp="1"/>
-          </p:cNvSpPr>
-          <p:nvPr>
-            <p:ph type="body" idx="1"/>
-          </p:nvPr>
-        </p:nvSpPr>
-        <p:spPr/>
-        <p:txBody>
-          <a:bodyPr/>
-          <a:lstStyle/>
-          <a:p>
-            <a:r>
-              <a:rPr lang="en-US" dirty="0"/>
-              <a:t>Working with Object Types</a:t>
-            </a:r>
-          </a:p>
-        </p:txBody>
-      </p:sp>
-    </p:spTree>
-    <p:extLst>
-      <p:ext uri="{BB962C8B-B14F-4D97-AF65-F5344CB8AC3E}">
-        <p14:creationId xmlns:p14="http://schemas.microsoft.com/office/powerpoint/2010/main" val="2279942714"/>
-      </p:ext>
-    </p:extLst>
-  </p:cSld>
-  <p:clrMapOvr>
-    <a:masterClrMapping/>
-  </p:clrMapOvr>
-</p:sld>
-</file>
-
 <file path=ppt/slides/slide5.xml><?xml version="1.0" encoding="utf-8"?>
 <p:sld xmlns:a="http://schemas.openxmlformats.org/drawingml/2006/main" xmlns:r="http://schemas.openxmlformats.org/officeDocument/2006/relationships" xmlns:p="http://schemas.openxmlformats.org/presentationml/2006/main">
   <p:cSld>
@@ -8055,7 +11449,7 @@
           <a:lstStyle/>
           <a:p>
             <a:r>
-              <a:rPr lang="en-US" dirty="0"/>
+              <a:rPr lang="en-US"/>
               <a:t>Object Types</a:t>
             </a:r>
           </a:p>
@@ -8079,69 +11473,71 @@
         </p:nvSpPr>
         <p:spPr/>
         <p:txBody>
-          <a:bodyPr/>
+          <a:bodyPr vert="horz" lIns="91440" tIns="45720" rIns="91440" bIns="45720" rtlCol="0" anchor="t">
+            <a:normAutofit/>
+          </a:bodyPr>
           <a:lstStyle/>
           <a:p>
             <a:r>
-              <a:rPr lang="en-US" dirty="0"/>
+              <a:rPr lang="en-US"/>
               <a:t>Every Object in PowerShell has a type</a:t>
             </a:r>
           </a:p>
           <a:p>
             <a:r>
-              <a:rPr lang="en-US" dirty="0"/>
+              <a:rPr lang="en-US"/>
               <a:t>PowerShell will do loose based conversions… Sometimes</a:t>
             </a:r>
           </a:p>
           <a:p>
             <a:pPr lvl="1"/>
             <a:r>
-              <a:rPr lang="en-US" dirty="0"/>
+              <a:rPr lang="en-US"/>
               <a:t>Will attempt to convert once</a:t>
             </a:r>
           </a:p>
           <a:p>
             <a:pPr lvl="2"/>
             <a:r>
-              <a:rPr lang="en-US" dirty="0"/>
+              <a:rPr lang="en-US"/>
               <a:t>“True” –eq $true (string </a:t>
             </a:r>
             <a:r>
-              <a:rPr lang="en-US" dirty="0">
+              <a:rPr lang="en-US">
                 <a:sym typeface="Wingdings" panose="05000000000000000000" pitchFamily="2" charset="2"/>
               </a:rPr>
               <a:t> bool)</a:t>
             </a:r>
-            <a:endParaRPr lang="en-US" dirty="0"/>
+            <a:endParaRPr lang="en-US"/>
           </a:p>
           <a:p>
             <a:pPr lvl="2"/>
             <a:r>
-              <a:rPr lang="en-US" dirty="0"/>
+              <a:rPr lang="en-US"/>
               <a:t>0 –eq $false  (int </a:t>
             </a:r>
             <a:r>
-              <a:rPr lang="en-US" dirty="0">
+              <a:rPr lang="en-US">
                 <a:sym typeface="Wingdings" panose="05000000000000000000" pitchFamily="2" charset="2"/>
               </a:rPr>
               <a:t> bool)</a:t>
             </a:r>
-            <a:endParaRPr lang="en-US" dirty="0"/>
+            <a:endParaRPr lang="en-US"/>
           </a:p>
           <a:p>
             <a:pPr lvl="2"/>
             <a:r>
-              <a:rPr lang="en-US" dirty="0"/>
+              <a:rPr lang="en-US"/>
               <a:t>“0” –eq $false (string </a:t>
             </a:r>
             <a:r>
-              <a:rPr lang="en-US" dirty="0">
+              <a:rPr lang="en-US">
                 <a:sym typeface="Wingdings" panose="05000000000000000000" pitchFamily="2" charset="2"/>
               </a:rPr>
               <a:t> int </a:t>
             </a:r>
             <a:r>
-              <a:rPr lang="en-US" dirty="0">
+              <a:rPr lang="en-US">
                 <a:solidFill>
                   <a:srgbClr val="FF0000"/>
                 </a:solidFill>
@@ -8150,13 +11546,13 @@
               <a:t></a:t>
             </a:r>
             <a:r>
-              <a:rPr lang="en-US" dirty="0">
+              <a:rPr lang="en-US">
                 <a:sym typeface="Wingdings" panose="05000000000000000000" pitchFamily="2" charset="2"/>
               </a:rPr>
               <a:t> </a:t>
             </a:r>
             <a:r>
-              <a:rPr lang="en-US" strike="sngStrike" dirty="0">
+              <a:rPr lang="en-US" strike="sngStrike">
                 <a:solidFill>
                   <a:srgbClr val="FF0000"/>
                 </a:solidFill>
@@ -8165,7 +11561,7 @@
               <a:t>bool</a:t>
             </a:r>
             <a:r>
-              <a:rPr lang="en-US" dirty="0">
+              <a:rPr lang="en-US">
                 <a:sym typeface="Wingdings" panose="05000000000000000000" pitchFamily="2" charset="2"/>
               </a:rPr>
               <a:t>)</a:t>
@@ -8173,23 +11569,26 @@
           </a:p>
           <a:p>
             <a:r>
-              <a:rPr lang="en-US" dirty="0">
+              <a:rPr lang="en-US">
                 <a:sym typeface="Wingdings" panose="05000000000000000000" pitchFamily="2" charset="2"/>
               </a:rPr>
-              <a:t>Variables can be declared as strong type</a:t>
-            </a:r>
-          </a:p>
-          <a:p>
-            <a:r>
-              <a:rPr lang="en-US" dirty="0">
+              <a:t>Variables can be loosely or strongly typed</a:t>
+            </a:r>
+            <a:endParaRPr lang="en-US">
+              <a:cs typeface="Calibri"/>
+            </a:endParaRPr>
+          </a:p>
+          <a:p>
+            <a:r>
+              <a:rPr lang="en-US">
                 <a:sym typeface="Wingdings" panose="05000000000000000000" pitchFamily="2" charset="2"/>
               </a:rPr>
               <a:t>Object Type can affect memory footprint and performance</a:t>
             </a:r>
-            <a:endParaRPr lang="en-US" dirty="0"/>
-          </a:p>
-          <a:p>
-            <a:endParaRPr lang="en-US" dirty="0"/>
+            <a:endParaRPr lang="en-US"/>
+          </a:p>
+          <a:p>
+            <a:endParaRPr lang="en-US"/>
           </a:p>
         </p:txBody>
       </p:sp>
@@ -8225,10 +11624,10 @@
       </p:grpSpPr>
       <p:sp>
         <p:nvSpPr>
-          <p:cNvPr id="4" name="Title 3">
-            <a:extLst>
-              <a:ext uri="{FF2B5EF4-FFF2-40B4-BE49-F238E27FC236}">
-                <a16:creationId xmlns:a16="http://schemas.microsoft.com/office/drawing/2014/main" id="{526BC2B6-AE2C-3E1D-788D-592ABCDC14E7}"/>
+          <p:cNvPr id="2" name="Title 1">
+            <a:extLst>
+              <a:ext uri="{FF2B5EF4-FFF2-40B4-BE49-F238E27FC236}">
+                <a16:creationId xmlns:a16="http://schemas.microsoft.com/office/drawing/2014/main" id="{F538E2EF-790E-952B-EEC4-1FAA033CA3A8}"/>
               </a:ext>
             </a:extLst>
           </p:cNvPr>
@@ -8245,18 +11644,20 @@
           <a:lstStyle/>
           <a:p>
             <a:r>
-              <a:rPr lang="en-US" dirty="0"/>
-              <a:t>Typing</a:t>
-            </a:r>
-          </a:p>
-        </p:txBody>
-      </p:sp>
-      <p:sp>
-        <p:nvSpPr>
-          <p:cNvPr id="5" name="Text Placeholder 4">
-            <a:extLst>
-              <a:ext uri="{FF2B5EF4-FFF2-40B4-BE49-F238E27FC236}">
-                <a16:creationId xmlns:a16="http://schemas.microsoft.com/office/drawing/2014/main" id="{CE5050AF-7D60-7B16-0E17-6467A67E504A}"/>
+              <a:rPr lang="en-US">
+                <a:cs typeface="Calibri"/>
+              </a:rPr>
+              <a:t>How do we properly type-cast?</a:t>
+            </a:r>
+          </a:p>
+        </p:txBody>
+      </p:sp>
+      <p:sp>
+        <p:nvSpPr>
+          <p:cNvPr id="3" name="Content Placeholder 2">
+            <a:extLst>
+              <a:ext uri="{FF2B5EF4-FFF2-40B4-BE49-F238E27FC236}">
+                <a16:creationId xmlns:a16="http://schemas.microsoft.com/office/drawing/2014/main" id="{29FC9644-F43D-3E08-53E5-5C2CD5AA618F}"/>
               </a:ext>
             </a:extLst>
           </p:cNvPr>
@@ -8264,17 +11665,49 @@
             <a:spLocks noGrp="1"/>
           </p:cNvSpPr>
           <p:nvPr>
-            <p:ph type="body" idx="1"/>
+            <p:ph idx="1"/>
           </p:nvPr>
         </p:nvSpPr>
         <p:spPr/>
         <p:txBody>
-          <a:bodyPr/>
+          <a:bodyPr vert="horz" lIns="91440" tIns="45720" rIns="91440" bIns="45720" rtlCol="0" anchor="t">
+            <a:normAutofit/>
+          </a:bodyPr>
           <a:lstStyle/>
           <a:p>
             <a:r>
-              <a:rPr lang="en-US" dirty="0"/>
-              <a:t>Objects… not documents</a:t>
+              <a:rPr lang="en-US" dirty="0">
+                <a:cs typeface="Calibri"/>
+              </a:rPr>
+              <a:t>[Type&lt;T&gt;]$Variable = value</a:t>
+            </a:r>
+          </a:p>
+          <a:p>
+            <a:r>
+              <a:rPr lang="en-US" dirty="0">
+                <a:cs typeface="Calibri"/>
+              </a:rPr>
+              <a:t>$Variable = [Type&lt;T&gt;](value)</a:t>
+            </a:r>
+            <a:endParaRPr lang="en-US" dirty="0">
+              <a:ea typeface="Calibri"/>
+              <a:cs typeface="Calibri"/>
+            </a:endParaRPr>
+          </a:p>
+          <a:p>
+            <a:r>
+              <a:rPr lang="en-US" dirty="0">
+                <a:cs typeface="Calibri"/>
+              </a:rPr>
+              <a:t>$Variable = value</a:t>
+            </a:r>
+          </a:p>
+          <a:p>
+            <a:r>
+              <a:rPr lang="en-US" dirty="0">
+                <a:cs typeface="Calibri"/>
+              </a:rPr>
+              <a:t>$Variable = [Type&lt;T&gt;]::new(value)</a:t>
             </a:r>
           </a:p>
         </p:txBody>
@@ -8282,7 +11715,7 @@
     </p:spTree>
     <p:extLst>
       <p:ext uri="{BB962C8B-B14F-4D97-AF65-F5344CB8AC3E}">
-        <p14:creationId xmlns:p14="http://schemas.microsoft.com/office/powerpoint/2010/main" val="2998567692"/>
+        <p14:creationId xmlns:p14="http://schemas.microsoft.com/office/powerpoint/2010/main" val="2521129249"/>
       </p:ext>
     </p:extLst>
   </p:cSld>
@@ -8311,10 +11744,10 @@
       </p:grpSpPr>
       <p:sp>
         <p:nvSpPr>
-          <p:cNvPr id="4" name="Title 3">
-            <a:extLst>
-              <a:ext uri="{FF2B5EF4-FFF2-40B4-BE49-F238E27FC236}">
-                <a16:creationId xmlns:a16="http://schemas.microsoft.com/office/drawing/2014/main" id="{F08C5F52-B58A-4CF9-BEF1-BACEEB2D5459}"/>
+          <p:cNvPr id="2" name="Title 1">
+            <a:extLst>
+              <a:ext uri="{FF2B5EF4-FFF2-40B4-BE49-F238E27FC236}">
+                <a16:creationId xmlns:a16="http://schemas.microsoft.com/office/drawing/2014/main" id="{B5346156-5005-6D9D-108E-09BCBB2C3693}"/>
               </a:ext>
             </a:extLst>
           </p:cNvPr>
@@ -8331,18 +11764,21 @@
           <a:lstStyle/>
           <a:p>
             <a:r>
-              <a:rPr lang="en-US" dirty="0"/>
-              <a:t>What’s your return policy?</a:t>
-            </a:r>
-          </a:p>
-        </p:txBody>
-      </p:sp>
-      <p:sp>
-        <p:nvSpPr>
-          <p:cNvPr id="5" name="Text Placeholder 4">
-            <a:extLst>
-              <a:ext uri="{FF2B5EF4-FFF2-40B4-BE49-F238E27FC236}">
-                <a16:creationId xmlns:a16="http://schemas.microsoft.com/office/drawing/2014/main" id="{C22CE951-1BE8-4002-A6EB-B2A3013F37AA}"/>
+              <a:rPr lang="en-US">
+                <a:cs typeface="Calibri"/>
+              </a:rPr>
+              <a:t>To Type or Not To Type</a:t>
+            </a:r>
+            <a:endParaRPr lang="en-US"/>
+          </a:p>
+        </p:txBody>
+      </p:sp>
+      <p:sp>
+        <p:nvSpPr>
+          <p:cNvPr id="3" name="Content Placeholder 2">
+            <a:extLst>
+              <a:ext uri="{FF2B5EF4-FFF2-40B4-BE49-F238E27FC236}">
+                <a16:creationId xmlns:a16="http://schemas.microsoft.com/office/drawing/2014/main" id="{B5810297-844C-6438-4F68-BC9DF11E64E1}"/>
               </a:ext>
             </a:extLst>
           </p:cNvPr>
@@ -8350,17 +11786,80 @@
             <a:spLocks noGrp="1"/>
           </p:cNvSpPr>
           <p:nvPr>
-            <p:ph type="body" idx="1"/>
+            <p:ph idx="1"/>
           </p:nvPr>
         </p:nvSpPr>
         <p:spPr/>
         <p:txBody>
-          <a:bodyPr/>
+          <a:bodyPr vert="horz" lIns="91440" tIns="45720" rIns="91440" bIns="45720" rtlCol="0" anchor="t">
+            <a:normAutofit/>
+          </a:bodyPr>
           <a:lstStyle/>
           <a:p>
             <a:r>
-              <a:rPr lang="en-US" dirty="0"/>
-              <a:t>Return by Value or Reference?</a:t>
+              <a:rPr lang="en-US" dirty="0">
+                <a:cs typeface="Calibri"/>
+              </a:rPr>
+              <a:t>When should we typecast?</a:t>
+            </a:r>
+          </a:p>
+          <a:p>
+            <a:pPr lvl="1"/>
+            <a:r>
+              <a:rPr lang="en-US" dirty="0">
+                <a:cs typeface="Calibri"/>
+              </a:rPr>
+              <a:t>Error Handling – Throw and error if we try to assign the wrong type of value and conversion can't happen</a:t>
+            </a:r>
+          </a:p>
+          <a:p>
+            <a:pPr lvl="1"/>
+            <a:r>
+              <a:rPr lang="en-US" dirty="0">
+                <a:cs typeface="Calibri"/>
+              </a:rPr>
+              <a:t>Working with .NET native methods </a:t>
+            </a:r>
+            <a:r>
+              <a:rPr lang="en-US">
+                <a:cs typeface="Calibri"/>
+              </a:rPr>
+              <a:t>and objects</a:t>
+            </a:r>
+          </a:p>
+          <a:p>
+            <a:pPr lvl="1"/>
+            <a:r>
+              <a:rPr lang="en-US" dirty="0">
+                <a:cs typeface="Calibri"/>
+              </a:rPr>
+              <a:t>We need assurance that there is no chance for incorrect implicit conversions</a:t>
+            </a:r>
+          </a:p>
+          <a:p>
+            <a:r>
+              <a:rPr lang="en-US" dirty="0">
+                <a:cs typeface="Calibri"/>
+              </a:rPr>
+              <a:t>When should we not typecast?</a:t>
+            </a:r>
+          </a:p>
+          <a:p>
+            <a:pPr lvl="1"/>
+            <a:r>
+              <a:rPr lang="en-US" dirty="0">
+                <a:cs typeface="Calibri"/>
+              </a:rPr>
+              <a:t>When we don't need to</a:t>
+            </a:r>
+          </a:p>
+          <a:p>
+            <a:pPr lvl="1"/>
+            <a:r>
+              <a:rPr lang="en-US" dirty="0">
+                <a:cs typeface="Calibri"/>
+              </a:rPr>
+              <a:t>When dealing with some class constructors and data types</a:t>
             </a:r>
           </a:p>
         </p:txBody>
@@ -8368,13 +11867,91 @@
     </p:spTree>
     <p:extLst>
       <p:ext uri="{BB962C8B-B14F-4D97-AF65-F5344CB8AC3E}">
-        <p14:creationId xmlns:p14="http://schemas.microsoft.com/office/powerpoint/2010/main" val="1222080484"/>
+        <p14:creationId xmlns:p14="http://schemas.microsoft.com/office/powerpoint/2010/main" val="457852421"/>
       </p:ext>
     </p:extLst>
   </p:cSld>
   <p:clrMapOvr>
     <a:masterClrMapping/>
   </p:clrMapOvr>
+  <p:timing>
+    <p:tnLst>
+      <p:par>
+        <p:cTn id="1" dur="indefinite" restart="never" nodeType="tmRoot">
+          <p:childTnLst>
+            <p:seq concurrent="1" nextAc="seek">
+              <p:cTn id="2" dur="indefinite" nodeType="mainSeq">
+                <p:childTnLst>
+                  <p:par>
+                    <p:cTn id="3" fill="hold">
+                      <p:stCondLst>
+                        <p:cond delay="indefinite"/>
+                      </p:stCondLst>
+                      <p:childTnLst>
+                        <p:par>
+                          <p:cTn id="4" fill="hold">
+                            <p:stCondLst>
+                              <p:cond delay="0"/>
+                            </p:stCondLst>
+                            <p:childTnLst>
+                              <p:par>
+                                <p:cTn id="5" presetID="1" presetClass="entr" presetSubtype="0" fill="hold" grpId="0" nodeType="clickEffect">
+                                  <p:stCondLst>
+                                    <p:cond delay="0"/>
+                                  </p:stCondLst>
+                                  <p:childTnLst>
+                                    <p:set>
+                                      <p:cBhvr>
+                                        <p:cTn id="6" dur="1" fill="hold">
+                                          <p:stCondLst>
+                                            <p:cond delay="0"/>
+                                          </p:stCondLst>
+                                        </p:cTn>
+                                        <p:tgtEl>
+                                          <p:spTgt spid="3"/>
+                                        </p:tgtEl>
+                                        <p:attrNameLst>
+                                          <p:attrName>style.visibility</p:attrName>
+                                        </p:attrNameLst>
+                                      </p:cBhvr>
+                                      <p:to>
+                                        <p:strVal val="visible"/>
+                                      </p:to>
+                                    </p:set>
+                                  </p:childTnLst>
+                                </p:cTn>
+                              </p:par>
+                            </p:childTnLst>
+                          </p:cTn>
+                        </p:par>
+                      </p:childTnLst>
+                    </p:cTn>
+                  </p:par>
+                </p:childTnLst>
+              </p:cTn>
+              <p:prevCondLst>
+                <p:cond evt="onPrev" delay="0">
+                  <p:tgtEl>
+                    <p:sldTgt/>
+                  </p:tgtEl>
+                </p:cond>
+              </p:prevCondLst>
+              <p:nextCondLst>
+                <p:cond evt="onNext" delay="0">
+                  <p:tgtEl>
+                    <p:sldTgt/>
+                  </p:tgtEl>
+                </p:cond>
+              </p:nextCondLst>
+            </p:seq>
+          </p:childTnLst>
+        </p:cTn>
+      </p:par>
+    </p:tnLst>
+    <p:bldLst>
+      <p:bldP spid="3" grpId="0"/>
+    </p:bldLst>
+  </p:timing>
 </p:sld>
 </file>
 
@@ -8397,10 +11974,10 @@
       </p:grpSpPr>
       <p:sp>
         <p:nvSpPr>
-          <p:cNvPr id="4" name="Title 3">
-            <a:extLst>
-              <a:ext uri="{FF2B5EF4-FFF2-40B4-BE49-F238E27FC236}">
-                <a16:creationId xmlns:a16="http://schemas.microsoft.com/office/drawing/2014/main" id="{41ADD2DE-DA19-4004-9E86-DC3AC8177A04}"/>
+          <p:cNvPr id="2" name="Title 1">
+            <a:extLst>
+              <a:ext uri="{FF2B5EF4-FFF2-40B4-BE49-F238E27FC236}">
+                <a16:creationId xmlns:a16="http://schemas.microsoft.com/office/drawing/2014/main" id="{0F3E6AD6-C7FD-3E53-F560-AC8C8E18DF68}"/>
               </a:ext>
             </a:extLst>
           </p:cNvPr>
@@ -8417,18 +11994,21 @@
           <a:lstStyle/>
           <a:p>
             <a:r>
-              <a:rPr lang="en-US" dirty="0"/>
-              <a:t>Return Types</a:t>
-            </a:r>
-          </a:p>
-        </p:txBody>
-      </p:sp>
-      <p:sp>
-        <p:nvSpPr>
-          <p:cNvPr id="5" name="Content Placeholder 4">
-            <a:extLst>
-              <a:ext uri="{FF2B5EF4-FFF2-40B4-BE49-F238E27FC236}">
-                <a16:creationId xmlns:a16="http://schemas.microsoft.com/office/drawing/2014/main" id="{1E9934F4-EC4D-400D-8939-34B13BAD9F67}"/>
+              <a:rPr lang="en-US">
+                <a:cs typeface="Calibri"/>
+              </a:rPr>
+              <a:t>When we don't need to?</a:t>
+            </a:r>
+            <a:endParaRPr lang="en-US"/>
+          </a:p>
+        </p:txBody>
+      </p:sp>
+      <p:sp>
+        <p:nvSpPr>
+          <p:cNvPr id="3" name="Text Placeholder 2">
+            <a:extLst>
+              <a:ext uri="{FF2B5EF4-FFF2-40B4-BE49-F238E27FC236}">
+                <a16:creationId xmlns:a16="http://schemas.microsoft.com/office/drawing/2014/main" id="{44BD11BA-B37B-5142-5CDB-FB980BC5AE4C}"/>
               </a:ext>
             </a:extLst>
           </p:cNvPr>
@@ -8441,60 +12021,50 @@
         </p:nvSpPr>
         <p:spPr/>
         <p:txBody>
-          <a:bodyPr/>
+          <a:bodyPr vert="horz" lIns="91440" tIns="45720" rIns="91440" bIns="45720" rtlCol="0" anchor="t">
+            <a:normAutofit/>
+          </a:bodyPr>
           <a:lstStyle/>
           <a:p>
             <a:r>
-              <a:rPr lang="en-US" dirty="0"/>
-              <a:t>Pass/Return by Value</a:t>
+              <a:rPr lang="en-US">
+                <a:cs typeface="Calibri"/>
+              </a:rPr>
+              <a:t>Need comes down to requirements</a:t>
             </a:r>
           </a:p>
           <a:p>
             <a:pPr lvl="1"/>
             <a:r>
-              <a:rPr lang="en-US" dirty="0"/>
-              <a:t>Most Common</a:t>
+              <a:rPr lang="en-US">
+                <a:cs typeface="Calibri"/>
+              </a:rPr>
+              <a:t>Generally if you don't have an explicit need, don't worry about it</a:t>
+            </a:r>
+          </a:p>
+          <a:p>
+            <a:r>
+              <a:rPr lang="en-US">
+                <a:cs typeface="Calibri"/>
+              </a:rPr>
+              <a:t>Most cases can go either way without noticeable impact</a:t>
             </a:r>
           </a:p>
           <a:p>
             <a:pPr lvl="1"/>
             <a:r>
-              <a:rPr lang="en-US" dirty="0"/>
-              <a:t>Easy to implement</a:t>
-            </a:r>
-          </a:p>
-          <a:p>
-            <a:pPr lvl="1"/>
-            <a:r>
-              <a:rPr lang="en-US" dirty="0"/>
-              <a:t>Respects all that is holy with the original value</a:t>
-            </a:r>
-          </a:p>
-          <a:p>
-            <a:r>
-              <a:rPr lang="en-US" dirty="0"/>
-              <a:t>Pass/Return by Reference</a:t>
-            </a:r>
-          </a:p>
-          <a:p>
-            <a:pPr lvl="1"/>
-            <a:r>
-              <a:rPr lang="en-US" dirty="0"/>
-              <a:t>Not Common</a:t>
-            </a:r>
-          </a:p>
-          <a:p>
-            <a:pPr lvl="1"/>
-            <a:r>
-              <a:rPr lang="en-US" dirty="0"/>
-              <a:t>Required in some instances</a:t>
-            </a:r>
-          </a:p>
-          <a:p>
-            <a:pPr lvl="1"/>
-            <a:r>
-              <a:rPr lang="en-US" dirty="0"/>
-              <a:t>Can have positive performance</a:t>
+              <a:rPr lang="en-US">
+                <a:cs typeface="Calibri"/>
+              </a:rPr>
+              <a:t>When in doubt, leave it out</a:t>
+            </a:r>
+          </a:p>
+          <a:p>
+            <a:r>
+              <a:rPr lang="en-US">
+                <a:cs typeface="Calibri"/>
+              </a:rPr>
+              <a:t>If you are handling validation yourself or dealing with data that could be represented (safely) multiple different ways</a:t>
             </a:r>
           </a:p>
         </p:txBody>
@@ -8502,7 +12072,7 @@
     </p:spTree>
     <p:extLst>
       <p:ext uri="{BB962C8B-B14F-4D97-AF65-F5344CB8AC3E}">
-        <p14:creationId xmlns:p14="http://schemas.microsoft.com/office/powerpoint/2010/main" val="1836775151"/>
+        <p14:creationId xmlns:p14="http://schemas.microsoft.com/office/powerpoint/2010/main" val="3403926920"/>
       </p:ext>
     </p:extLst>
   </p:cSld>
@@ -8534,7 +12104,7 @@
           <p:cNvPr id="4" name="Title 3">
             <a:extLst>
               <a:ext uri="{FF2B5EF4-FFF2-40B4-BE49-F238E27FC236}">
-                <a16:creationId xmlns:a16="http://schemas.microsoft.com/office/drawing/2014/main" id="{82E743A9-2328-4EAE-A139-C409E572AD92}"/>
+                <a16:creationId xmlns:a16="http://schemas.microsoft.com/office/drawing/2014/main" id="{526BC2B6-AE2C-3E1D-788D-592ABCDC14E7}"/>
               </a:ext>
             </a:extLst>
           </p:cNvPr>
@@ -8551,8 +12121,8 @@
           <a:lstStyle/>
           <a:p>
             <a:r>
-              <a:rPr lang="en-US" dirty="0"/>
-              <a:t>Referencing the Value</a:t>
+              <a:rPr lang="en-US"/>
+              <a:t>Typing</a:t>
             </a:r>
           </a:p>
         </p:txBody>
@@ -8562,7 +12132,7 @@
           <p:cNvPr id="5" name="Text Placeholder 4">
             <a:extLst>
               <a:ext uri="{FF2B5EF4-FFF2-40B4-BE49-F238E27FC236}">
-                <a16:creationId xmlns:a16="http://schemas.microsoft.com/office/drawing/2014/main" id="{3113C84B-0942-4BAF-BCD8-3B3098254A73}"/>
+                <a16:creationId xmlns:a16="http://schemas.microsoft.com/office/drawing/2014/main" id="{CE5050AF-7D60-7B16-0E17-6467A67E504A}"/>
               </a:ext>
             </a:extLst>
           </p:cNvPr>
@@ -8579,8 +12149,8 @@
           <a:lstStyle/>
           <a:p>
             <a:r>
-              <a:rPr lang="en-US" dirty="0"/>
-              <a:t>Passing (and receiving) by value and reference</a:t>
+              <a:rPr lang="en-US"/>
+              <a:t>Objects… not documents</a:t>
             </a:r>
           </a:p>
         </p:txBody>
@@ -8588,7 +12158,7 @@
     </p:spTree>
     <p:extLst>
       <p:ext uri="{BB962C8B-B14F-4D97-AF65-F5344CB8AC3E}">
-        <p14:creationId xmlns:p14="http://schemas.microsoft.com/office/powerpoint/2010/main" val="4225379118"/>
+        <p14:creationId xmlns:p14="http://schemas.microsoft.com/office/powerpoint/2010/main" val="2998567692"/>
       </p:ext>
     </p:extLst>
   </p:cSld>
@@ -8894,15 +12464,6 @@
 </file>
 
 <file path=customXml/item1.xml><?xml version="1.0" encoding="utf-8"?>
-<?mso-contentType ?>
-<FormTemplates xmlns="http://schemas.microsoft.com/sharepoint/v3/contenttype/forms">
-  <Display>DocumentLibraryForm</Display>
-  <Edit>DocumentLibraryForm</Edit>
-  <New>DocumentLibraryForm</New>
-</FormTemplates>
-</file>
-
-<file path=customXml/item2.xml><?xml version="1.0" encoding="utf-8"?>
 <ct:contentTypeSchema xmlns:ct="http://schemas.microsoft.com/office/2006/metadata/contentType" xmlns:ma="http://schemas.microsoft.com/office/2006/metadata/properties/metaAttributes" ct:_="" ma:_="" ma:contentTypeName="Document" ma:contentTypeID="0x010100066787FB9552CF40BFF026EAAC52FBCA" ma:contentTypeVersion="18" ma:contentTypeDescription="Create a new document." ma:contentTypeScope="" ma:versionID="1683e0f48315e88811cafb8ea3cf965d">
   <xsd:schema xmlns:xsd="http://www.w3.org/2001/XMLSchema" xmlns:xs="http://www.w3.org/2001/XMLSchema" xmlns:p="http://schemas.microsoft.com/office/2006/metadata/properties" xmlns:ns2="0f628621-369a-46c7-83bd-de17ca407533" xmlns:ns3="994c1987-0261-432a-b2ef-a9da39f1b5e2" targetNamespace="http://schemas.microsoft.com/office/2006/metadata/properties" ma:root="true" ma:fieldsID="a1218619feb0f8467992b34858ce2bdd" ns2:_="" ns3:_="">
     <xsd:import namespace="0f628621-369a-46c7-83bd-de17ca407533"/>
@@ -9153,15 +12714,16 @@
 </ct:contentTypeSchema>
 </file>
 
-<file path=customXml/itemProps1.xml><?xml version="1.0" encoding="utf-8"?>
-<ds:datastoreItem xmlns:ds="http://schemas.openxmlformats.org/officeDocument/2006/customXml" ds:itemID="{FBB99CDF-4DD1-4BCA-94A9-937C9978E90C}">
-  <ds:schemaRefs>
-    <ds:schemaRef ds:uri="http://schemas.microsoft.com/sharepoint/v3/contenttype/forms"/>
-  </ds:schemaRefs>
-</ds:datastoreItem>
+<file path=customXml/item2.xml><?xml version="1.0" encoding="utf-8"?>
+<?mso-contentType ?>
+<FormTemplates xmlns="http://schemas.microsoft.com/sharepoint/v3/contenttype/forms">
+  <Display>DocumentLibraryForm</Display>
+  <Edit>DocumentLibraryForm</Edit>
+  <New>DocumentLibraryForm</New>
+</FormTemplates>
 </file>
 
-<file path=customXml/itemProps2.xml><?xml version="1.0" encoding="utf-8"?>
+<file path=customXml/itemProps1.xml><?xml version="1.0" encoding="utf-8"?>
 <ds:datastoreItem xmlns:ds="http://schemas.openxmlformats.org/officeDocument/2006/customXml" ds:itemID="{9A3442F5-7313-42C3-80C5-060E65E825FA}">
   <ds:schemaRefs>
     <ds:schemaRef ds:uri="http://schemas.microsoft.com/office/2006/metadata/contentType"/>
@@ -9178,4 +12740,12 @@
     <ds:schemaRef ds:uri="http://schemas.microsoft.com/internal/obd"/>
   </ds:schemaRefs>
 </ds:datastoreItem>
+</file>
+
+<file path=customXml/itemProps2.xml><?xml version="1.0" encoding="utf-8"?>
+<ds:datastoreItem xmlns:ds="http://schemas.openxmlformats.org/officeDocument/2006/customXml" ds:itemID="{FBB99CDF-4DD1-4BCA-94A9-937C9978E90C}">
+  <ds:schemaRefs>
+    <ds:schemaRef ds:uri="http://schemas.microsoft.com/sharepoint/v3/contenttype/forms"/>
+  </ds:schemaRefs>
+</ds:datastoreItem>
 </file>